--- a/Presentation Machine Learning Final Project.pptx
+++ b/Presentation Machine Learning Final Project.pptx
@@ -1,49 +1,49 @@
 
 <file path=ppt/presentation.xml><?xml version="1.0" encoding="utf-8"?>
-<p:presentation xmlns:a="http://schemas.openxmlformats.org/drawingml/2006/main" xmlns:r="http://schemas.openxmlformats.org/officeDocument/2006/relationships" xmlns:mc="http://schemas.openxmlformats.org/markup-compatibility/2006" xmlns:mv="urn:schemas-microsoft-com:mac:vml" xmlns:p="http://schemas.openxmlformats.org/presentationml/2006/main" xmlns:c="http://schemas.openxmlformats.org/drawingml/2006/chart" xmlns:dgm="http://schemas.openxmlformats.org/drawingml/2006/diagram" xmlns:o="urn:schemas-microsoft-com:office:office" xmlns:v="urn:schemas-microsoft-com:vml" xmlns:pvml="urn:schemas-microsoft-com:office:powerpoint" xmlns:com="http://schemas.openxmlformats.org/drawingml/2006/compatibility" xmlns:p14="http://schemas.microsoft.com/office/powerpoint/2010/main" xmlns:p15="http://schemas.microsoft.com/office/powerpoint/2012/main" xmlns:ahyp="http://schemas.microsoft.com/office/drawing/2018/hyperlinkcolor" autoCompressPictures="0" embedTrueTypeFonts="1" strictFirstAndLastChars="0" saveSubsetFonts="1">
+<p:presentation xmlns:a="http://schemas.openxmlformats.org/drawingml/2006/main" xmlns:r="http://schemas.openxmlformats.org/officeDocument/2006/relationships" xmlns:p="http://schemas.openxmlformats.org/presentationml/2006/main" strictFirstAndLastChars="0" embedTrueTypeFonts="1" saveSubsetFonts="1" autoCompressPictures="0">
   <p:sldMasterIdLst>
-    <p:sldMasterId id="2147483659" r:id="rId4"/>
+    <p:sldMasterId id="2147483659" r:id="rId1"/>
   </p:sldMasterIdLst>
   <p:notesMasterIdLst>
-    <p:notesMasterId r:id="rId5"/>
+    <p:notesMasterId r:id="rId19"/>
   </p:notesMasterIdLst>
   <p:sldIdLst>
-    <p:sldId id="256" r:id="rId6"/>
-    <p:sldId id="257" r:id="rId7"/>
-    <p:sldId id="258" r:id="rId8"/>
-    <p:sldId id="259" r:id="rId9"/>
-    <p:sldId id="260" r:id="rId10"/>
-    <p:sldId id="261" r:id="rId11"/>
-    <p:sldId id="262" r:id="rId12"/>
-    <p:sldId id="263" r:id="rId13"/>
-    <p:sldId id="264" r:id="rId14"/>
-    <p:sldId id="265" r:id="rId15"/>
-    <p:sldId id="266" r:id="rId16"/>
-    <p:sldId id="267" r:id="rId17"/>
-    <p:sldId id="268" r:id="rId18"/>
-    <p:sldId id="269" r:id="rId19"/>
-    <p:sldId id="270" r:id="rId20"/>
-    <p:sldId id="271" r:id="rId21"/>
-    <p:sldId id="272" r:id="rId22"/>
+    <p:sldId id="256" r:id="rId2"/>
+    <p:sldId id="257" r:id="rId3"/>
+    <p:sldId id="258" r:id="rId4"/>
+    <p:sldId id="259" r:id="rId5"/>
+    <p:sldId id="260" r:id="rId6"/>
+    <p:sldId id="261" r:id="rId7"/>
+    <p:sldId id="262" r:id="rId8"/>
+    <p:sldId id="263" r:id="rId9"/>
+    <p:sldId id="264" r:id="rId10"/>
+    <p:sldId id="265" r:id="rId11"/>
+    <p:sldId id="266" r:id="rId12"/>
+    <p:sldId id="267" r:id="rId13"/>
+    <p:sldId id="268" r:id="rId14"/>
+    <p:sldId id="269" r:id="rId15"/>
+    <p:sldId id="270" r:id="rId16"/>
+    <p:sldId id="271" r:id="rId17"/>
+    <p:sldId id="272" r:id="rId18"/>
   </p:sldIdLst>
-  <p:sldSz cy="5143500" cx="9144000"/>
+  <p:sldSz cx="9144000" cy="5143500" type="screen16x9"/>
   <p:notesSz cx="6858000" cy="9144000"/>
   <p:embeddedFontLst>
     <p:embeddedFont>
-      <p:font typeface="Roboto Slab"/>
-      <p:regular r:id="rId23"/>
-      <p:bold r:id="rId24"/>
+      <p:font typeface="Roboto" panose="02000000000000000000" pitchFamily="2" charset="0"/>
+      <p:regular r:id="rId20"/>
+      <p:bold r:id="rId21"/>
+      <p:italic r:id="rId22"/>
+      <p:boldItalic r:id="rId23"/>
     </p:embeddedFont>
     <p:embeddedFont>
-      <p:font typeface="Roboto"/>
-      <p:regular r:id="rId25"/>
-      <p:bold r:id="rId26"/>
-      <p:italic r:id="rId27"/>
-      <p:boldItalic r:id="rId28"/>
+      <p:font typeface="Roboto Slab" pitchFamily="2" charset="0"/>
+      <p:regular r:id="rId24"/>
+      <p:bold r:id="rId25"/>
     </p:embeddedFont>
   </p:embeddedFontLst>
   <p:defaultTextStyle>
-    <a:defPPr lvl="0" marR="0" rtl="0" algn="l">
+    <a:defPPr marR="0" lvl="0" algn="l" rtl="0">
       <a:lnSpc>
         <a:spcPct val="100000"/>
       </a:lnSpc>
@@ -54,7 +54,7 @@
         <a:spcPts val="0"/>
       </a:spcAft>
     </a:defPPr>
-    <a:lvl1pPr lvl="0" marR="0" rtl="0" algn="l">
+    <a:lvl1pPr marR="0" lvl="0" algn="l" rtl="0">
       <a:lnSpc>
         <a:spcPct val="100000"/>
       </a:lnSpc>
@@ -68,7 +68,7 @@
         <a:srgbClr val="000000"/>
       </a:buClr>
       <a:buFont typeface="Arial"/>
-      <a:defRPr b="0" i="0" sz="1400" u="none" cap="none" strike="noStrike">
+      <a:defRPr sz="1400" b="0" i="0" u="none" strike="noStrike" cap="none">
         <a:solidFill>
           <a:srgbClr val="000000"/>
         </a:solidFill>
@@ -78,7 +78,7 @@
         <a:sym typeface="Arial"/>
       </a:defRPr>
     </a:lvl1pPr>
-    <a:lvl2pPr lvl="1" marR="0" rtl="0" algn="l">
+    <a:lvl2pPr marR="0" lvl="1" algn="l" rtl="0">
       <a:lnSpc>
         <a:spcPct val="100000"/>
       </a:lnSpc>
@@ -92,7 +92,7 @@
         <a:srgbClr val="000000"/>
       </a:buClr>
       <a:buFont typeface="Arial"/>
-      <a:defRPr b="0" i="0" sz="1400" u="none" cap="none" strike="noStrike">
+      <a:defRPr sz="1400" b="0" i="0" u="none" strike="noStrike" cap="none">
         <a:solidFill>
           <a:srgbClr val="000000"/>
         </a:solidFill>
@@ -102,7 +102,7 @@
         <a:sym typeface="Arial"/>
       </a:defRPr>
     </a:lvl2pPr>
-    <a:lvl3pPr lvl="2" marR="0" rtl="0" algn="l">
+    <a:lvl3pPr marR="0" lvl="2" algn="l" rtl="0">
       <a:lnSpc>
         <a:spcPct val="100000"/>
       </a:lnSpc>
@@ -116,7 +116,7 @@
         <a:srgbClr val="000000"/>
       </a:buClr>
       <a:buFont typeface="Arial"/>
-      <a:defRPr b="0" i="0" sz="1400" u="none" cap="none" strike="noStrike">
+      <a:defRPr sz="1400" b="0" i="0" u="none" strike="noStrike" cap="none">
         <a:solidFill>
           <a:srgbClr val="000000"/>
         </a:solidFill>
@@ -126,7 +126,7 @@
         <a:sym typeface="Arial"/>
       </a:defRPr>
     </a:lvl3pPr>
-    <a:lvl4pPr lvl="3" marR="0" rtl="0" algn="l">
+    <a:lvl4pPr marR="0" lvl="3" algn="l" rtl="0">
       <a:lnSpc>
         <a:spcPct val="100000"/>
       </a:lnSpc>
@@ -140,7 +140,7 @@
         <a:srgbClr val="000000"/>
       </a:buClr>
       <a:buFont typeface="Arial"/>
-      <a:defRPr b="0" i="0" sz="1400" u="none" cap="none" strike="noStrike">
+      <a:defRPr sz="1400" b="0" i="0" u="none" strike="noStrike" cap="none">
         <a:solidFill>
           <a:srgbClr val="000000"/>
         </a:solidFill>
@@ -150,7 +150,7 @@
         <a:sym typeface="Arial"/>
       </a:defRPr>
     </a:lvl4pPr>
-    <a:lvl5pPr lvl="4" marR="0" rtl="0" algn="l">
+    <a:lvl5pPr marR="0" lvl="4" algn="l" rtl="0">
       <a:lnSpc>
         <a:spcPct val="100000"/>
       </a:lnSpc>
@@ -164,7 +164,7 @@
         <a:srgbClr val="000000"/>
       </a:buClr>
       <a:buFont typeface="Arial"/>
-      <a:defRPr b="0" i="0" sz="1400" u="none" cap="none" strike="noStrike">
+      <a:defRPr sz="1400" b="0" i="0" u="none" strike="noStrike" cap="none">
         <a:solidFill>
           <a:srgbClr val="000000"/>
         </a:solidFill>
@@ -174,7 +174,7 @@
         <a:sym typeface="Arial"/>
       </a:defRPr>
     </a:lvl5pPr>
-    <a:lvl6pPr lvl="5" marR="0" rtl="0" algn="l">
+    <a:lvl6pPr marR="0" lvl="5" algn="l" rtl="0">
       <a:lnSpc>
         <a:spcPct val="100000"/>
       </a:lnSpc>
@@ -188,7 +188,7 @@
         <a:srgbClr val="000000"/>
       </a:buClr>
       <a:buFont typeface="Arial"/>
-      <a:defRPr b="0" i="0" sz="1400" u="none" cap="none" strike="noStrike">
+      <a:defRPr sz="1400" b="0" i="0" u="none" strike="noStrike" cap="none">
         <a:solidFill>
           <a:srgbClr val="000000"/>
         </a:solidFill>
@@ -198,7 +198,7 @@
         <a:sym typeface="Arial"/>
       </a:defRPr>
     </a:lvl6pPr>
-    <a:lvl7pPr lvl="6" marR="0" rtl="0" algn="l">
+    <a:lvl7pPr marR="0" lvl="6" algn="l" rtl="0">
       <a:lnSpc>
         <a:spcPct val="100000"/>
       </a:lnSpc>
@@ -212,7 +212,7 @@
         <a:srgbClr val="000000"/>
       </a:buClr>
       <a:buFont typeface="Arial"/>
-      <a:defRPr b="0" i="0" sz="1400" u="none" cap="none" strike="noStrike">
+      <a:defRPr sz="1400" b="0" i="0" u="none" strike="noStrike" cap="none">
         <a:solidFill>
           <a:srgbClr val="000000"/>
         </a:solidFill>
@@ -222,7 +222,7 @@
         <a:sym typeface="Arial"/>
       </a:defRPr>
     </a:lvl7pPr>
-    <a:lvl8pPr lvl="7" marR="0" rtl="0" algn="l">
+    <a:lvl8pPr marR="0" lvl="7" algn="l" rtl="0">
       <a:lnSpc>
         <a:spcPct val="100000"/>
       </a:lnSpc>
@@ -236,7 +236,7 @@
         <a:srgbClr val="000000"/>
       </a:buClr>
       <a:buFont typeface="Arial"/>
-      <a:defRPr b="0" i="0" sz="1400" u="none" cap="none" strike="noStrike">
+      <a:defRPr sz="1400" b="0" i="0" u="none" strike="noStrike" cap="none">
         <a:solidFill>
           <a:srgbClr val="000000"/>
         </a:solidFill>
@@ -246,7 +246,7 @@
         <a:sym typeface="Arial"/>
       </a:defRPr>
     </a:lvl8pPr>
-    <a:lvl9pPr lvl="8" marR="0" rtl="0" algn="l">
+    <a:lvl9pPr marR="0" lvl="8" algn="l" rtl="0">
       <a:lnSpc>
         <a:spcPct val="100000"/>
       </a:lnSpc>
@@ -260,7 +260,7 @@
         <a:srgbClr val="000000"/>
       </a:buClr>
       <a:buFont typeface="Arial"/>
-      <a:defRPr b="0" i="0" sz="1400" u="none" cap="none" strike="noStrike">
+      <a:defRPr sz="1400" b="0" i="0" u="none" strike="noStrike" cap="none">
         <a:solidFill>
           <a:srgbClr val="000000"/>
         </a:solidFill>
@@ -273,7 +273,7 @@
   </p:defaultTextStyle>
   <p:extLst>
     <p:ext uri="{EFAFB233-063F-42B5-8137-9DF3F51BA10A}">
-      <p15:sldGuideLst>
+      <p15:sldGuideLst xmlns:p15="http://schemas.microsoft.com/office/powerpoint/2012/main">
         <p15:guide id="1" orient="horz" pos="1620">
           <p15:clr>
             <a:srgbClr val="747775"/>
@@ -291,11 +291,16 @@
 </file>
 
 <file path=ppt/notesMasters/notesMaster1.xml><?xml version="1.0" encoding="utf-8"?>
-<p:notesMaster xmlns:a="http://schemas.openxmlformats.org/drawingml/2006/main" xmlns:r="http://schemas.openxmlformats.org/officeDocument/2006/relationships" xmlns:mc="http://schemas.openxmlformats.org/markup-compatibility/2006" xmlns:mv="urn:schemas-microsoft-com:mac:vml" xmlns:p="http://schemas.openxmlformats.org/presentationml/2006/main" xmlns:c="http://schemas.openxmlformats.org/drawingml/2006/chart" xmlns:dgm="http://schemas.openxmlformats.org/drawingml/2006/diagram" xmlns:o="urn:schemas-microsoft-com:office:office" xmlns:v="urn:schemas-microsoft-com:vml" xmlns:pvml="urn:schemas-microsoft-com:office:powerpoint" xmlns:com="http://schemas.openxmlformats.org/drawingml/2006/compatibility" xmlns:p14="http://schemas.microsoft.com/office/powerpoint/2010/main" xmlns:p15="http://schemas.microsoft.com/office/powerpoint/2012/main" xmlns:ahyp="http://schemas.microsoft.com/office/drawing/2018/hyperlinkcolor">
+<p:notesMaster xmlns:a="http://schemas.openxmlformats.org/drawingml/2006/main" xmlns:r="http://schemas.openxmlformats.org/officeDocument/2006/relationships" xmlns:p="http://schemas.openxmlformats.org/presentationml/2006/main">
   <p:cSld>
+    <p:bg>
+      <p:bgRef idx="1001">
+        <a:schemeClr val="bg1"/>
+      </p:bgRef>
+    </p:bg>
     <p:spTree>
       <p:nvGrpSpPr>
-        <p:cNvPr id="2" name="Shape 2"/>
+        <p:cNvPr id="1" name="Shape 2"/>
         <p:cNvGrpSpPr/>
         <p:nvPr/>
       </p:nvGrpSpPr>
@@ -310,9 +315,11 @@
       <p:sp>
         <p:nvSpPr>
           <p:cNvPr id="3" name="Google Shape;3;n"/>
-          <p:cNvSpPr/>
+          <p:cNvSpPr>
+            <a:spLocks noGrp="1" noRot="1" noChangeAspect="1"/>
+          </p:cNvSpPr>
           <p:nvPr>
-            <p:ph idx="2" type="sldImg"/>
+            <p:ph type="sldImg" idx="2"/>
           </p:nvPr>
         </p:nvSpPr>
         <p:spPr>
@@ -321,9 +328,13 @@
             <a:ext cx="6096075" cy="3429000"/>
           </a:xfrm>
           <a:custGeom>
-            <a:rect b="b" l="l" r="r" t="t"/>
+            <a:avLst/>
+            <a:gdLst/>
+            <a:ahLst/>
+            <a:cxnLst/>
+            <a:rect l="l" t="t" r="r" b="b"/>
             <a:pathLst>
-              <a:path extrusionOk="0" h="120000" w="120000">
+              <a:path w="120000" h="120000" extrusionOk="0">
                 <a:moveTo>
                   <a:pt x="0" y="0"/>
                 </a:moveTo>
@@ -341,23 +352,25 @@
             </a:pathLst>
           </a:custGeom>
           <a:noFill/>
-          <a:ln cap="flat" cmpd="sng" w="9525">
+          <a:ln w="9525" cap="flat" cmpd="sng">
             <a:solidFill>
               <a:srgbClr val="000000"/>
             </a:solidFill>
             <a:prstDash val="solid"/>
             <a:round/>
-            <a:headEnd len="sm" w="sm" type="none"/>
-            <a:tailEnd len="sm" w="sm" type="none"/>
+            <a:headEnd type="none" w="sm" len="sm"/>
+            <a:tailEnd type="none" w="sm" len="sm"/>
           </a:ln>
         </p:spPr>
       </p:sp>
       <p:sp>
         <p:nvSpPr>
           <p:cNvPr id="4" name="Google Shape;4;n"/>
-          <p:cNvSpPr txBox="1"/>
+          <p:cNvSpPr txBox="1">
+            <a:spLocks noGrp="1"/>
+          </p:cNvSpPr>
           <p:nvPr>
-            <p:ph idx="1" type="body"/>
+            <p:ph type="body" idx="1"/>
           </p:nvPr>
         </p:nvSpPr>
         <p:spPr>
@@ -374,11 +387,11 @@
           </a:ln>
         </p:spPr>
         <p:txBody>
-          <a:bodyPr anchorCtr="0" anchor="t" bIns="91425" lIns="91425" spcFirstLastPara="1" rIns="91425" wrap="square" tIns="91425">
+          <a:bodyPr spcFirstLastPara="1" wrap="square" lIns="91425" tIns="91425" rIns="91425" bIns="91425" anchor="t" anchorCtr="0">
             <a:noAutofit/>
           </a:bodyPr>
           <a:lstStyle>
-            <a:lvl1pPr indent="-298450" lvl="0" marL="457200">
+            <a:lvl1pPr marL="457200" lvl="0" indent="-298450">
               <a:spcBef>
                 <a:spcPts val="0"/>
               </a:spcBef>
@@ -389,7 +402,7 @@
               <a:buChar char="●"/>
               <a:defRPr sz="1100"/>
             </a:lvl1pPr>
-            <a:lvl2pPr indent="-298450" lvl="1" marL="914400">
+            <a:lvl2pPr marL="914400" lvl="1" indent="-298450">
               <a:spcBef>
                 <a:spcPts val="0"/>
               </a:spcBef>
@@ -400,7 +413,7 @@
               <a:buChar char="○"/>
               <a:defRPr sz="1100"/>
             </a:lvl2pPr>
-            <a:lvl3pPr indent="-298450" lvl="2" marL="1371600">
+            <a:lvl3pPr marL="1371600" lvl="2" indent="-298450">
               <a:spcBef>
                 <a:spcPts val="0"/>
               </a:spcBef>
@@ -411,7 +424,7 @@
               <a:buChar char="■"/>
               <a:defRPr sz="1100"/>
             </a:lvl3pPr>
-            <a:lvl4pPr indent="-298450" lvl="3" marL="1828800">
+            <a:lvl4pPr marL="1828800" lvl="3" indent="-298450">
               <a:spcBef>
                 <a:spcPts val="0"/>
               </a:spcBef>
@@ -422,7 +435,7 @@
               <a:buChar char="●"/>
               <a:defRPr sz="1100"/>
             </a:lvl4pPr>
-            <a:lvl5pPr indent="-298450" lvl="4" marL="2286000">
+            <a:lvl5pPr marL="2286000" lvl="4" indent="-298450">
               <a:spcBef>
                 <a:spcPts val="0"/>
               </a:spcBef>
@@ -433,7 +446,7 @@
               <a:buChar char="○"/>
               <a:defRPr sz="1100"/>
             </a:lvl5pPr>
-            <a:lvl6pPr indent="-298450" lvl="5" marL="2743200">
+            <a:lvl6pPr marL="2743200" lvl="5" indent="-298450">
               <a:spcBef>
                 <a:spcPts val="0"/>
               </a:spcBef>
@@ -444,7 +457,7 @@
               <a:buChar char="■"/>
               <a:defRPr sz="1100"/>
             </a:lvl6pPr>
-            <a:lvl7pPr indent="-298450" lvl="6" marL="3200400">
+            <a:lvl7pPr marL="3200400" lvl="6" indent="-298450">
               <a:spcBef>
                 <a:spcPts val="0"/>
               </a:spcBef>
@@ -455,7 +468,7 @@
               <a:buChar char="●"/>
               <a:defRPr sz="1100"/>
             </a:lvl7pPr>
-            <a:lvl8pPr indent="-298450" lvl="7" marL="3657600">
+            <a:lvl8pPr marL="3657600" lvl="7" indent="-298450">
               <a:spcBef>
                 <a:spcPts val="0"/>
               </a:spcBef>
@@ -466,7 +479,7 @@
               <a:buChar char="○"/>
               <a:defRPr sz="1100"/>
             </a:lvl8pPr>
-            <a:lvl9pPr indent="-298450" lvl="8" marL="4114800">
+            <a:lvl9pPr marL="4114800" lvl="8" indent="-298450">
               <a:spcBef>
                 <a:spcPts val="0"/>
               </a:spcBef>
@@ -478,14 +491,16 @@
               <a:defRPr sz="1100"/>
             </a:lvl9pPr>
           </a:lstStyle>
-          <a:p/>
+          <a:p>
+            <a:endParaRPr/>
+          </a:p>
         </p:txBody>
       </p:sp>
     </p:spTree>
   </p:cSld>
-  <p:clrMap accent1="accent1" accent2="accent2" accent3="accent3" accent4="accent4" accent5="accent5" accent6="accent6" bg1="lt1" bg2="dk2" tx1="dk1" tx2="lt2" folHlink="folHlink" hlink="hlink"/>
+  <p:clrMap bg1="lt1" tx1="dk1" bg2="dk2" tx2="lt2" accent1="accent1" accent2="accent2" accent3="accent3" accent4="accent4" accent5="accent5" accent6="accent6" hlink="hlink" folHlink="folHlink"/>
   <p:notesStyle>
-    <a:defPPr lvl="0" marR="0" rtl="0" algn="l">
+    <a:defPPr marR="0" lvl="0" algn="l" rtl="0">
       <a:lnSpc>
         <a:spcPct val="100000"/>
       </a:lnSpc>
@@ -496,7 +511,7 @@
         <a:spcPts val="0"/>
       </a:spcAft>
     </a:defPPr>
-    <a:lvl1pPr lvl="0" marR="0" rtl="0" algn="l">
+    <a:lvl1pPr marR="0" lvl="0" algn="l" rtl="0">
       <a:lnSpc>
         <a:spcPct val="100000"/>
       </a:lnSpc>
@@ -510,7 +525,7 @@
         <a:srgbClr val="000000"/>
       </a:buClr>
       <a:buFont typeface="Arial"/>
-      <a:defRPr b="0" i="0" sz="1400" u="none" cap="none" strike="noStrike">
+      <a:defRPr sz="1400" b="0" i="0" u="none" strike="noStrike" cap="none">
         <a:solidFill>
           <a:srgbClr val="000000"/>
         </a:solidFill>
@@ -520,7 +535,7 @@
         <a:sym typeface="Arial"/>
       </a:defRPr>
     </a:lvl1pPr>
-    <a:lvl2pPr lvl="1" marR="0" rtl="0" algn="l">
+    <a:lvl2pPr marR="0" lvl="1" algn="l" rtl="0">
       <a:lnSpc>
         <a:spcPct val="100000"/>
       </a:lnSpc>
@@ -534,7 +549,7 @@
         <a:srgbClr val="000000"/>
       </a:buClr>
       <a:buFont typeface="Arial"/>
-      <a:defRPr b="0" i="0" sz="1400" u="none" cap="none" strike="noStrike">
+      <a:defRPr sz="1400" b="0" i="0" u="none" strike="noStrike" cap="none">
         <a:solidFill>
           <a:srgbClr val="000000"/>
         </a:solidFill>
@@ -544,7 +559,7 @@
         <a:sym typeface="Arial"/>
       </a:defRPr>
     </a:lvl2pPr>
-    <a:lvl3pPr lvl="2" marR="0" rtl="0" algn="l">
+    <a:lvl3pPr marR="0" lvl="2" algn="l" rtl="0">
       <a:lnSpc>
         <a:spcPct val="100000"/>
       </a:lnSpc>
@@ -558,7 +573,7 @@
         <a:srgbClr val="000000"/>
       </a:buClr>
       <a:buFont typeface="Arial"/>
-      <a:defRPr b="0" i="0" sz="1400" u="none" cap="none" strike="noStrike">
+      <a:defRPr sz="1400" b="0" i="0" u="none" strike="noStrike" cap="none">
         <a:solidFill>
           <a:srgbClr val="000000"/>
         </a:solidFill>
@@ -568,7 +583,7 @@
         <a:sym typeface="Arial"/>
       </a:defRPr>
     </a:lvl3pPr>
-    <a:lvl4pPr lvl="3" marR="0" rtl="0" algn="l">
+    <a:lvl4pPr marR="0" lvl="3" algn="l" rtl="0">
       <a:lnSpc>
         <a:spcPct val="100000"/>
       </a:lnSpc>
@@ -582,7 +597,7 @@
         <a:srgbClr val="000000"/>
       </a:buClr>
       <a:buFont typeface="Arial"/>
-      <a:defRPr b="0" i="0" sz="1400" u="none" cap="none" strike="noStrike">
+      <a:defRPr sz="1400" b="0" i="0" u="none" strike="noStrike" cap="none">
         <a:solidFill>
           <a:srgbClr val="000000"/>
         </a:solidFill>
@@ -592,7 +607,7 @@
         <a:sym typeface="Arial"/>
       </a:defRPr>
     </a:lvl4pPr>
-    <a:lvl5pPr lvl="4" marR="0" rtl="0" algn="l">
+    <a:lvl5pPr marR="0" lvl="4" algn="l" rtl="0">
       <a:lnSpc>
         <a:spcPct val="100000"/>
       </a:lnSpc>
@@ -606,7 +621,7 @@
         <a:srgbClr val="000000"/>
       </a:buClr>
       <a:buFont typeface="Arial"/>
-      <a:defRPr b="0" i="0" sz="1400" u="none" cap="none" strike="noStrike">
+      <a:defRPr sz="1400" b="0" i="0" u="none" strike="noStrike" cap="none">
         <a:solidFill>
           <a:srgbClr val="000000"/>
         </a:solidFill>
@@ -616,7 +631,7 @@
         <a:sym typeface="Arial"/>
       </a:defRPr>
     </a:lvl5pPr>
-    <a:lvl6pPr lvl="5" marR="0" rtl="0" algn="l">
+    <a:lvl6pPr marR="0" lvl="5" algn="l" rtl="0">
       <a:lnSpc>
         <a:spcPct val="100000"/>
       </a:lnSpc>
@@ -630,7 +645,7 @@
         <a:srgbClr val="000000"/>
       </a:buClr>
       <a:buFont typeface="Arial"/>
-      <a:defRPr b="0" i="0" sz="1400" u="none" cap="none" strike="noStrike">
+      <a:defRPr sz="1400" b="0" i="0" u="none" strike="noStrike" cap="none">
         <a:solidFill>
           <a:srgbClr val="000000"/>
         </a:solidFill>
@@ -640,7 +655,7 @@
         <a:sym typeface="Arial"/>
       </a:defRPr>
     </a:lvl6pPr>
-    <a:lvl7pPr lvl="6" marR="0" rtl="0" algn="l">
+    <a:lvl7pPr marR="0" lvl="6" algn="l" rtl="0">
       <a:lnSpc>
         <a:spcPct val="100000"/>
       </a:lnSpc>
@@ -654,7 +669,7 @@
         <a:srgbClr val="000000"/>
       </a:buClr>
       <a:buFont typeface="Arial"/>
-      <a:defRPr b="0" i="0" sz="1400" u="none" cap="none" strike="noStrike">
+      <a:defRPr sz="1400" b="0" i="0" u="none" strike="noStrike" cap="none">
         <a:solidFill>
           <a:srgbClr val="000000"/>
         </a:solidFill>
@@ -664,7 +679,7 @@
         <a:sym typeface="Arial"/>
       </a:defRPr>
     </a:lvl7pPr>
-    <a:lvl8pPr lvl="7" marR="0" rtl="0" algn="l">
+    <a:lvl8pPr marR="0" lvl="7" algn="l" rtl="0">
       <a:lnSpc>
         <a:spcPct val="100000"/>
       </a:lnSpc>
@@ -678,7 +693,7 @@
         <a:srgbClr val="000000"/>
       </a:buClr>
       <a:buFont typeface="Arial"/>
-      <a:defRPr b="0" i="0" sz="1400" u="none" cap="none" strike="noStrike">
+      <a:defRPr sz="1400" b="0" i="0" u="none" strike="noStrike" cap="none">
         <a:solidFill>
           <a:srgbClr val="000000"/>
         </a:solidFill>
@@ -688,7 +703,7 @@
         <a:sym typeface="Arial"/>
       </a:defRPr>
     </a:lvl8pPr>
-    <a:lvl9pPr lvl="8" marR="0" rtl="0" algn="l">
+    <a:lvl9pPr marR="0" lvl="8" algn="l" rtl="0">
       <a:lnSpc>
         <a:spcPct val="100000"/>
       </a:lnSpc>
@@ -702,7 +717,7 @@
         <a:srgbClr val="000000"/>
       </a:buClr>
       <a:buFont typeface="Arial"/>
-      <a:defRPr b="0" i="0" sz="1400" u="none" cap="none" strike="noStrike">
+      <a:defRPr sz="1400" b="0" i="0" u="none" strike="noStrike" cap="none">
         <a:solidFill>
           <a:srgbClr val="000000"/>
         </a:solidFill>
@@ -717,11 +732,11 @@
 </file>
 
 <file path=ppt/notesSlides/notesSlide1.xml><?xml version="1.0" encoding="utf-8"?>
-<p:notes xmlns:a="http://schemas.openxmlformats.org/drawingml/2006/main" xmlns:r="http://schemas.openxmlformats.org/officeDocument/2006/relationships" xmlns:mc="http://schemas.openxmlformats.org/markup-compatibility/2006" xmlns:mv="urn:schemas-microsoft-com:mac:vml" xmlns:p="http://schemas.openxmlformats.org/presentationml/2006/main" xmlns:c="http://schemas.openxmlformats.org/drawingml/2006/chart" xmlns:dgm="http://schemas.openxmlformats.org/drawingml/2006/diagram" xmlns:o="urn:schemas-microsoft-com:office:office" xmlns:v="urn:schemas-microsoft-com:vml" xmlns:pvml="urn:schemas-microsoft-com:office:powerpoint" xmlns:com="http://schemas.openxmlformats.org/drawingml/2006/compatibility" xmlns:p14="http://schemas.microsoft.com/office/powerpoint/2010/main" xmlns:p15="http://schemas.microsoft.com/office/powerpoint/2012/main" xmlns:ahyp="http://schemas.microsoft.com/office/drawing/2018/hyperlinkcolor" showMasterPhAnim="0" showMasterSp="0">
+<p:notes xmlns:a="http://schemas.openxmlformats.org/drawingml/2006/main" xmlns:r="http://schemas.openxmlformats.org/officeDocument/2006/relationships" xmlns:p="http://schemas.openxmlformats.org/presentationml/2006/main" showMasterSp="0" showMasterPhAnim="0">
   <p:cSld>
     <p:spTree>
       <p:nvGrpSpPr>
-        <p:cNvPr id="59" name="Shape 59"/>
+        <p:cNvPr id="1" name="Shape 59"/>
         <p:cNvGrpSpPr/>
         <p:nvPr/>
       </p:nvGrpSpPr>
@@ -736,20 +751,26 @@
       <p:sp>
         <p:nvSpPr>
           <p:cNvPr id="60" name="Google Shape;60;p:notes"/>
-          <p:cNvSpPr/>
+          <p:cNvSpPr>
+            <a:spLocks noGrp="1" noRot="1" noChangeAspect="1"/>
+          </p:cNvSpPr>
           <p:nvPr>
-            <p:ph idx="2" type="sldImg"/>
+            <p:ph type="sldImg" idx="2"/>
           </p:nvPr>
         </p:nvSpPr>
         <p:spPr>
           <a:xfrm>
-            <a:off x="381300" y="685800"/>
-            <a:ext cx="6096075" cy="3429000"/>
+            <a:off x="381000" y="685800"/>
+            <a:ext cx="6096000" cy="3429000"/>
           </a:xfrm>
           <a:custGeom>
-            <a:rect b="b" l="l" r="r" t="t"/>
+            <a:avLst/>
+            <a:gdLst/>
+            <a:ahLst/>
+            <a:cxnLst/>
+            <a:rect l="l" t="t" r="r" b="b"/>
             <a:pathLst>
-              <a:path extrusionOk="0" h="120000" w="120000">
+              <a:path w="120000" h="120000" extrusionOk="0">
                 <a:moveTo>
                   <a:pt x="0" y="0"/>
                 </a:moveTo>
@@ -771,9 +792,11 @@
       <p:sp>
         <p:nvSpPr>
           <p:cNvPr id="61" name="Google Shape;61;p:notes"/>
-          <p:cNvSpPr txBox="1"/>
+          <p:cNvSpPr txBox="1">
+            <a:spLocks noGrp="1"/>
+          </p:cNvSpPr>
           <p:nvPr>
-            <p:ph idx="1" type="body"/>
+            <p:ph type="body" idx="1"/>
           </p:nvPr>
         </p:nvSpPr>
         <p:spPr>
@@ -786,23 +809,20 @@
           </a:prstGeom>
         </p:spPr>
         <p:txBody>
-          <a:bodyPr anchorCtr="0" anchor="t" bIns="91425" lIns="91425" spcFirstLastPara="1" rIns="91425" wrap="square" tIns="91425">
+          <a:bodyPr spcFirstLastPara="1" wrap="square" lIns="91425" tIns="91425" rIns="91425" bIns="91425" anchor="t" anchorCtr="0">
             <a:noAutofit/>
           </a:bodyPr>
           <a:lstStyle/>
           <a:p>
-            <a:pPr indent="0" lvl="0" marL="0" rtl="0" algn="l">
-              <a:spcBef>
-                <a:spcPts val="0"/>
-              </a:spcBef>
-              <a:spcAft>
-                <a:spcPts val="0"/>
-              </a:spcAft>
-              <a:buNone/>
-            </a:pPr>
-            <a:r>
-              <a:t/>
-            </a:r>
+            <a:pPr marL="0" lvl="0" indent="0" algn="l" rtl="0">
+              <a:spcBef>
+                <a:spcPts val="0"/>
+              </a:spcBef>
+              <a:spcAft>
+                <a:spcPts val="0"/>
+              </a:spcAft>
+              <a:buNone/>
+            </a:pPr>
             <a:endParaRPr/>
           </a:p>
         </p:txBody>
@@ -816,11 +836,11 @@
 </file>
 
 <file path=ppt/notesSlides/notesSlide10.xml><?xml version="1.0" encoding="utf-8"?>
-<p:notes xmlns:a="http://schemas.openxmlformats.org/drawingml/2006/main" xmlns:r="http://schemas.openxmlformats.org/officeDocument/2006/relationships" xmlns:mc="http://schemas.openxmlformats.org/markup-compatibility/2006" xmlns:mv="urn:schemas-microsoft-com:mac:vml" xmlns:p="http://schemas.openxmlformats.org/presentationml/2006/main" xmlns:c="http://schemas.openxmlformats.org/drawingml/2006/chart" xmlns:dgm="http://schemas.openxmlformats.org/drawingml/2006/diagram" xmlns:o="urn:schemas-microsoft-com:office:office" xmlns:v="urn:schemas-microsoft-com:vml" xmlns:pvml="urn:schemas-microsoft-com:office:powerpoint" xmlns:com="http://schemas.openxmlformats.org/drawingml/2006/compatibility" xmlns:p14="http://schemas.microsoft.com/office/powerpoint/2010/main" xmlns:p15="http://schemas.microsoft.com/office/powerpoint/2012/main" xmlns:ahyp="http://schemas.microsoft.com/office/drawing/2018/hyperlinkcolor" showMasterPhAnim="0" showMasterSp="0">
+<p:notes xmlns:a="http://schemas.openxmlformats.org/drawingml/2006/main" xmlns:r="http://schemas.openxmlformats.org/officeDocument/2006/relationships" xmlns:p="http://schemas.openxmlformats.org/presentationml/2006/main" showMasterSp="0" showMasterPhAnim="0">
   <p:cSld>
     <p:spTree>
       <p:nvGrpSpPr>
-        <p:cNvPr id="132" name="Shape 132"/>
+        <p:cNvPr id="1" name="Shape 132"/>
         <p:cNvGrpSpPr/>
         <p:nvPr/>
       </p:nvGrpSpPr>
@@ -835,9 +855,11 @@
       <p:sp>
         <p:nvSpPr>
           <p:cNvPr id="133" name="Google Shape;133;g23a642c196e_0_8:notes"/>
-          <p:cNvSpPr/>
+          <p:cNvSpPr>
+            <a:spLocks noGrp="1" noRot="1" noChangeAspect="1"/>
+          </p:cNvSpPr>
           <p:nvPr>
-            <p:ph idx="2" type="sldImg"/>
+            <p:ph type="sldImg" idx="2"/>
           </p:nvPr>
         </p:nvSpPr>
         <p:spPr>
@@ -846,9 +868,13 @@
             <a:ext cx="6096000" cy="3429000"/>
           </a:xfrm>
           <a:custGeom>
-            <a:rect b="b" l="l" r="r" t="t"/>
+            <a:avLst/>
+            <a:gdLst/>
+            <a:ahLst/>
+            <a:cxnLst/>
+            <a:rect l="l" t="t" r="r" b="b"/>
             <a:pathLst>
-              <a:path extrusionOk="0" h="120000" w="120000">
+              <a:path w="120000" h="120000" extrusionOk="0">
                 <a:moveTo>
                   <a:pt x="0" y="0"/>
                 </a:moveTo>
@@ -870,9 +896,11 @@
       <p:sp>
         <p:nvSpPr>
           <p:cNvPr id="134" name="Google Shape;134;g23a642c196e_0_8:notes"/>
-          <p:cNvSpPr txBox="1"/>
+          <p:cNvSpPr txBox="1">
+            <a:spLocks noGrp="1"/>
+          </p:cNvSpPr>
           <p:nvPr>
-            <p:ph idx="1" type="body"/>
+            <p:ph type="body" idx="1"/>
           </p:nvPr>
         </p:nvSpPr>
         <p:spPr>
@@ -885,23 +913,20 @@
           </a:prstGeom>
         </p:spPr>
         <p:txBody>
-          <a:bodyPr anchorCtr="0" anchor="t" bIns="91425" lIns="91425" spcFirstLastPara="1" rIns="91425" wrap="square" tIns="91425">
+          <a:bodyPr spcFirstLastPara="1" wrap="square" lIns="91425" tIns="91425" rIns="91425" bIns="91425" anchor="t" anchorCtr="0">
             <a:noAutofit/>
           </a:bodyPr>
           <a:lstStyle/>
           <a:p>
-            <a:pPr indent="0" lvl="0" marL="0" rtl="0" algn="l">
-              <a:spcBef>
-                <a:spcPts val="0"/>
-              </a:spcBef>
-              <a:spcAft>
-                <a:spcPts val="0"/>
-              </a:spcAft>
-              <a:buNone/>
-            </a:pPr>
-            <a:r>
-              <a:t/>
-            </a:r>
+            <a:pPr marL="0" lvl="0" indent="0" algn="l" rtl="0">
+              <a:spcBef>
+                <a:spcPts val="0"/>
+              </a:spcBef>
+              <a:spcAft>
+                <a:spcPts val="0"/>
+              </a:spcAft>
+              <a:buNone/>
+            </a:pPr>
             <a:endParaRPr/>
           </a:p>
         </p:txBody>
@@ -915,11 +940,11 @@
 </file>
 
 <file path=ppt/notesSlides/notesSlide11.xml><?xml version="1.0" encoding="utf-8"?>
-<p:notes xmlns:a="http://schemas.openxmlformats.org/drawingml/2006/main" xmlns:r="http://schemas.openxmlformats.org/officeDocument/2006/relationships" xmlns:mc="http://schemas.openxmlformats.org/markup-compatibility/2006" xmlns:mv="urn:schemas-microsoft-com:mac:vml" xmlns:p="http://schemas.openxmlformats.org/presentationml/2006/main" xmlns:c="http://schemas.openxmlformats.org/drawingml/2006/chart" xmlns:dgm="http://schemas.openxmlformats.org/drawingml/2006/diagram" xmlns:o="urn:schemas-microsoft-com:office:office" xmlns:v="urn:schemas-microsoft-com:vml" xmlns:pvml="urn:schemas-microsoft-com:office:powerpoint" xmlns:com="http://schemas.openxmlformats.org/drawingml/2006/compatibility" xmlns:p14="http://schemas.microsoft.com/office/powerpoint/2010/main" xmlns:p15="http://schemas.microsoft.com/office/powerpoint/2012/main" xmlns:ahyp="http://schemas.microsoft.com/office/drawing/2018/hyperlinkcolor" showMasterPhAnim="0" showMasterSp="0">
+<p:notes xmlns:a="http://schemas.openxmlformats.org/drawingml/2006/main" xmlns:r="http://schemas.openxmlformats.org/officeDocument/2006/relationships" xmlns:p="http://schemas.openxmlformats.org/presentationml/2006/main" showMasterSp="0" showMasterPhAnim="0">
   <p:cSld>
     <p:spTree>
       <p:nvGrpSpPr>
-        <p:cNvPr id="140" name="Shape 140"/>
+        <p:cNvPr id="1" name="Shape 140"/>
         <p:cNvGrpSpPr/>
         <p:nvPr/>
       </p:nvGrpSpPr>
@@ -934,9 +959,11 @@
       <p:sp>
         <p:nvSpPr>
           <p:cNvPr id="141" name="Google Shape;141;g23a90029362_0_2:notes"/>
-          <p:cNvSpPr/>
+          <p:cNvSpPr>
+            <a:spLocks noGrp="1" noRot="1" noChangeAspect="1"/>
+          </p:cNvSpPr>
           <p:nvPr>
-            <p:ph idx="2" type="sldImg"/>
+            <p:ph type="sldImg" idx="2"/>
           </p:nvPr>
         </p:nvSpPr>
         <p:spPr>
@@ -945,9 +972,13 @@
             <a:ext cx="6096000" cy="3429000"/>
           </a:xfrm>
           <a:custGeom>
-            <a:rect b="b" l="l" r="r" t="t"/>
+            <a:avLst/>
+            <a:gdLst/>
+            <a:ahLst/>
+            <a:cxnLst/>
+            <a:rect l="l" t="t" r="r" b="b"/>
             <a:pathLst>
-              <a:path extrusionOk="0" h="120000" w="120000">
+              <a:path w="120000" h="120000" extrusionOk="0">
                 <a:moveTo>
                   <a:pt x="0" y="0"/>
                 </a:moveTo>
@@ -969,9 +1000,11 @@
       <p:sp>
         <p:nvSpPr>
           <p:cNvPr id="142" name="Google Shape;142;g23a90029362_0_2:notes"/>
-          <p:cNvSpPr txBox="1"/>
+          <p:cNvSpPr txBox="1">
+            <a:spLocks noGrp="1"/>
+          </p:cNvSpPr>
           <p:nvPr>
-            <p:ph idx="1" type="body"/>
+            <p:ph type="body" idx="1"/>
           </p:nvPr>
         </p:nvSpPr>
         <p:spPr>
@@ -984,23 +1017,20 @@
           </a:prstGeom>
         </p:spPr>
         <p:txBody>
-          <a:bodyPr anchorCtr="0" anchor="t" bIns="91425" lIns="91425" spcFirstLastPara="1" rIns="91425" wrap="square" tIns="91425">
+          <a:bodyPr spcFirstLastPara="1" wrap="square" lIns="91425" tIns="91425" rIns="91425" bIns="91425" anchor="t" anchorCtr="0">
             <a:noAutofit/>
           </a:bodyPr>
           <a:lstStyle/>
           <a:p>
-            <a:pPr indent="0" lvl="0" marL="0" rtl="0" algn="l">
-              <a:spcBef>
-                <a:spcPts val="0"/>
-              </a:spcBef>
-              <a:spcAft>
-                <a:spcPts val="0"/>
-              </a:spcAft>
-              <a:buNone/>
-            </a:pPr>
-            <a:r>
-              <a:t/>
-            </a:r>
+            <a:pPr marL="0" lvl="0" indent="0" algn="l" rtl="0">
+              <a:spcBef>
+                <a:spcPts val="0"/>
+              </a:spcBef>
+              <a:spcAft>
+                <a:spcPts val="0"/>
+              </a:spcAft>
+              <a:buNone/>
+            </a:pPr>
             <a:endParaRPr/>
           </a:p>
         </p:txBody>
@@ -1014,11 +1044,11 @@
 </file>
 
 <file path=ppt/notesSlides/notesSlide12.xml><?xml version="1.0" encoding="utf-8"?>
-<p:notes xmlns:a="http://schemas.openxmlformats.org/drawingml/2006/main" xmlns:r="http://schemas.openxmlformats.org/officeDocument/2006/relationships" xmlns:mc="http://schemas.openxmlformats.org/markup-compatibility/2006" xmlns:mv="urn:schemas-microsoft-com:mac:vml" xmlns:p="http://schemas.openxmlformats.org/presentationml/2006/main" xmlns:c="http://schemas.openxmlformats.org/drawingml/2006/chart" xmlns:dgm="http://schemas.openxmlformats.org/drawingml/2006/diagram" xmlns:o="urn:schemas-microsoft-com:office:office" xmlns:v="urn:schemas-microsoft-com:vml" xmlns:pvml="urn:schemas-microsoft-com:office:powerpoint" xmlns:com="http://schemas.openxmlformats.org/drawingml/2006/compatibility" xmlns:p14="http://schemas.microsoft.com/office/powerpoint/2010/main" xmlns:p15="http://schemas.microsoft.com/office/powerpoint/2012/main" xmlns:ahyp="http://schemas.microsoft.com/office/drawing/2018/hyperlinkcolor" showMasterPhAnim="0" showMasterSp="0">
+<p:notes xmlns:a="http://schemas.openxmlformats.org/drawingml/2006/main" xmlns:r="http://schemas.openxmlformats.org/officeDocument/2006/relationships" xmlns:p="http://schemas.openxmlformats.org/presentationml/2006/main" showMasterSp="0" showMasterPhAnim="0">
   <p:cSld>
     <p:spTree>
       <p:nvGrpSpPr>
-        <p:cNvPr id="148" name="Shape 148"/>
+        <p:cNvPr id="1" name="Shape 148"/>
         <p:cNvGrpSpPr/>
         <p:nvPr/>
       </p:nvGrpSpPr>
@@ -1033,9 +1063,11 @@
       <p:sp>
         <p:nvSpPr>
           <p:cNvPr id="149" name="Google Shape;149;g23a2672087f_0_25:notes"/>
-          <p:cNvSpPr/>
+          <p:cNvSpPr>
+            <a:spLocks noGrp="1" noRot="1" noChangeAspect="1"/>
+          </p:cNvSpPr>
           <p:nvPr>
-            <p:ph idx="2" type="sldImg"/>
+            <p:ph type="sldImg" idx="2"/>
           </p:nvPr>
         </p:nvSpPr>
         <p:spPr>
@@ -1044,9 +1076,13 @@
             <a:ext cx="6096000" cy="3429000"/>
           </a:xfrm>
           <a:custGeom>
-            <a:rect b="b" l="l" r="r" t="t"/>
+            <a:avLst/>
+            <a:gdLst/>
+            <a:ahLst/>
+            <a:cxnLst/>
+            <a:rect l="l" t="t" r="r" b="b"/>
             <a:pathLst>
-              <a:path extrusionOk="0" h="120000" w="120000">
+              <a:path w="120000" h="120000" extrusionOk="0">
                 <a:moveTo>
                   <a:pt x="0" y="0"/>
                 </a:moveTo>
@@ -1068,9 +1104,11 @@
       <p:sp>
         <p:nvSpPr>
           <p:cNvPr id="150" name="Google Shape;150;g23a2672087f_0_25:notes"/>
-          <p:cNvSpPr txBox="1"/>
+          <p:cNvSpPr txBox="1">
+            <a:spLocks noGrp="1"/>
+          </p:cNvSpPr>
           <p:nvPr>
-            <p:ph idx="1" type="body"/>
+            <p:ph type="body" idx="1"/>
           </p:nvPr>
         </p:nvSpPr>
         <p:spPr>
@@ -1083,23 +1121,20 @@
           </a:prstGeom>
         </p:spPr>
         <p:txBody>
-          <a:bodyPr anchorCtr="0" anchor="t" bIns="91425" lIns="91425" spcFirstLastPara="1" rIns="91425" wrap="square" tIns="91425">
+          <a:bodyPr spcFirstLastPara="1" wrap="square" lIns="91425" tIns="91425" rIns="91425" bIns="91425" anchor="t" anchorCtr="0">
             <a:noAutofit/>
           </a:bodyPr>
           <a:lstStyle/>
           <a:p>
-            <a:pPr indent="0" lvl="0" marL="0" rtl="0" algn="l">
-              <a:spcBef>
-                <a:spcPts val="0"/>
-              </a:spcBef>
-              <a:spcAft>
-                <a:spcPts val="0"/>
-              </a:spcAft>
-              <a:buNone/>
-            </a:pPr>
-            <a:r>
-              <a:t/>
-            </a:r>
+            <a:pPr marL="0" lvl="0" indent="0" algn="l" rtl="0">
+              <a:spcBef>
+                <a:spcPts val="0"/>
+              </a:spcBef>
+              <a:spcAft>
+                <a:spcPts val="0"/>
+              </a:spcAft>
+              <a:buNone/>
+            </a:pPr>
             <a:endParaRPr/>
           </a:p>
         </p:txBody>
@@ -1113,11 +1148,11 @@
 </file>
 
 <file path=ppt/notesSlides/notesSlide13.xml><?xml version="1.0" encoding="utf-8"?>
-<p:notes xmlns:a="http://schemas.openxmlformats.org/drawingml/2006/main" xmlns:r="http://schemas.openxmlformats.org/officeDocument/2006/relationships" xmlns:mc="http://schemas.openxmlformats.org/markup-compatibility/2006" xmlns:mv="urn:schemas-microsoft-com:mac:vml" xmlns:p="http://schemas.openxmlformats.org/presentationml/2006/main" xmlns:c="http://schemas.openxmlformats.org/drawingml/2006/chart" xmlns:dgm="http://schemas.openxmlformats.org/drawingml/2006/diagram" xmlns:o="urn:schemas-microsoft-com:office:office" xmlns:v="urn:schemas-microsoft-com:vml" xmlns:pvml="urn:schemas-microsoft-com:office:powerpoint" xmlns:com="http://schemas.openxmlformats.org/drawingml/2006/compatibility" xmlns:p14="http://schemas.microsoft.com/office/powerpoint/2010/main" xmlns:p15="http://schemas.microsoft.com/office/powerpoint/2012/main" xmlns:ahyp="http://schemas.microsoft.com/office/drawing/2018/hyperlinkcolor" showMasterPhAnim="0" showMasterSp="0">
+<p:notes xmlns:a="http://schemas.openxmlformats.org/drawingml/2006/main" xmlns:r="http://schemas.openxmlformats.org/officeDocument/2006/relationships" xmlns:p="http://schemas.openxmlformats.org/presentationml/2006/main" showMasterSp="0" showMasterPhAnim="0">
   <p:cSld>
     <p:spTree>
       <p:nvGrpSpPr>
-        <p:cNvPr id="157" name="Shape 157"/>
+        <p:cNvPr id="1" name="Shape 157"/>
         <p:cNvGrpSpPr/>
         <p:nvPr/>
       </p:nvGrpSpPr>
@@ -1132,9 +1167,11 @@
       <p:sp>
         <p:nvSpPr>
           <p:cNvPr id="158" name="Google Shape;158;g23acf2ea65f_0_72:notes"/>
-          <p:cNvSpPr/>
+          <p:cNvSpPr>
+            <a:spLocks noGrp="1" noRot="1" noChangeAspect="1"/>
+          </p:cNvSpPr>
           <p:nvPr>
-            <p:ph idx="2" type="sldImg"/>
+            <p:ph type="sldImg" idx="2"/>
           </p:nvPr>
         </p:nvSpPr>
         <p:spPr>
@@ -1143,9 +1180,13 @@
             <a:ext cx="6096000" cy="3429000"/>
           </a:xfrm>
           <a:custGeom>
-            <a:rect b="b" l="l" r="r" t="t"/>
+            <a:avLst/>
+            <a:gdLst/>
+            <a:ahLst/>
+            <a:cxnLst/>
+            <a:rect l="l" t="t" r="r" b="b"/>
             <a:pathLst>
-              <a:path extrusionOk="0" h="120000" w="120000">
+              <a:path w="120000" h="120000" extrusionOk="0">
                 <a:moveTo>
                   <a:pt x="0" y="0"/>
                 </a:moveTo>
@@ -1167,9 +1208,11 @@
       <p:sp>
         <p:nvSpPr>
           <p:cNvPr id="159" name="Google Shape;159;g23acf2ea65f_0_72:notes"/>
-          <p:cNvSpPr txBox="1"/>
+          <p:cNvSpPr txBox="1">
+            <a:spLocks noGrp="1"/>
+          </p:cNvSpPr>
           <p:nvPr>
-            <p:ph idx="1" type="body"/>
+            <p:ph type="body" idx="1"/>
           </p:nvPr>
         </p:nvSpPr>
         <p:spPr>
@@ -1182,23 +1225,20 @@
           </a:prstGeom>
         </p:spPr>
         <p:txBody>
-          <a:bodyPr anchorCtr="0" anchor="t" bIns="91425" lIns="91425" spcFirstLastPara="1" rIns="91425" wrap="square" tIns="91425">
+          <a:bodyPr spcFirstLastPara="1" wrap="square" lIns="91425" tIns="91425" rIns="91425" bIns="91425" anchor="t" anchorCtr="0">
             <a:noAutofit/>
           </a:bodyPr>
           <a:lstStyle/>
           <a:p>
-            <a:pPr indent="0" lvl="0" marL="0" rtl="0" algn="l">
-              <a:spcBef>
-                <a:spcPts val="0"/>
-              </a:spcBef>
-              <a:spcAft>
-                <a:spcPts val="0"/>
-              </a:spcAft>
-              <a:buNone/>
-            </a:pPr>
-            <a:r>
-              <a:t/>
-            </a:r>
+            <a:pPr marL="0" lvl="0" indent="0" algn="l" rtl="0">
+              <a:spcBef>
+                <a:spcPts val="0"/>
+              </a:spcBef>
+              <a:spcAft>
+                <a:spcPts val="0"/>
+              </a:spcAft>
+              <a:buNone/>
+            </a:pPr>
             <a:endParaRPr/>
           </a:p>
         </p:txBody>
@@ -1212,11 +1252,11 @@
 </file>
 
 <file path=ppt/notesSlides/notesSlide14.xml><?xml version="1.0" encoding="utf-8"?>
-<p:notes xmlns:a="http://schemas.openxmlformats.org/drawingml/2006/main" xmlns:r="http://schemas.openxmlformats.org/officeDocument/2006/relationships" xmlns:mc="http://schemas.openxmlformats.org/markup-compatibility/2006" xmlns:mv="urn:schemas-microsoft-com:mac:vml" xmlns:p="http://schemas.openxmlformats.org/presentationml/2006/main" xmlns:c="http://schemas.openxmlformats.org/drawingml/2006/chart" xmlns:dgm="http://schemas.openxmlformats.org/drawingml/2006/diagram" xmlns:o="urn:schemas-microsoft-com:office:office" xmlns:v="urn:schemas-microsoft-com:vml" xmlns:pvml="urn:schemas-microsoft-com:office:powerpoint" xmlns:com="http://schemas.openxmlformats.org/drawingml/2006/compatibility" xmlns:p14="http://schemas.microsoft.com/office/powerpoint/2010/main" xmlns:p15="http://schemas.microsoft.com/office/powerpoint/2012/main" xmlns:ahyp="http://schemas.microsoft.com/office/drawing/2018/hyperlinkcolor" showMasterPhAnim="0" showMasterSp="0">
+<p:notes xmlns:a="http://schemas.openxmlformats.org/drawingml/2006/main" xmlns:r="http://schemas.openxmlformats.org/officeDocument/2006/relationships" xmlns:p="http://schemas.openxmlformats.org/presentationml/2006/main" showMasterSp="0" showMasterPhAnim="0">
   <p:cSld>
     <p:spTree>
       <p:nvGrpSpPr>
-        <p:cNvPr id="165" name="Shape 165"/>
+        <p:cNvPr id="1" name="Shape 165"/>
         <p:cNvGrpSpPr/>
         <p:nvPr/>
       </p:nvGrpSpPr>
@@ -1231,9 +1271,11 @@
       <p:sp>
         <p:nvSpPr>
           <p:cNvPr id="166" name="Google Shape;166;g23a2672087f_0_20:notes"/>
-          <p:cNvSpPr/>
+          <p:cNvSpPr>
+            <a:spLocks noGrp="1" noRot="1" noChangeAspect="1"/>
+          </p:cNvSpPr>
           <p:nvPr>
-            <p:ph idx="2" type="sldImg"/>
+            <p:ph type="sldImg" idx="2"/>
           </p:nvPr>
         </p:nvSpPr>
         <p:spPr>
@@ -1242,9 +1284,13 @@
             <a:ext cx="6096000" cy="3429000"/>
           </a:xfrm>
           <a:custGeom>
-            <a:rect b="b" l="l" r="r" t="t"/>
+            <a:avLst/>
+            <a:gdLst/>
+            <a:ahLst/>
+            <a:cxnLst/>
+            <a:rect l="l" t="t" r="r" b="b"/>
             <a:pathLst>
-              <a:path extrusionOk="0" h="120000" w="120000">
+              <a:path w="120000" h="120000" extrusionOk="0">
                 <a:moveTo>
                   <a:pt x="0" y="0"/>
                 </a:moveTo>
@@ -1266,9 +1312,11 @@
       <p:sp>
         <p:nvSpPr>
           <p:cNvPr id="167" name="Google Shape;167;g23a2672087f_0_20:notes"/>
-          <p:cNvSpPr txBox="1"/>
+          <p:cNvSpPr txBox="1">
+            <a:spLocks noGrp="1"/>
+          </p:cNvSpPr>
           <p:nvPr>
-            <p:ph idx="1" type="body"/>
+            <p:ph type="body" idx="1"/>
           </p:nvPr>
         </p:nvSpPr>
         <p:spPr>
@@ -1281,23 +1329,20 @@
           </a:prstGeom>
         </p:spPr>
         <p:txBody>
-          <a:bodyPr anchorCtr="0" anchor="t" bIns="91425" lIns="91425" spcFirstLastPara="1" rIns="91425" wrap="square" tIns="91425">
+          <a:bodyPr spcFirstLastPara="1" wrap="square" lIns="91425" tIns="91425" rIns="91425" bIns="91425" anchor="t" anchorCtr="0">
             <a:noAutofit/>
           </a:bodyPr>
           <a:lstStyle/>
           <a:p>
-            <a:pPr indent="0" lvl="0" marL="0" rtl="0" algn="l">
-              <a:spcBef>
-                <a:spcPts val="0"/>
-              </a:spcBef>
-              <a:spcAft>
-                <a:spcPts val="0"/>
-              </a:spcAft>
-              <a:buNone/>
-            </a:pPr>
-            <a:r>
-              <a:t/>
-            </a:r>
+            <a:pPr marL="0" lvl="0" indent="0" algn="l" rtl="0">
+              <a:spcBef>
+                <a:spcPts val="0"/>
+              </a:spcBef>
+              <a:spcAft>
+                <a:spcPts val="0"/>
+              </a:spcAft>
+              <a:buNone/>
+            </a:pPr>
             <a:endParaRPr/>
           </a:p>
         </p:txBody>
@@ -1311,11 +1356,11 @@
 </file>
 
 <file path=ppt/notesSlides/notesSlide15.xml><?xml version="1.0" encoding="utf-8"?>
-<p:notes xmlns:a="http://schemas.openxmlformats.org/drawingml/2006/main" xmlns:r="http://schemas.openxmlformats.org/officeDocument/2006/relationships" xmlns:mc="http://schemas.openxmlformats.org/markup-compatibility/2006" xmlns:mv="urn:schemas-microsoft-com:mac:vml" xmlns:p="http://schemas.openxmlformats.org/presentationml/2006/main" xmlns:c="http://schemas.openxmlformats.org/drawingml/2006/chart" xmlns:dgm="http://schemas.openxmlformats.org/drawingml/2006/diagram" xmlns:o="urn:schemas-microsoft-com:office:office" xmlns:v="urn:schemas-microsoft-com:vml" xmlns:pvml="urn:schemas-microsoft-com:office:powerpoint" xmlns:com="http://schemas.openxmlformats.org/drawingml/2006/compatibility" xmlns:p14="http://schemas.microsoft.com/office/powerpoint/2010/main" xmlns:p15="http://schemas.microsoft.com/office/powerpoint/2012/main" xmlns:ahyp="http://schemas.microsoft.com/office/drawing/2018/hyperlinkcolor" showMasterPhAnim="0" showMasterSp="0">
+<p:notes xmlns:a="http://schemas.openxmlformats.org/drawingml/2006/main" xmlns:r="http://schemas.openxmlformats.org/officeDocument/2006/relationships" xmlns:p="http://schemas.openxmlformats.org/presentationml/2006/main" showMasterSp="0" showMasterPhAnim="0">
   <p:cSld>
     <p:spTree>
       <p:nvGrpSpPr>
-        <p:cNvPr id="173" name="Shape 173"/>
+        <p:cNvPr id="1" name="Shape 173"/>
         <p:cNvGrpSpPr/>
         <p:nvPr/>
       </p:nvGrpSpPr>
@@ -1330,9 +1375,11 @@
       <p:sp>
         <p:nvSpPr>
           <p:cNvPr id="174" name="Google Shape;174;g23ad8ef6ec4_1_0:notes"/>
-          <p:cNvSpPr/>
+          <p:cNvSpPr>
+            <a:spLocks noGrp="1" noRot="1" noChangeAspect="1"/>
+          </p:cNvSpPr>
           <p:nvPr>
-            <p:ph idx="2" type="sldImg"/>
+            <p:ph type="sldImg" idx="2"/>
           </p:nvPr>
         </p:nvSpPr>
         <p:spPr>
@@ -1341,9 +1388,13 @@
             <a:ext cx="6096000" cy="3429000"/>
           </a:xfrm>
           <a:custGeom>
-            <a:rect b="b" l="l" r="r" t="t"/>
+            <a:avLst/>
+            <a:gdLst/>
+            <a:ahLst/>
+            <a:cxnLst/>
+            <a:rect l="l" t="t" r="r" b="b"/>
             <a:pathLst>
-              <a:path extrusionOk="0" h="120000" w="120000">
+              <a:path w="120000" h="120000" extrusionOk="0">
                 <a:moveTo>
                   <a:pt x="0" y="0"/>
                 </a:moveTo>
@@ -1365,9 +1416,11 @@
       <p:sp>
         <p:nvSpPr>
           <p:cNvPr id="175" name="Google Shape;175;g23ad8ef6ec4_1_0:notes"/>
-          <p:cNvSpPr txBox="1"/>
+          <p:cNvSpPr txBox="1">
+            <a:spLocks noGrp="1"/>
+          </p:cNvSpPr>
           <p:nvPr>
-            <p:ph idx="1" type="body"/>
+            <p:ph type="body" idx="1"/>
           </p:nvPr>
         </p:nvSpPr>
         <p:spPr>
@@ -1380,23 +1433,20 @@
           </a:prstGeom>
         </p:spPr>
         <p:txBody>
-          <a:bodyPr anchorCtr="0" anchor="t" bIns="91425" lIns="91425" spcFirstLastPara="1" rIns="91425" wrap="square" tIns="91425">
+          <a:bodyPr spcFirstLastPara="1" wrap="square" lIns="91425" tIns="91425" rIns="91425" bIns="91425" anchor="t" anchorCtr="0">
             <a:noAutofit/>
           </a:bodyPr>
           <a:lstStyle/>
           <a:p>
-            <a:pPr indent="0" lvl="0" marL="0" rtl="0" algn="l">
-              <a:spcBef>
-                <a:spcPts val="0"/>
-              </a:spcBef>
-              <a:spcAft>
-                <a:spcPts val="0"/>
-              </a:spcAft>
-              <a:buNone/>
-            </a:pPr>
-            <a:r>
-              <a:t/>
-            </a:r>
+            <a:pPr marL="0" lvl="0" indent="0" algn="l" rtl="0">
+              <a:spcBef>
+                <a:spcPts val="0"/>
+              </a:spcBef>
+              <a:spcAft>
+                <a:spcPts val="0"/>
+              </a:spcAft>
+              <a:buNone/>
+            </a:pPr>
             <a:endParaRPr/>
           </a:p>
         </p:txBody>
@@ -1410,11 +1460,11 @@
 </file>
 
 <file path=ppt/notesSlides/notesSlide16.xml><?xml version="1.0" encoding="utf-8"?>
-<p:notes xmlns:a="http://schemas.openxmlformats.org/drawingml/2006/main" xmlns:r="http://schemas.openxmlformats.org/officeDocument/2006/relationships" xmlns:mc="http://schemas.openxmlformats.org/markup-compatibility/2006" xmlns:mv="urn:schemas-microsoft-com:mac:vml" xmlns:p="http://schemas.openxmlformats.org/presentationml/2006/main" xmlns:c="http://schemas.openxmlformats.org/drawingml/2006/chart" xmlns:dgm="http://schemas.openxmlformats.org/drawingml/2006/diagram" xmlns:o="urn:schemas-microsoft-com:office:office" xmlns:v="urn:schemas-microsoft-com:vml" xmlns:pvml="urn:schemas-microsoft-com:office:powerpoint" xmlns:com="http://schemas.openxmlformats.org/drawingml/2006/compatibility" xmlns:p14="http://schemas.microsoft.com/office/powerpoint/2010/main" xmlns:p15="http://schemas.microsoft.com/office/powerpoint/2012/main" xmlns:ahyp="http://schemas.microsoft.com/office/drawing/2018/hyperlinkcolor" showMasterPhAnim="0" showMasterSp="0">
+<p:notes xmlns:a="http://schemas.openxmlformats.org/drawingml/2006/main" xmlns:r="http://schemas.openxmlformats.org/officeDocument/2006/relationships" xmlns:p="http://schemas.openxmlformats.org/presentationml/2006/main" showMasterSp="0" showMasterPhAnim="0">
   <p:cSld>
     <p:spTree>
       <p:nvGrpSpPr>
-        <p:cNvPr id="181" name="Shape 181"/>
+        <p:cNvPr id="1" name="Shape 181"/>
         <p:cNvGrpSpPr/>
         <p:nvPr/>
       </p:nvGrpSpPr>
@@ -1429,9 +1479,11 @@
       <p:sp>
         <p:nvSpPr>
           <p:cNvPr id="182" name="Google Shape;182;g23a2672087f_0_30:notes"/>
-          <p:cNvSpPr/>
+          <p:cNvSpPr>
+            <a:spLocks noGrp="1" noRot="1" noChangeAspect="1"/>
+          </p:cNvSpPr>
           <p:nvPr>
-            <p:ph idx="2" type="sldImg"/>
+            <p:ph type="sldImg" idx="2"/>
           </p:nvPr>
         </p:nvSpPr>
         <p:spPr>
@@ -1440,9 +1492,13 @@
             <a:ext cx="6096000" cy="3429000"/>
           </a:xfrm>
           <a:custGeom>
-            <a:rect b="b" l="l" r="r" t="t"/>
+            <a:avLst/>
+            <a:gdLst/>
+            <a:ahLst/>
+            <a:cxnLst/>
+            <a:rect l="l" t="t" r="r" b="b"/>
             <a:pathLst>
-              <a:path extrusionOk="0" h="120000" w="120000">
+              <a:path w="120000" h="120000" extrusionOk="0">
                 <a:moveTo>
                   <a:pt x="0" y="0"/>
                 </a:moveTo>
@@ -1464,9 +1520,11 @@
       <p:sp>
         <p:nvSpPr>
           <p:cNvPr id="183" name="Google Shape;183;g23a2672087f_0_30:notes"/>
-          <p:cNvSpPr txBox="1"/>
+          <p:cNvSpPr txBox="1">
+            <a:spLocks noGrp="1"/>
+          </p:cNvSpPr>
           <p:nvPr>
-            <p:ph idx="1" type="body"/>
+            <p:ph type="body" idx="1"/>
           </p:nvPr>
         </p:nvSpPr>
         <p:spPr>
@@ -1479,23 +1537,20 @@
           </a:prstGeom>
         </p:spPr>
         <p:txBody>
-          <a:bodyPr anchorCtr="0" anchor="t" bIns="91425" lIns="91425" spcFirstLastPara="1" rIns="91425" wrap="square" tIns="91425">
+          <a:bodyPr spcFirstLastPara="1" wrap="square" lIns="91425" tIns="91425" rIns="91425" bIns="91425" anchor="t" anchorCtr="0">
             <a:noAutofit/>
           </a:bodyPr>
           <a:lstStyle/>
           <a:p>
-            <a:pPr indent="0" lvl="0" marL="0" rtl="0" algn="l">
-              <a:spcBef>
-                <a:spcPts val="0"/>
-              </a:spcBef>
-              <a:spcAft>
-                <a:spcPts val="0"/>
-              </a:spcAft>
-              <a:buNone/>
-            </a:pPr>
-            <a:r>
-              <a:t/>
-            </a:r>
+            <a:pPr marL="0" lvl="0" indent="0" algn="l" rtl="0">
+              <a:spcBef>
+                <a:spcPts val="0"/>
+              </a:spcBef>
+              <a:spcAft>
+                <a:spcPts val="0"/>
+              </a:spcAft>
+              <a:buNone/>
+            </a:pPr>
             <a:endParaRPr/>
           </a:p>
         </p:txBody>
@@ -1509,11 +1564,11 @@
 </file>
 
 <file path=ppt/notesSlides/notesSlide17.xml><?xml version="1.0" encoding="utf-8"?>
-<p:notes xmlns:a="http://schemas.openxmlformats.org/drawingml/2006/main" xmlns:r="http://schemas.openxmlformats.org/officeDocument/2006/relationships" xmlns:mc="http://schemas.openxmlformats.org/markup-compatibility/2006" xmlns:mv="urn:schemas-microsoft-com:mac:vml" xmlns:p="http://schemas.openxmlformats.org/presentationml/2006/main" xmlns:c="http://schemas.openxmlformats.org/drawingml/2006/chart" xmlns:dgm="http://schemas.openxmlformats.org/drawingml/2006/diagram" xmlns:o="urn:schemas-microsoft-com:office:office" xmlns:v="urn:schemas-microsoft-com:vml" xmlns:pvml="urn:schemas-microsoft-com:office:powerpoint" xmlns:com="http://schemas.openxmlformats.org/drawingml/2006/compatibility" xmlns:p14="http://schemas.microsoft.com/office/powerpoint/2010/main" xmlns:p15="http://schemas.microsoft.com/office/powerpoint/2012/main" xmlns:ahyp="http://schemas.microsoft.com/office/drawing/2018/hyperlinkcolor" showMasterPhAnim="0" showMasterSp="0">
+<p:notes xmlns:a="http://schemas.openxmlformats.org/drawingml/2006/main" xmlns:r="http://schemas.openxmlformats.org/officeDocument/2006/relationships" xmlns:p="http://schemas.openxmlformats.org/presentationml/2006/main" showMasterSp="0" showMasterPhAnim="0">
   <p:cSld>
     <p:spTree>
       <p:nvGrpSpPr>
-        <p:cNvPr id="187" name="Shape 187"/>
+        <p:cNvPr id="1" name="Shape 187"/>
         <p:cNvGrpSpPr/>
         <p:nvPr/>
       </p:nvGrpSpPr>
@@ -1528,9 +1583,11 @@
       <p:sp>
         <p:nvSpPr>
           <p:cNvPr id="188" name="Google Shape;188;g23a2672087f_0_35:notes"/>
-          <p:cNvSpPr/>
+          <p:cNvSpPr>
+            <a:spLocks noGrp="1" noRot="1" noChangeAspect="1"/>
+          </p:cNvSpPr>
           <p:nvPr>
-            <p:ph idx="2" type="sldImg"/>
+            <p:ph type="sldImg" idx="2"/>
           </p:nvPr>
         </p:nvSpPr>
         <p:spPr>
@@ -1539,9 +1596,13 @@
             <a:ext cx="6096000" cy="3429000"/>
           </a:xfrm>
           <a:custGeom>
-            <a:rect b="b" l="l" r="r" t="t"/>
+            <a:avLst/>
+            <a:gdLst/>
+            <a:ahLst/>
+            <a:cxnLst/>
+            <a:rect l="l" t="t" r="r" b="b"/>
             <a:pathLst>
-              <a:path extrusionOk="0" h="120000" w="120000">
+              <a:path w="120000" h="120000" extrusionOk="0">
                 <a:moveTo>
                   <a:pt x="0" y="0"/>
                 </a:moveTo>
@@ -1563,9 +1624,11 @@
       <p:sp>
         <p:nvSpPr>
           <p:cNvPr id="189" name="Google Shape;189;g23a2672087f_0_35:notes"/>
-          <p:cNvSpPr txBox="1"/>
+          <p:cNvSpPr txBox="1">
+            <a:spLocks noGrp="1"/>
+          </p:cNvSpPr>
           <p:nvPr>
-            <p:ph idx="1" type="body"/>
+            <p:ph type="body" idx="1"/>
           </p:nvPr>
         </p:nvSpPr>
         <p:spPr>
@@ -1578,23 +1641,20 @@
           </a:prstGeom>
         </p:spPr>
         <p:txBody>
-          <a:bodyPr anchorCtr="0" anchor="t" bIns="91425" lIns="91425" spcFirstLastPara="1" rIns="91425" wrap="square" tIns="91425">
+          <a:bodyPr spcFirstLastPara="1" wrap="square" lIns="91425" tIns="91425" rIns="91425" bIns="91425" anchor="t" anchorCtr="0">
             <a:noAutofit/>
           </a:bodyPr>
           <a:lstStyle/>
           <a:p>
-            <a:pPr indent="0" lvl="0" marL="0" rtl="0" algn="l">
-              <a:spcBef>
-                <a:spcPts val="0"/>
-              </a:spcBef>
-              <a:spcAft>
-                <a:spcPts val="0"/>
-              </a:spcAft>
-              <a:buNone/>
-            </a:pPr>
-            <a:r>
-              <a:t/>
-            </a:r>
+            <a:pPr marL="0" lvl="0" indent="0" algn="l" rtl="0">
+              <a:spcBef>
+                <a:spcPts val="0"/>
+              </a:spcBef>
+              <a:spcAft>
+                <a:spcPts val="0"/>
+              </a:spcAft>
+              <a:buNone/>
+            </a:pPr>
             <a:endParaRPr/>
           </a:p>
         </p:txBody>
@@ -1608,11 +1668,11 @@
 </file>
 
 <file path=ppt/notesSlides/notesSlide2.xml><?xml version="1.0" encoding="utf-8"?>
-<p:notes xmlns:a="http://schemas.openxmlformats.org/drawingml/2006/main" xmlns:r="http://schemas.openxmlformats.org/officeDocument/2006/relationships" xmlns:mc="http://schemas.openxmlformats.org/markup-compatibility/2006" xmlns:mv="urn:schemas-microsoft-com:mac:vml" xmlns:p="http://schemas.openxmlformats.org/presentationml/2006/main" xmlns:c="http://schemas.openxmlformats.org/drawingml/2006/chart" xmlns:dgm="http://schemas.openxmlformats.org/drawingml/2006/diagram" xmlns:o="urn:schemas-microsoft-com:office:office" xmlns:v="urn:schemas-microsoft-com:vml" xmlns:pvml="urn:schemas-microsoft-com:office:powerpoint" xmlns:com="http://schemas.openxmlformats.org/drawingml/2006/compatibility" xmlns:p14="http://schemas.microsoft.com/office/powerpoint/2010/main" xmlns:p15="http://schemas.microsoft.com/office/powerpoint/2012/main" xmlns:ahyp="http://schemas.microsoft.com/office/drawing/2018/hyperlinkcolor" showMasterPhAnim="0" showMasterSp="0">
+<p:notes xmlns:a="http://schemas.openxmlformats.org/drawingml/2006/main" xmlns:r="http://schemas.openxmlformats.org/officeDocument/2006/relationships" xmlns:p="http://schemas.openxmlformats.org/presentationml/2006/main" showMasterSp="0" showMasterPhAnim="0">
   <p:cSld>
     <p:spTree>
       <p:nvGrpSpPr>
-        <p:cNvPr id="65" name="Shape 65"/>
+        <p:cNvPr id="1" name="Shape 65"/>
         <p:cNvGrpSpPr/>
         <p:nvPr/>
       </p:nvGrpSpPr>
@@ -1627,9 +1687,11 @@
       <p:sp>
         <p:nvSpPr>
           <p:cNvPr id="66" name="Google Shape;66;g23a2672087f_0_0:notes"/>
-          <p:cNvSpPr/>
+          <p:cNvSpPr>
+            <a:spLocks noGrp="1" noRot="1" noChangeAspect="1"/>
+          </p:cNvSpPr>
           <p:nvPr>
-            <p:ph idx="2" type="sldImg"/>
+            <p:ph type="sldImg" idx="2"/>
           </p:nvPr>
         </p:nvSpPr>
         <p:spPr>
@@ -1638,9 +1700,13 @@
             <a:ext cx="6096000" cy="3429000"/>
           </a:xfrm>
           <a:custGeom>
-            <a:rect b="b" l="l" r="r" t="t"/>
+            <a:avLst/>
+            <a:gdLst/>
+            <a:ahLst/>
+            <a:cxnLst/>
+            <a:rect l="l" t="t" r="r" b="b"/>
             <a:pathLst>
-              <a:path extrusionOk="0" h="120000" w="120000">
+              <a:path w="120000" h="120000" extrusionOk="0">
                 <a:moveTo>
                   <a:pt x="0" y="0"/>
                 </a:moveTo>
@@ -1662,9 +1728,11 @@
       <p:sp>
         <p:nvSpPr>
           <p:cNvPr id="67" name="Google Shape;67;g23a2672087f_0_0:notes"/>
-          <p:cNvSpPr txBox="1"/>
+          <p:cNvSpPr txBox="1">
+            <a:spLocks noGrp="1"/>
+          </p:cNvSpPr>
           <p:nvPr>
-            <p:ph idx="1" type="body"/>
+            <p:ph type="body" idx="1"/>
           </p:nvPr>
         </p:nvSpPr>
         <p:spPr>
@@ -1677,23 +1745,20 @@
           </a:prstGeom>
         </p:spPr>
         <p:txBody>
-          <a:bodyPr anchorCtr="0" anchor="t" bIns="91425" lIns="91425" spcFirstLastPara="1" rIns="91425" wrap="square" tIns="91425">
+          <a:bodyPr spcFirstLastPara="1" wrap="square" lIns="91425" tIns="91425" rIns="91425" bIns="91425" anchor="t" anchorCtr="0">
             <a:noAutofit/>
           </a:bodyPr>
           <a:lstStyle/>
           <a:p>
-            <a:pPr indent="0" lvl="0" marL="0" rtl="0" algn="l">
-              <a:spcBef>
-                <a:spcPts val="0"/>
-              </a:spcBef>
-              <a:spcAft>
-                <a:spcPts val="0"/>
-              </a:spcAft>
-              <a:buNone/>
-            </a:pPr>
-            <a:r>
-              <a:t/>
-            </a:r>
+            <a:pPr marL="0" lvl="0" indent="0" algn="l" rtl="0">
+              <a:spcBef>
+                <a:spcPts val="0"/>
+              </a:spcBef>
+              <a:spcAft>
+                <a:spcPts val="0"/>
+              </a:spcAft>
+              <a:buNone/>
+            </a:pPr>
             <a:endParaRPr/>
           </a:p>
         </p:txBody>
@@ -1707,11 +1772,11 @@
 </file>
 
 <file path=ppt/notesSlides/notesSlide3.xml><?xml version="1.0" encoding="utf-8"?>
-<p:notes xmlns:a="http://schemas.openxmlformats.org/drawingml/2006/main" xmlns:r="http://schemas.openxmlformats.org/officeDocument/2006/relationships" xmlns:mc="http://schemas.openxmlformats.org/markup-compatibility/2006" xmlns:mv="urn:schemas-microsoft-com:mac:vml" xmlns:p="http://schemas.openxmlformats.org/presentationml/2006/main" xmlns:c="http://schemas.openxmlformats.org/drawingml/2006/chart" xmlns:dgm="http://schemas.openxmlformats.org/drawingml/2006/diagram" xmlns:o="urn:schemas-microsoft-com:office:office" xmlns:v="urn:schemas-microsoft-com:vml" xmlns:pvml="urn:schemas-microsoft-com:office:powerpoint" xmlns:com="http://schemas.openxmlformats.org/drawingml/2006/compatibility" xmlns:p14="http://schemas.microsoft.com/office/powerpoint/2010/main" xmlns:p15="http://schemas.microsoft.com/office/powerpoint/2012/main" xmlns:ahyp="http://schemas.microsoft.com/office/drawing/2018/hyperlinkcolor" showMasterPhAnim="0" showMasterSp="0">
+<p:notes xmlns:a="http://schemas.openxmlformats.org/drawingml/2006/main" xmlns:r="http://schemas.openxmlformats.org/officeDocument/2006/relationships" xmlns:p="http://schemas.openxmlformats.org/presentationml/2006/main" showMasterSp="0" showMasterPhAnim="0">
   <p:cSld>
     <p:spTree>
       <p:nvGrpSpPr>
-        <p:cNvPr id="73" name="Shape 73"/>
+        <p:cNvPr id="1" name="Shape 73"/>
         <p:cNvGrpSpPr/>
         <p:nvPr/>
       </p:nvGrpSpPr>
@@ -1726,9 +1791,11 @@
       <p:sp>
         <p:nvSpPr>
           <p:cNvPr id="74" name="Google Shape;74;g23a2672087f_0_41:notes"/>
-          <p:cNvSpPr/>
+          <p:cNvSpPr>
+            <a:spLocks noGrp="1" noRot="1" noChangeAspect="1"/>
+          </p:cNvSpPr>
           <p:nvPr>
-            <p:ph idx="2" type="sldImg"/>
+            <p:ph type="sldImg" idx="2"/>
           </p:nvPr>
         </p:nvSpPr>
         <p:spPr>
@@ -1737,9 +1804,13 @@
             <a:ext cx="6096000" cy="3429000"/>
           </a:xfrm>
           <a:custGeom>
-            <a:rect b="b" l="l" r="r" t="t"/>
+            <a:avLst/>
+            <a:gdLst/>
+            <a:ahLst/>
+            <a:cxnLst/>
+            <a:rect l="l" t="t" r="r" b="b"/>
             <a:pathLst>
-              <a:path extrusionOk="0" h="120000" w="120000">
+              <a:path w="120000" h="120000" extrusionOk="0">
                 <a:moveTo>
                   <a:pt x="0" y="0"/>
                 </a:moveTo>
@@ -1761,9 +1832,11 @@
       <p:sp>
         <p:nvSpPr>
           <p:cNvPr id="75" name="Google Shape;75;g23a2672087f_0_41:notes"/>
-          <p:cNvSpPr txBox="1"/>
+          <p:cNvSpPr txBox="1">
+            <a:spLocks noGrp="1"/>
+          </p:cNvSpPr>
           <p:nvPr>
-            <p:ph idx="1" type="body"/>
+            <p:ph type="body" idx="1"/>
           </p:nvPr>
         </p:nvSpPr>
         <p:spPr>
@@ -1776,23 +1849,20 @@
           </a:prstGeom>
         </p:spPr>
         <p:txBody>
-          <a:bodyPr anchorCtr="0" anchor="t" bIns="91425" lIns="91425" spcFirstLastPara="1" rIns="91425" wrap="square" tIns="91425">
+          <a:bodyPr spcFirstLastPara="1" wrap="square" lIns="91425" tIns="91425" rIns="91425" bIns="91425" anchor="t" anchorCtr="0">
             <a:noAutofit/>
           </a:bodyPr>
           <a:lstStyle/>
           <a:p>
-            <a:pPr indent="0" lvl="0" marL="0" rtl="0" algn="l">
-              <a:spcBef>
-                <a:spcPts val="0"/>
-              </a:spcBef>
-              <a:spcAft>
-                <a:spcPts val="0"/>
-              </a:spcAft>
-              <a:buNone/>
-            </a:pPr>
-            <a:r>
-              <a:t/>
-            </a:r>
+            <a:pPr marL="0" lvl="0" indent="0" algn="l" rtl="0">
+              <a:spcBef>
+                <a:spcPts val="0"/>
+              </a:spcBef>
+              <a:spcAft>
+                <a:spcPts val="0"/>
+              </a:spcAft>
+              <a:buNone/>
+            </a:pPr>
             <a:endParaRPr/>
           </a:p>
         </p:txBody>
@@ -1806,11 +1876,11 @@
 </file>
 
 <file path=ppt/notesSlides/notesSlide4.xml><?xml version="1.0" encoding="utf-8"?>
-<p:notes xmlns:a="http://schemas.openxmlformats.org/drawingml/2006/main" xmlns:r="http://schemas.openxmlformats.org/officeDocument/2006/relationships" xmlns:mc="http://schemas.openxmlformats.org/markup-compatibility/2006" xmlns:mv="urn:schemas-microsoft-com:mac:vml" xmlns:p="http://schemas.openxmlformats.org/presentationml/2006/main" xmlns:c="http://schemas.openxmlformats.org/drawingml/2006/chart" xmlns:dgm="http://schemas.openxmlformats.org/drawingml/2006/diagram" xmlns:o="urn:schemas-microsoft-com:office:office" xmlns:v="urn:schemas-microsoft-com:vml" xmlns:pvml="urn:schemas-microsoft-com:office:powerpoint" xmlns:com="http://schemas.openxmlformats.org/drawingml/2006/compatibility" xmlns:p14="http://schemas.microsoft.com/office/powerpoint/2010/main" xmlns:p15="http://schemas.microsoft.com/office/powerpoint/2012/main" xmlns:ahyp="http://schemas.microsoft.com/office/drawing/2018/hyperlinkcolor" showMasterPhAnim="0" showMasterSp="0">
+<p:notes xmlns:a="http://schemas.openxmlformats.org/drawingml/2006/main" xmlns:r="http://schemas.openxmlformats.org/officeDocument/2006/relationships" xmlns:p="http://schemas.openxmlformats.org/presentationml/2006/main" showMasterSp="0" showMasterPhAnim="0">
   <p:cSld>
     <p:spTree>
       <p:nvGrpSpPr>
-        <p:cNvPr id="82" name="Shape 82"/>
+        <p:cNvPr id="1" name="Shape 82"/>
         <p:cNvGrpSpPr/>
         <p:nvPr/>
       </p:nvGrpSpPr>
@@ -1825,9 +1895,11 @@
       <p:sp>
         <p:nvSpPr>
           <p:cNvPr id="83" name="Google Shape;83;g23a2672087f_0_5:notes"/>
-          <p:cNvSpPr/>
+          <p:cNvSpPr>
+            <a:spLocks noGrp="1" noRot="1" noChangeAspect="1"/>
+          </p:cNvSpPr>
           <p:nvPr>
-            <p:ph idx="2" type="sldImg"/>
+            <p:ph type="sldImg" idx="2"/>
           </p:nvPr>
         </p:nvSpPr>
         <p:spPr>
@@ -1836,9 +1908,13 @@
             <a:ext cx="6096000" cy="3429000"/>
           </a:xfrm>
           <a:custGeom>
-            <a:rect b="b" l="l" r="r" t="t"/>
+            <a:avLst/>
+            <a:gdLst/>
+            <a:ahLst/>
+            <a:cxnLst/>
+            <a:rect l="l" t="t" r="r" b="b"/>
             <a:pathLst>
-              <a:path extrusionOk="0" h="120000" w="120000">
+              <a:path w="120000" h="120000" extrusionOk="0">
                 <a:moveTo>
                   <a:pt x="0" y="0"/>
                 </a:moveTo>
@@ -1860,9 +1936,11 @@
       <p:sp>
         <p:nvSpPr>
           <p:cNvPr id="84" name="Google Shape;84;g23a2672087f_0_5:notes"/>
-          <p:cNvSpPr txBox="1"/>
+          <p:cNvSpPr txBox="1">
+            <a:spLocks noGrp="1"/>
+          </p:cNvSpPr>
           <p:nvPr>
-            <p:ph idx="1" type="body"/>
+            <p:ph type="body" idx="1"/>
           </p:nvPr>
         </p:nvSpPr>
         <p:spPr>
@@ -1875,23 +1953,20 @@
           </a:prstGeom>
         </p:spPr>
         <p:txBody>
-          <a:bodyPr anchorCtr="0" anchor="t" bIns="91425" lIns="91425" spcFirstLastPara="1" rIns="91425" wrap="square" tIns="91425">
+          <a:bodyPr spcFirstLastPara="1" wrap="square" lIns="91425" tIns="91425" rIns="91425" bIns="91425" anchor="t" anchorCtr="0">
             <a:noAutofit/>
           </a:bodyPr>
           <a:lstStyle/>
           <a:p>
-            <a:pPr indent="0" lvl="0" marL="0" rtl="0" algn="l">
-              <a:spcBef>
-                <a:spcPts val="0"/>
-              </a:spcBef>
-              <a:spcAft>
-                <a:spcPts val="0"/>
-              </a:spcAft>
-              <a:buNone/>
-            </a:pPr>
-            <a:r>
-              <a:t/>
-            </a:r>
+            <a:pPr marL="0" lvl="0" indent="0" algn="l" rtl="0">
+              <a:spcBef>
+                <a:spcPts val="0"/>
+              </a:spcBef>
+              <a:spcAft>
+                <a:spcPts val="0"/>
+              </a:spcAft>
+              <a:buNone/>
+            </a:pPr>
             <a:endParaRPr/>
           </a:p>
         </p:txBody>
@@ -1905,11 +1980,11 @@
 </file>
 
 <file path=ppt/notesSlides/notesSlide5.xml><?xml version="1.0" encoding="utf-8"?>
-<p:notes xmlns:a="http://schemas.openxmlformats.org/drawingml/2006/main" xmlns:r="http://schemas.openxmlformats.org/officeDocument/2006/relationships" xmlns:mc="http://schemas.openxmlformats.org/markup-compatibility/2006" xmlns:mv="urn:schemas-microsoft-com:mac:vml" xmlns:p="http://schemas.openxmlformats.org/presentationml/2006/main" xmlns:c="http://schemas.openxmlformats.org/drawingml/2006/chart" xmlns:dgm="http://schemas.openxmlformats.org/drawingml/2006/diagram" xmlns:o="urn:schemas-microsoft-com:office:office" xmlns:v="urn:schemas-microsoft-com:vml" xmlns:pvml="urn:schemas-microsoft-com:office:powerpoint" xmlns:com="http://schemas.openxmlformats.org/drawingml/2006/compatibility" xmlns:p14="http://schemas.microsoft.com/office/powerpoint/2010/main" xmlns:p15="http://schemas.microsoft.com/office/powerpoint/2012/main" xmlns:ahyp="http://schemas.microsoft.com/office/drawing/2018/hyperlinkcolor" showMasterPhAnim="0" showMasterSp="0">
+<p:notes xmlns:a="http://schemas.openxmlformats.org/drawingml/2006/main" xmlns:r="http://schemas.openxmlformats.org/officeDocument/2006/relationships" xmlns:p="http://schemas.openxmlformats.org/presentationml/2006/main" showMasterSp="0" showMasterPhAnim="0">
   <p:cSld>
     <p:spTree>
       <p:nvGrpSpPr>
-        <p:cNvPr id="90" name="Shape 90"/>
+        <p:cNvPr id="1" name="Shape 90"/>
         <p:cNvGrpSpPr/>
         <p:nvPr/>
       </p:nvGrpSpPr>
@@ -1924,9 +1999,11 @@
       <p:sp>
         <p:nvSpPr>
           <p:cNvPr id="91" name="Google Shape;91;g23a2672087f_0_52:notes"/>
-          <p:cNvSpPr/>
+          <p:cNvSpPr>
+            <a:spLocks noGrp="1" noRot="1" noChangeAspect="1"/>
+          </p:cNvSpPr>
           <p:nvPr>
-            <p:ph idx="2" type="sldImg"/>
+            <p:ph type="sldImg" idx="2"/>
           </p:nvPr>
         </p:nvSpPr>
         <p:spPr>
@@ -1935,9 +2012,13 @@
             <a:ext cx="6096000" cy="3429000"/>
           </a:xfrm>
           <a:custGeom>
-            <a:rect b="b" l="l" r="r" t="t"/>
+            <a:avLst/>
+            <a:gdLst/>
+            <a:ahLst/>
+            <a:cxnLst/>
+            <a:rect l="l" t="t" r="r" b="b"/>
             <a:pathLst>
-              <a:path extrusionOk="0" h="120000" w="120000">
+              <a:path w="120000" h="120000" extrusionOk="0">
                 <a:moveTo>
                   <a:pt x="0" y="0"/>
                 </a:moveTo>
@@ -1959,9 +2040,11 @@
       <p:sp>
         <p:nvSpPr>
           <p:cNvPr id="92" name="Google Shape;92;g23a2672087f_0_52:notes"/>
-          <p:cNvSpPr txBox="1"/>
+          <p:cNvSpPr txBox="1">
+            <a:spLocks noGrp="1"/>
+          </p:cNvSpPr>
           <p:nvPr>
-            <p:ph idx="1" type="body"/>
+            <p:ph type="body" idx="1"/>
           </p:nvPr>
         </p:nvSpPr>
         <p:spPr>
@@ -1974,23 +2057,20 @@
           </a:prstGeom>
         </p:spPr>
         <p:txBody>
-          <a:bodyPr anchorCtr="0" anchor="t" bIns="91425" lIns="91425" spcFirstLastPara="1" rIns="91425" wrap="square" tIns="91425">
+          <a:bodyPr spcFirstLastPara="1" wrap="square" lIns="91425" tIns="91425" rIns="91425" bIns="91425" anchor="t" anchorCtr="0">
             <a:noAutofit/>
           </a:bodyPr>
           <a:lstStyle/>
           <a:p>
-            <a:pPr indent="0" lvl="0" marL="0" rtl="0" algn="l">
-              <a:spcBef>
-                <a:spcPts val="0"/>
-              </a:spcBef>
-              <a:spcAft>
-                <a:spcPts val="0"/>
-              </a:spcAft>
-              <a:buNone/>
-            </a:pPr>
-            <a:r>
-              <a:t/>
-            </a:r>
+            <a:pPr marL="0" lvl="0" indent="0" algn="l" rtl="0">
+              <a:spcBef>
+                <a:spcPts val="0"/>
+              </a:spcBef>
+              <a:spcAft>
+                <a:spcPts val="0"/>
+              </a:spcAft>
+              <a:buNone/>
+            </a:pPr>
             <a:endParaRPr/>
           </a:p>
         </p:txBody>
@@ -2004,11 +2084,11 @@
 </file>
 
 <file path=ppt/notesSlides/notesSlide6.xml><?xml version="1.0" encoding="utf-8"?>
-<p:notes xmlns:a="http://schemas.openxmlformats.org/drawingml/2006/main" xmlns:r="http://schemas.openxmlformats.org/officeDocument/2006/relationships" xmlns:mc="http://schemas.openxmlformats.org/markup-compatibility/2006" xmlns:mv="urn:schemas-microsoft-com:mac:vml" xmlns:p="http://schemas.openxmlformats.org/presentationml/2006/main" xmlns:c="http://schemas.openxmlformats.org/drawingml/2006/chart" xmlns:dgm="http://schemas.openxmlformats.org/drawingml/2006/diagram" xmlns:o="urn:schemas-microsoft-com:office:office" xmlns:v="urn:schemas-microsoft-com:vml" xmlns:pvml="urn:schemas-microsoft-com:office:powerpoint" xmlns:com="http://schemas.openxmlformats.org/drawingml/2006/compatibility" xmlns:p14="http://schemas.microsoft.com/office/powerpoint/2010/main" xmlns:p15="http://schemas.microsoft.com/office/powerpoint/2012/main" xmlns:ahyp="http://schemas.microsoft.com/office/drawing/2018/hyperlinkcolor" showMasterPhAnim="0" showMasterSp="0">
+<p:notes xmlns:a="http://schemas.openxmlformats.org/drawingml/2006/main" xmlns:r="http://schemas.openxmlformats.org/officeDocument/2006/relationships" xmlns:p="http://schemas.openxmlformats.org/presentationml/2006/main" showMasterSp="0" showMasterPhAnim="0">
   <p:cSld>
     <p:spTree>
       <p:nvGrpSpPr>
-        <p:cNvPr id="97" name="Shape 97"/>
+        <p:cNvPr id="1" name="Shape 97"/>
         <p:cNvGrpSpPr/>
         <p:nvPr/>
       </p:nvGrpSpPr>
@@ -2023,9 +2103,11 @@
       <p:sp>
         <p:nvSpPr>
           <p:cNvPr id="98" name="Google Shape;98;g23a2672087f_0_57:notes"/>
-          <p:cNvSpPr/>
+          <p:cNvSpPr>
+            <a:spLocks noGrp="1" noRot="1" noChangeAspect="1"/>
+          </p:cNvSpPr>
           <p:nvPr>
-            <p:ph idx="2" type="sldImg"/>
+            <p:ph type="sldImg" idx="2"/>
           </p:nvPr>
         </p:nvSpPr>
         <p:spPr>
@@ -2034,9 +2116,13 @@
             <a:ext cx="6096000" cy="3429000"/>
           </a:xfrm>
           <a:custGeom>
-            <a:rect b="b" l="l" r="r" t="t"/>
+            <a:avLst/>
+            <a:gdLst/>
+            <a:ahLst/>
+            <a:cxnLst/>
+            <a:rect l="l" t="t" r="r" b="b"/>
             <a:pathLst>
-              <a:path extrusionOk="0" h="120000" w="120000">
+              <a:path w="120000" h="120000" extrusionOk="0">
                 <a:moveTo>
                   <a:pt x="0" y="0"/>
                 </a:moveTo>
@@ -2058,9 +2144,11 @@
       <p:sp>
         <p:nvSpPr>
           <p:cNvPr id="99" name="Google Shape;99;g23a2672087f_0_57:notes"/>
-          <p:cNvSpPr txBox="1"/>
+          <p:cNvSpPr txBox="1">
+            <a:spLocks noGrp="1"/>
+          </p:cNvSpPr>
           <p:nvPr>
-            <p:ph idx="1" type="body"/>
+            <p:ph type="body" idx="1"/>
           </p:nvPr>
         </p:nvSpPr>
         <p:spPr>
@@ -2073,23 +2161,20 @@
           </a:prstGeom>
         </p:spPr>
         <p:txBody>
-          <a:bodyPr anchorCtr="0" anchor="t" bIns="91425" lIns="91425" spcFirstLastPara="1" rIns="91425" wrap="square" tIns="91425">
+          <a:bodyPr spcFirstLastPara="1" wrap="square" lIns="91425" tIns="91425" rIns="91425" bIns="91425" anchor="t" anchorCtr="0">
             <a:noAutofit/>
           </a:bodyPr>
           <a:lstStyle/>
           <a:p>
-            <a:pPr indent="0" lvl="0" marL="0" rtl="0" algn="l">
-              <a:spcBef>
-                <a:spcPts val="0"/>
-              </a:spcBef>
-              <a:spcAft>
-                <a:spcPts val="0"/>
-              </a:spcAft>
-              <a:buNone/>
-            </a:pPr>
-            <a:r>
-              <a:t/>
-            </a:r>
+            <a:pPr marL="0" lvl="0" indent="0" algn="l" rtl="0">
+              <a:spcBef>
+                <a:spcPts val="0"/>
+              </a:spcBef>
+              <a:spcAft>
+                <a:spcPts val="0"/>
+              </a:spcAft>
+              <a:buNone/>
+            </a:pPr>
             <a:endParaRPr/>
           </a:p>
         </p:txBody>
@@ -2103,11 +2188,11 @@
 </file>
 
 <file path=ppt/notesSlides/notesSlide7.xml><?xml version="1.0" encoding="utf-8"?>
-<p:notes xmlns:a="http://schemas.openxmlformats.org/drawingml/2006/main" xmlns:r="http://schemas.openxmlformats.org/officeDocument/2006/relationships" xmlns:mc="http://schemas.openxmlformats.org/markup-compatibility/2006" xmlns:mv="urn:schemas-microsoft-com:mac:vml" xmlns:p="http://schemas.openxmlformats.org/presentationml/2006/main" xmlns:c="http://schemas.openxmlformats.org/drawingml/2006/chart" xmlns:dgm="http://schemas.openxmlformats.org/drawingml/2006/diagram" xmlns:o="urn:schemas-microsoft-com:office:office" xmlns:v="urn:schemas-microsoft-com:vml" xmlns:pvml="urn:schemas-microsoft-com:office:powerpoint" xmlns:com="http://schemas.openxmlformats.org/drawingml/2006/compatibility" xmlns:p14="http://schemas.microsoft.com/office/powerpoint/2010/main" xmlns:p15="http://schemas.microsoft.com/office/powerpoint/2012/main" xmlns:ahyp="http://schemas.microsoft.com/office/drawing/2018/hyperlinkcolor" showMasterPhAnim="0" showMasterSp="0">
+<p:notes xmlns:a="http://schemas.openxmlformats.org/drawingml/2006/main" xmlns:r="http://schemas.openxmlformats.org/officeDocument/2006/relationships" xmlns:p="http://schemas.openxmlformats.org/presentationml/2006/main" showMasterSp="0" showMasterPhAnim="0">
   <p:cSld>
     <p:spTree>
       <p:nvGrpSpPr>
-        <p:cNvPr id="106" name="Shape 106"/>
+        <p:cNvPr id="1" name="Shape 106"/>
         <p:cNvGrpSpPr/>
         <p:nvPr/>
       </p:nvGrpSpPr>
@@ -2122,9 +2207,11 @@
       <p:sp>
         <p:nvSpPr>
           <p:cNvPr id="107" name="Google Shape;107;g23a2672087f_0_10:notes"/>
-          <p:cNvSpPr/>
+          <p:cNvSpPr>
+            <a:spLocks noGrp="1" noRot="1" noChangeAspect="1"/>
+          </p:cNvSpPr>
           <p:nvPr>
-            <p:ph idx="2" type="sldImg"/>
+            <p:ph type="sldImg" idx="2"/>
           </p:nvPr>
         </p:nvSpPr>
         <p:spPr>
@@ -2133,9 +2220,13 @@
             <a:ext cx="6096000" cy="3429000"/>
           </a:xfrm>
           <a:custGeom>
-            <a:rect b="b" l="l" r="r" t="t"/>
+            <a:avLst/>
+            <a:gdLst/>
+            <a:ahLst/>
+            <a:cxnLst/>
+            <a:rect l="l" t="t" r="r" b="b"/>
             <a:pathLst>
-              <a:path extrusionOk="0" h="120000" w="120000">
+              <a:path w="120000" h="120000" extrusionOk="0">
                 <a:moveTo>
                   <a:pt x="0" y="0"/>
                 </a:moveTo>
@@ -2157,9 +2248,11 @@
       <p:sp>
         <p:nvSpPr>
           <p:cNvPr id="108" name="Google Shape;108;g23a2672087f_0_10:notes"/>
-          <p:cNvSpPr txBox="1"/>
+          <p:cNvSpPr txBox="1">
+            <a:spLocks noGrp="1"/>
+          </p:cNvSpPr>
           <p:nvPr>
-            <p:ph idx="1" type="body"/>
+            <p:ph type="body" idx="1"/>
           </p:nvPr>
         </p:nvSpPr>
         <p:spPr>
@@ -2172,23 +2265,20 @@
           </a:prstGeom>
         </p:spPr>
         <p:txBody>
-          <a:bodyPr anchorCtr="0" anchor="t" bIns="91425" lIns="91425" spcFirstLastPara="1" rIns="91425" wrap="square" tIns="91425">
+          <a:bodyPr spcFirstLastPara="1" wrap="square" lIns="91425" tIns="91425" rIns="91425" bIns="91425" anchor="t" anchorCtr="0">
             <a:noAutofit/>
           </a:bodyPr>
           <a:lstStyle/>
           <a:p>
-            <a:pPr indent="0" lvl="0" marL="0" rtl="0" algn="l">
-              <a:spcBef>
-                <a:spcPts val="0"/>
-              </a:spcBef>
-              <a:spcAft>
-                <a:spcPts val="0"/>
-              </a:spcAft>
-              <a:buNone/>
-            </a:pPr>
-            <a:r>
-              <a:t/>
-            </a:r>
+            <a:pPr marL="0" lvl="0" indent="0" algn="l" rtl="0">
+              <a:spcBef>
+                <a:spcPts val="0"/>
+              </a:spcBef>
+              <a:spcAft>
+                <a:spcPts val="0"/>
+              </a:spcAft>
+              <a:buNone/>
+            </a:pPr>
             <a:endParaRPr/>
           </a:p>
         </p:txBody>
@@ -2202,11 +2292,11 @@
 </file>
 
 <file path=ppt/notesSlides/notesSlide8.xml><?xml version="1.0" encoding="utf-8"?>
-<p:notes xmlns:a="http://schemas.openxmlformats.org/drawingml/2006/main" xmlns:r="http://schemas.openxmlformats.org/officeDocument/2006/relationships" xmlns:mc="http://schemas.openxmlformats.org/markup-compatibility/2006" xmlns:mv="urn:schemas-microsoft-com:mac:vml" xmlns:p="http://schemas.openxmlformats.org/presentationml/2006/main" xmlns:c="http://schemas.openxmlformats.org/drawingml/2006/chart" xmlns:dgm="http://schemas.openxmlformats.org/drawingml/2006/diagram" xmlns:o="urn:schemas-microsoft-com:office:office" xmlns:v="urn:schemas-microsoft-com:vml" xmlns:pvml="urn:schemas-microsoft-com:office:powerpoint" xmlns:com="http://schemas.openxmlformats.org/drawingml/2006/compatibility" xmlns:p14="http://schemas.microsoft.com/office/powerpoint/2010/main" xmlns:p15="http://schemas.microsoft.com/office/powerpoint/2012/main" xmlns:ahyp="http://schemas.microsoft.com/office/drawing/2018/hyperlinkcolor" showMasterPhAnim="0" showMasterSp="0">
+<p:notes xmlns:a="http://schemas.openxmlformats.org/drawingml/2006/main" xmlns:r="http://schemas.openxmlformats.org/officeDocument/2006/relationships" xmlns:p="http://schemas.openxmlformats.org/presentationml/2006/main" showMasterSp="0" showMasterPhAnim="0">
   <p:cSld>
     <p:spTree>
       <p:nvGrpSpPr>
-        <p:cNvPr id="114" name="Shape 114"/>
+        <p:cNvPr id="1" name="Shape 114"/>
         <p:cNvGrpSpPr/>
         <p:nvPr/>
       </p:nvGrpSpPr>
@@ -2221,9 +2311,11 @@
       <p:sp>
         <p:nvSpPr>
           <p:cNvPr id="115" name="Google Shape;115;g23a2672087f_0_15:notes"/>
-          <p:cNvSpPr/>
+          <p:cNvSpPr>
+            <a:spLocks noGrp="1" noRot="1" noChangeAspect="1"/>
+          </p:cNvSpPr>
           <p:nvPr>
-            <p:ph idx="2" type="sldImg"/>
+            <p:ph type="sldImg" idx="2"/>
           </p:nvPr>
         </p:nvSpPr>
         <p:spPr>
@@ -2232,9 +2324,13 @@
             <a:ext cx="6096000" cy="3429000"/>
           </a:xfrm>
           <a:custGeom>
-            <a:rect b="b" l="l" r="r" t="t"/>
+            <a:avLst/>
+            <a:gdLst/>
+            <a:ahLst/>
+            <a:cxnLst/>
+            <a:rect l="l" t="t" r="r" b="b"/>
             <a:pathLst>
-              <a:path extrusionOk="0" h="120000" w="120000">
+              <a:path w="120000" h="120000" extrusionOk="0">
                 <a:moveTo>
                   <a:pt x="0" y="0"/>
                 </a:moveTo>
@@ -2256,9 +2352,11 @@
       <p:sp>
         <p:nvSpPr>
           <p:cNvPr id="116" name="Google Shape;116;g23a2672087f_0_15:notes"/>
-          <p:cNvSpPr txBox="1"/>
+          <p:cNvSpPr txBox="1">
+            <a:spLocks noGrp="1"/>
+          </p:cNvSpPr>
           <p:nvPr>
-            <p:ph idx="1" type="body"/>
+            <p:ph type="body" idx="1"/>
           </p:nvPr>
         </p:nvSpPr>
         <p:spPr>
@@ -2271,23 +2369,20 @@
           </a:prstGeom>
         </p:spPr>
         <p:txBody>
-          <a:bodyPr anchorCtr="0" anchor="t" bIns="91425" lIns="91425" spcFirstLastPara="1" rIns="91425" wrap="square" tIns="91425">
+          <a:bodyPr spcFirstLastPara="1" wrap="square" lIns="91425" tIns="91425" rIns="91425" bIns="91425" anchor="t" anchorCtr="0">
             <a:noAutofit/>
           </a:bodyPr>
           <a:lstStyle/>
           <a:p>
-            <a:pPr indent="0" lvl="0" marL="0" rtl="0" algn="l">
-              <a:spcBef>
-                <a:spcPts val="0"/>
-              </a:spcBef>
-              <a:spcAft>
-                <a:spcPts val="0"/>
-              </a:spcAft>
-              <a:buNone/>
-            </a:pPr>
-            <a:r>
-              <a:t/>
-            </a:r>
+            <a:pPr marL="0" lvl="0" indent="0" algn="l" rtl="0">
+              <a:spcBef>
+                <a:spcPts val="0"/>
+              </a:spcBef>
+              <a:spcAft>
+                <a:spcPts val="0"/>
+              </a:spcAft>
+              <a:buNone/>
+            </a:pPr>
             <a:endParaRPr/>
           </a:p>
         </p:txBody>
@@ -2301,11 +2396,11 @@
 </file>
 
 <file path=ppt/notesSlides/notesSlide9.xml><?xml version="1.0" encoding="utf-8"?>
-<p:notes xmlns:a="http://schemas.openxmlformats.org/drawingml/2006/main" xmlns:r="http://schemas.openxmlformats.org/officeDocument/2006/relationships" xmlns:mc="http://schemas.openxmlformats.org/markup-compatibility/2006" xmlns:mv="urn:schemas-microsoft-com:mac:vml" xmlns:p="http://schemas.openxmlformats.org/presentationml/2006/main" xmlns:c="http://schemas.openxmlformats.org/drawingml/2006/chart" xmlns:dgm="http://schemas.openxmlformats.org/drawingml/2006/diagram" xmlns:o="urn:schemas-microsoft-com:office:office" xmlns:v="urn:schemas-microsoft-com:vml" xmlns:pvml="urn:schemas-microsoft-com:office:powerpoint" xmlns:com="http://schemas.openxmlformats.org/drawingml/2006/compatibility" xmlns:p14="http://schemas.microsoft.com/office/powerpoint/2010/main" xmlns:p15="http://schemas.microsoft.com/office/powerpoint/2012/main" xmlns:ahyp="http://schemas.microsoft.com/office/drawing/2018/hyperlinkcolor" showMasterPhAnim="0" showMasterSp="0">
+<p:notes xmlns:a="http://schemas.openxmlformats.org/drawingml/2006/main" xmlns:r="http://schemas.openxmlformats.org/officeDocument/2006/relationships" xmlns:p="http://schemas.openxmlformats.org/presentationml/2006/main" showMasterSp="0" showMasterPhAnim="0">
   <p:cSld>
     <p:spTree>
       <p:nvGrpSpPr>
-        <p:cNvPr id="124" name="Shape 124"/>
+        <p:cNvPr id="1" name="Shape 124"/>
         <p:cNvGrpSpPr/>
         <p:nvPr/>
       </p:nvGrpSpPr>
@@ -2320,9 +2415,11 @@
       <p:sp>
         <p:nvSpPr>
           <p:cNvPr id="125" name="Google Shape;125;g23acf2ea65f_0_58:notes"/>
-          <p:cNvSpPr/>
+          <p:cNvSpPr>
+            <a:spLocks noGrp="1" noRot="1" noChangeAspect="1"/>
+          </p:cNvSpPr>
           <p:nvPr>
-            <p:ph idx="2" type="sldImg"/>
+            <p:ph type="sldImg" idx="2"/>
           </p:nvPr>
         </p:nvSpPr>
         <p:spPr>
@@ -2331,9 +2428,13 @@
             <a:ext cx="6096000" cy="3429000"/>
           </a:xfrm>
           <a:custGeom>
-            <a:rect b="b" l="l" r="r" t="t"/>
+            <a:avLst/>
+            <a:gdLst/>
+            <a:ahLst/>
+            <a:cxnLst/>
+            <a:rect l="l" t="t" r="r" b="b"/>
             <a:pathLst>
-              <a:path extrusionOk="0" h="120000" w="120000">
+              <a:path w="120000" h="120000" extrusionOk="0">
                 <a:moveTo>
                   <a:pt x="0" y="0"/>
                 </a:moveTo>
@@ -2355,9 +2456,11 @@
       <p:sp>
         <p:nvSpPr>
           <p:cNvPr id="126" name="Google Shape;126;g23acf2ea65f_0_58:notes"/>
-          <p:cNvSpPr txBox="1"/>
+          <p:cNvSpPr txBox="1">
+            <a:spLocks noGrp="1"/>
+          </p:cNvSpPr>
           <p:nvPr>
-            <p:ph idx="1" type="body"/>
+            <p:ph type="body" idx="1"/>
           </p:nvPr>
         </p:nvSpPr>
         <p:spPr>
@@ -2370,23 +2473,20 @@
           </a:prstGeom>
         </p:spPr>
         <p:txBody>
-          <a:bodyPr anchorCtr="0" anchor="t" bIns="91425" lIns="91425" spcFirstLastPara="1" rIns="91425" wrap="square" tIns="91425">
+          <a:bodyPr spcFirstLastPara="1" wrap="square" lIns="91425" tIns="91425" rIns="91425" bIns="91425" anchor="t" anchorCtr="0">
             <a:noAutofit/>
           </a:bodyPr>
           <a:lstStyle/>
           <a:p>
-            <a:pPr indent="0" lvl="0" marL="0" rtl="0" algn="l">
-              <a:spcBef>
-                <a:spcPts val="0"/>
-              </a:spcBef>
-              <a:spcAft>
-                <a:spcPts val="0"/>
-              </a:spcAft>
-              <a:buNone/>
-            </a:pPr>
-            <a:r>
-              <a:t/>
-            </a:r>
+            <a:pPr marL="0" lvl="0" indent="0" algn="l" rtl="0">
+              <a:spcBef>
+                <a:spcPts val="0"/>
+              </a:spcBef>
+              <a:spcAft>
+                <a:spcPts val="0"/>
+              </a:spcAft>
+              <a:buNone/>
+            </a:pPr>
             <a:endParaRPr/>
           </a:p>
         </p:txBody>
@@ -2400,11 +2500,11 @@
 </file>
 
 <file path=ppt/slideLayouts/slideLayout1.xml><?xml version="1.0" encoding="utf-8"?>
-<p:sldLayout xmlns:a="http://schemas.openxmlformats.org/drawingml/2006/main" xmlns:r="http://schemas.openxmlformats.org/officeDocument/2006/relationships" xmlns:mc="http://schemas.openxmlformats.org/markup-compatibility/2006" xmlns:mv="urn:schemas-microsoft-com:mac:vml" xmlns:p="http://schemas.openxmlformats.org/presentationml/2006/main" xmlns:c="http://schemas.openxmlformats.org/drawingml/2006/chart" xmlns:dgm="http://schemas.openxmlformats.org/drawingml/2006/diagram" xmlns:o="urn:schemas-microsoft-com:office:office" xmlns:v="urn:schemas-microsoft-com:vml" xmlns:pvml="urn:schemas-microsoft-com:office:powerpoint" xmlns:com="http://schemas.openxmlformats.org/drawingml/2006/compatibility" xmlns:p14="http://schemas.microsoft.com/office/powerpoint/2010/main" xmlns:p15="http://schemas.microsoft.com/office/powerpoint/2012/main" xmlns:ahyp="http://schemas.microsoft.com/office/drawing/2018/hyperlinkcolor" matchingName="Title slide" type="title">
+<p:sldLayout xmlns:a="http://schemas.openxmlformats.org/drawingml/2006/main" xmlns:r="http://schemas.openxmlformats.org/officeDocument/2006/relationships" xmlns:p="http://schemas.openxmlformats.org/presentationml/2006/main" matchingName="Title slide" type="title">
   <p:cSld name="TITLE">
     <p:spTree>
       <p:nvGrpSpPr>
-        <p:cNvPr id="9" name="Shape 9"/>
+        <p:cNvPr id="1" name="Shape 9"/>
         <p:cNvGrpSpPr/>
         <p:nvPr/>
       </p:nvGrpSpPr>
@@ -2428,9 +2528,13 @@
             <a:ext cx="1081625" cy="1124950"/>
           </a:xfrm>
           <a:custGeom>
-            <a:rect b="b" l="l" r="r" t="t"/>
+            <a:avLst/>
+            <a:gdLst/>
+            <a:ahLst/>
+            <a:cxnLst/>
+            <a:rect l="l" t="t" r="r" b="b"/>
             <a:pathLst>
-              <a:path extrusionOk="0" h="44998" w="43265">
+              <a:path w="43265" h="44998" extrusionOk="0">
                 <a:moveTo>
                   <a:pt x="0" y="44998"/>
                 </a:moveTo>
@@ -2444,14 +2548,14 @@
             </a:pathLst>
           </a:custGeom>
           <a:noFill/>
-          <a:ln cap="flat" cmpd="sng" w="28575">
+          <a:ln w="28575" cap="flat" cmpd="sng">
             <a:solidFill>
               <a:schemeClr val="accent5"/>
             </a:solidFill>
             <a:prstDash val="solid"/>
             <a:miter lim="8000"/>
-            <a:headEnd len="sm" w="sm" type="none"/>
-            <a:tailEnd len="sm" w="sm" type="none"/>
+            <a:headEnd type="none" w="sm" len="sm"/>
+            <a:tailEnd type="none" w="sm" len="sm"/>
           </a:ln>
         </p:spPr>
       </p:sp>
@@ -2467,9 +2571,13 @@
             <a:ext cx="1081625" cy="1124950"/>
           </a:xfrm>
           <a:custGeom>
-            <a:rect b="b" l="l" r="r" t="t"/>
+            <a:avLst/>
+            <a:gdLst/>
+            <a:ahLst/>
+            <a:cxnLst/>
+            <a:rect l="l" t="t" r="r" b="b"/>
             <a:pathLst>
-              <a:path extrusionOk="0" h="44998" w="43265">
+              <a:path w="43265" h="44998" extrusionOk="0">
                 <a:moveTo>
                   <a:pt x="0" y="44998"/>
                 </a:moveTo>
@@ -2483,14 +2591,14 @@
             </a:pathLst>
           </a:custGeom>
           <a:noFill/>
-          <a:ln cap="flat" cmpd="sng" w="28575">
+          <a:ln w="28575" cap="flat" cmpd="sng">
             <a:solidFill>
               <a:schemeClr val="accent5"/>
             </a:solidFill>
             <a:prstDash val="solid"/>
             <a:miter lim="8000"/>
-            <a:headEnd len="sm" w="sm" type="none"/>
-            <a:tailEnd len="sm" w="sm" type="none"/>
+            <a:headEnd type="none" w="sm" len="sm"/>
+            <a:tailEnd type="none" w="sm" len="sm"/>
           </a:ln>
         </p:spPr>
       </p:sp>
@@ -2509,21 +2617,23 @@
             <a:avLst/>
           </a:prstGeom>
           <a:noFill/>
-          <a:ln cap="flat" cmpd="sng" w="38100">
+          <a:ln w="38100" cap="flat" cmpd="sng">
             <a:solidFill>
               <a:schemeClr val="accent4"/>
             </a:solidFill>
             <a:prstDash val="solid"/>
             <a:round/>
-            <a:headEnd len="sm" w="sm" type="none"/>
-            <a:tailEnd len="sm" w="sm" type="none"/>
+            <a:headEnd type="none" w="sm" len="sm"/>
+            <a:tailEnd type="none" w="sm" len="sm"/>
           </a:ln>
         </p:spPr>
       </p:cxnSp>
       <p:sp>
         <p:nvSpPr>
           <p:cNvPr id="13" name="Google Shape;13;p2"/>
-          <p:cNvSpPr txBox="1"/>
+          <p:cNvSpPr txBox="1">
+            <a:spLocks noGrp="1"/>
+          </p:cNvSpPr>
           <p:nvPr>
             <p:ph type="ctrTitle"/>
           </p:nvPr>
@@ -2538,7 +2648,7 @@
           </a:prstGeom>
         </p:spPr>
         <p:txBody>
-          <a:bodyPr anchorCtr="0" anchor="b" bIns="91425" lIns="91425" spcFirstLastPara="1" rIns="91425" wrap="square" tIns="91425">
+          <a:bodyPr spcFirstLastPara="1" wrap="square" lIns="91425" tIns="91425" rIns="91425" bIns="91425" anchor="b" anchorCtr="0">
             <a:normAutofit/>
           </a:bodyPr>
           <a:lstStyle>
@@ -2642,15 +2752,19 @@
               <a:defRPr sz="4000"/>
             </a:lvl9pPr>
           </a:lstStyle>
-          <a:p/>
+          <a:p>
+            <a:endParaRPr/>
+          </a:p>
         </p:txBody>
       </p:sp>
       <p:sp>
         <p:nvSpPr>
           <p:cNvPr id="14" name="Google Shape;14;p2"/>
-          <p:cNvSpPr txBox="1"/>
+          <p:cNvSpPr txBox="1">
+            <a:spLocks noGrp="1"/>
+          </p:cNvSpPr>
           <p:nvPr>
-            <p:ph idx="1" type="subTitle"/>
+            <p:ph type="subTitle" idx="1"/>
           </p:nvPr>
         </p:nvSpPr>
         <p:spPr>
@@ -2663,7 +2777,7 @@
           </a:prstGeom>
         </p:spPr>
         <p:txBody>
-          <a:bodyPr anchorCtr="0" anchor="t" bIns="91425" lIns="91425" spcFirstLastPara="1" rIns="91425" wrap="square" tIns="91425">
+          <a:bodyPr spcFirstLastPara="1" wrap="square" lIns="91425" tIns="91425" rIns="91425" bIns="91425" anchor="t" anchorCtr="0">
             <a:normAutofit/>
           </a:bodyPr>
           <a:lstStyle>
@@ -2902,15 +3016,19 @@
               </a:defRPr>
             </a:lvl9pPr>
           </a:lstStyle>
-          <a:p/>
+          <a:p>
+            <a:endParaRPr/>
+          </a:p>
         </p:txBody>
       </p:sp>
       <p:sp>
         <p:nvSpPr>
           <p:cNvPr id="15" name="Google Shape;15;p2"/>
-          <p:cNvSpPr txBox="1"/>
+          <p:cNvSpPr txBox="1">
+            <a:spLocks noGrp="1"/>
+          </p:cNvSpPr>
           <p:nvPr>
-            <p:ph idx="12" type="sldNum"/>
+            <p:ph type="sldNum" idx="12"/>
           </p:nvPr>
         </p:nvSpPr>
         <p:spPr>
@@ -2923,7 +3041,7 @@
           </a:prstGeom>
         </p:spPr>
         <p:txBody>
-          <a:bodyPr anchorCtr="0" anchor="ctr" bIns="91425" lIns="91425" spcFirstLastPara="1" rIns="91425" wrap="square" tIns="91425">
+          <a:bodyPr spcFirstLastPara="1" wrap="square" lIns="91425" tIns="91425" rIns="91425" bIns="91425" anchor="ctr" anchorCtr="0">
             <a:normAutofit/>
           </a:bodyPr>
           <a:lstStyle>
@@ -2965,7 +3083,7 @@
             </a:lvl9pPr>
           </a:lstStyle>
           <a:p>
-            <a:pPr indent="0" lvl="0" marL="0" rtl="0" algn="r">
+            <a:pPr marL="0" lvl="0" indent="0" algn="r" rtl="0">
               <a:spcBef>
                 <a:spcPts val="0"/>
               </a:spcBef>
@@ -2991,11 +3109,11 @@
 </file>
 
 <file path=ppt/slideLayouts/slideLayout10.xml><?xml version="1.0" encoding="utf-8"?>
-<p:sldLayout xmlns:a="http://schemas.openxmlformats.org/drawingml/2006/main" xmlns:r="http://schemas.openxmlformats.org/officeDocument/2006/relationships" xmlns:mc="http://schemas.openxmlformats.org/markup-compatibility/2006" xmlns:mv="urn:schemas-microsoft-com:mac:vml" xmlns:p="http://schemas.openxmlformats.org/presentationml/2006/main" xmlns:c="http://schemas.openxmlformats.org/drawingml/2006/chart" xmlns:dgm="http://schemas.openxmlformats.org/drawingml/2006/diagram" xmlns:o="urn:schemas-microsoft-com:office:office" xmlns:v="urn:schemas-microsoft-com:vml" xmlns:pvml="urn:schemas-microsoft-com:office:powerpoint" xmlns:com="http://schemas.openxmlformats.org/drawingml/2006/compatibility" xmlns:p14="http://schemas.microsoft.com/office/powerpoint/2010/main" xmlns:p15="http://schemas.microsoft.com/office/powerpoint/2012/main" xmlns:ahyp="http://schemas.microsoft.com/office/drawing/2018/hyperlinkcolor" matchingName="Big number">
+<p:sldLayout xmlns:a="http://schemas.openxmlformats.org/drawingml/2006/main" xmlns:r="http://schemas.openxmlformats.org/officeDocument/2006/relationships" xmlns:p="http://schemas.openxmlformats.org/presentationml/2006/main" matchingName="Big number">
   <p:cSld name="BIG_NUMBER">
     <p:spTree>
       <p:nvGrpSpPr>
-        <p:cNvPr id="52" name="Shape 52"/>
+        <p:cNvPr id="1" name="Shape 52"/>
         <p:cNvGrpSpPr/>
         <p:nvPr/>
       </p:nvGrpSpPr>
@@ -3029,23 +3147,20 @@
           </a:ln>
         </p:spPr>
         <p:txBody>
-          <a:bodyPr anchorCtr="0" anchor="ctr" bIns="91425" lIns="91425" spcFirstLastPara="1" rIns="91425" wrap="square" tIns="91425">
+          <a:bodyPr spcFirstLastPara="1" wrap="square" lIns="91425" tIns="91425" rIns="91425" bIns="91425" anchor="ctr" anchorCtr="0">
             <a:noAutofit/>
           </a:bodyPr>
           <a:lstStyle/>
           <a:p>
-            <a:pPr indent="0" lvl="0" marL="0" rtl="0" algn="l">
-              <a:spcBef>
-                <a:spcPts val="0"/>
-              </a:spcBef>
-              <a:spcAft>
-                <a:spcPts val="0"/>
-              </a:spcAft>
-              <a:buNone/>
-            </a:pPr>
-            <a:r>
-              <a:t/>
-            </a:r>
+            <a:pPr marL="0" lvl="0" indent="0" algn="l" rtl="0">
+              <a:spcBef>
+                <a:spcPts val="0"/>
+              </a:spcBef>
+              <a:spcAft>
+                <a:spcPts val="0"/>
+              </a:spcAft>
+              <a:buNone/>
+            </a:pPr>
             <a:endParaRPr/>
           </a:p>
         </p:txBody>
@@ -3053,9 +3168,11 @@
       <p:sp>
         <p:nvSpPr>
           <p:cNvPr id="54" name="Google Shape;54;p11"/>
-          <p:cNvSpPr txBox="1"/>
+          <p:cNvSpPr txBox="1">
+            <a:spLocks noGrp="1"/>
+          </p:cNvSpPr>
           <p:nvPr>
-            <p:ph hasCustomPrompt="1" type="title"/>
+            <p:ph type="title" hasCustomPrompt="1"/>
           </p:nvPr>
         </p:nvSpPr>
         <p:spPr>
@@ -3068,7 +3185,7 @@
           </a:prstGeom>
         </p:spPr>
         <p:txBody>
-          <a:bodyPr anchorCtr="0" anchor="ctr" bIns="91425" lIns="91425" spcFirstLastPara="1" rIns="91425" wrap="square" tIns="91425">
+          <a:bodyPr spcFirstLastPara="1" wrap="square" lIns="91425" tIns="91425" rIns="91425" bIns="91425" anchor="ctr" anchorCtr="0">
             <a:normAutofit/>
           </a:bodyPr>
           <a:lstStyle>
@@ -3245,9 +3362,11 @@
       <p:sp>
         <p:nvSpPr>
           <p:cNvPr id="55" name="Google Shape;55;p11"/>
-          <p:cNvSpPr txBox="1"/>
+          <p:cNvSpPr txBox="1">
+            <a:spLocks noGrp="1"/>
+          </p:cNvSpPr>
           <p:nvPr>
-            <p:ph idx="1" type="body"/>
+            <p:ph type="body" idx="1"/>
           </p:nvPr>
         </p:nvSpPr>
         <p:spPr>
@@ -3260,11 +3379,11 @@
           </a:prstGeom>
         </p:spPr>
         <p:txBody>
-          <a:bodyPr anchorCtr="0" anchor="t" bIns="91425" lIns="91425" spcFirstLastPara="1" rIns="91425" wrap="square" tIns="91425">
+          <a:bodyPr spcFirstLastPara="1" wrap="square" lIns="91425" tIns="91425" rIns="91425" bIns="91425" anchor="t" anchorCtr="0">
             <a:normAutofit/>
           </a:bodyPr>
           <a:lstStyle>
-            <a:lvl1pPr indent="-342900" lvl="0" marL="457200" algn="ctr">
+            <a:lvl1pPr marL="457200" lvl="0" indent="-342900" algn="ctr">
               <a:spcBef>
                 <a:spcPts val="0"/>
               </a:spcBef>
@@ -3275,7 +3394,7 @@
               <a:buChar char="●"/>
               <a:defRPr/>
             </a:lvl1pPr>
-            <a:lvl2pPr indent="-317500" lvl="1" marL="914400" algn="ctr">
+            <a:lvl2pPr marL="914400" lvl="1" indent="-317500" algn="ctr">
               <a:spcBef>
                 <a:spcPts val="0"/>
               </a:spcBef>
@@ -3286,7 +3405,7 @@
               <a:buChar char="○"/>
               <a:defRPr/>
             </a:lvl2pPr>
-            <a:lvl3pPr indent="-317500" lvl="2" marL="1371600" algn="ctr">
+            <a:lvl3pPr marL="1371600" lvl="2" indent="-317500" algn="ctr">
               <a:spcBef>
                 <a:spcPts val="0"/>
               </a:spcBef>
@@ -3297,7 +3416,7 @@
               <a:buChar char="■"/>
               <a:defRPr/>
             </a:lvl3pPr>
-            <a:lvl4pPr indent="-317500" lvl="3" marL="1828800" algn="ctr">
+            <a:lvl4pPr marL="1828800" lvl="3" indent="-317500" algn="ctr">
               <a:spcBef>
                 <a:spcPts val="0"/>
               </a:spcBef>
@@ -3308,7 +3427,7 @@
               <a:buChar char="●"/>
               <a:defRPr/>
             </a:lvl4pPr>
-            <a:lvl5pPr indent="-317500" lvl="4" marL="2286000" algn="ctr">
+            <a:lvl5pPr marL="2286000" lvl="4" indent="-317500" algn="ctr">
               <a:spcBef>
                 <a:spcPts val="0"/>
               </a:spcBef>
@@ -3319,7 +3438,7 @@
               <a:buChar char="○"/>
               <a:defRPr/>
             </a:lvl5pPr>
-            <a:lvl6pPr indent="-317500" lvl="5" marL="2743200" algn="ctr">
+            <a:lvl6pPr marL="2743200" lvl="5" indent="-317500" algn="ctr">
               <a:spcBef>
                 <a:spcPts val="0"/>
               </a:spcBef>
@@ -3330,7 +3449,7 @@
               <a:buChar char="■"/>
               <a:defRPr/>
             </a:lvl6pPr>
-            <a:lvl7pPr indent="-317500" lvl="6" marL="3200400" algn="ctr">
+            <a:lvl7pPr marL="3200400" lvl="6" indent="-317500" algn="ctr">
               <a:spcBef>
                 <a:spcPts val="0"/>
               </a:spcBef>
@@ -3341,7 +3460,7 @@
               <a:buChar char="●"/>
               <a:defRPr/>
             </a:lvl7pPr>
-            <a:lvl8pPr indent="-317500" lvl="7" marL="3657600" algn="ctr">
+            <a:lvl8pPr marL="3657600" lvl="7" indent="-317500" algn="ctr">
               <a:spcBef>
                 <a:spcPts val="0"/>
               </a:spcBef>
@@ -3352,7 +3471,7 @@
               <a:buChar char="○"/>
               <a:defRPr/>
             </a:lvl8pPr>
-            <a:lvl9pPr indent="-317500" lvl="8" marL="4114800" algn="ctr">
+            <a:lvl9pPr marL="4114800" lvl="8" indent="-317500" algn="ctr">
               <a:spcBef>
                 <a:spcPts val="0"/>
               </a:spcBef>
@@ -3364,15 +3483,19 @@
               <a:defRPr/>
             </a:lvl9pPr>
           </a:lstStyle>
-          <a:p/>
+          <a:p>
+            <a:endParaRPr/>
+          </a:p>
         </p:txBody>
       </p:sp>
       <p:sp>
         <p:nvSpPr>
           <p:cNvPr id="56" name="Google Shape;56;p11"/>
-          <p:cNvSpPr txBox="1"/>
+          <p:cNvSpPr txBox="1">
+            <a:spLocks noGrp="1"/>
+          </p:cNvSpPr>
           <p:nvPr>
-            <p:ph idx="12" type="sldNum"/>
+            <p:ph type="sldNum" idx="12"/>
           </p:nvPr>
         </p:nvSpPr>
         <p:spPr>
@@ -3385,7 +3508,7 @@
           </a:prstGeom>
         </p:spPr>
         <p:txBody>
-          <a:bodyPr anchorCtr="0" anchor="ctr" bIns="91425" lIns="91425" spcFirstLastPara="1" rIns="91425" wrap="square" tIns="91425">
+          <a:bodyPr spcFirstLastPara="1" wrap="square" lIns="91425" tIns="91425" rIns="91425" bIns="91425" anchor="ctr" anchorCtr="0">
             <a:normAutofit/>
           </a:bodyPr>
           <a:lstStyle>
@@ -3427,7 +3550,7 @@
             </a:lvl9pPr>
           </a:lstStyle>
           <a:p>
-            <a:pPr indent="0" lvl="0" marL="0" rtl="0" algn="r">
+            <a:pPr marL="0" lvl="0" indent="0" algn="r" rtl="0">
               <a:spcBef>
                 <a:spcPts val="0"/>
               </a:spcBef>
@@ -3453,11 +3576,11 @@
 </file>
 
 <file path=ppt/slideLayouts/slideLayout11.xml><?xml version="1.0" encoding="utf-8"?>
-<p:sldLayout xmlns:a="http://schemas.openxmlformats.org/drawingml/2006/main" xmlns:r="http://schemas.openxmlformats.org/officeDocument/2006/relationships" xmlns:mc="http://schemas.openxmlformats.org/markup-compatibility/2006" xmlns:mv="urn:schemas-microsoft-com:mac:vml" xmlns:p="http://schemas.openxmlformats.org/presentationml/2006/main" xmlns:c="http://schemas.openxmlformats.org/drawingml/2006/chart" xmlns:dgm="http://schemas.openxmlformats.org/drawingml/2006/diagram" xmlns:o="urn:schemas-microsoft-com:office:office" xmlns:v="urn:schemas-microsoft-com:vml" xmlns:pvml="urn:schemas-microsoft-com:office:powerpoint" xmlns:com="http://schemas.openxmlformats.org/drawingml/2006/compatibility" xmlns:p14="http://schemas.microsoft.com/office/powerpoint/2010/main" xmlns:p15="http://schemas.microsoft.com/office/powerpoint/2012/main" xmlns:ahyp="http://schemas.microsoft.com/office/drawing/2018/hyperlinkcolor" matchingName="Blank" type="blank">
+<p:sldLayout xmlns:a="http://schemas.openxmlformats.org/drawingml/2006/main" xmlns:r="http://schemas.openxmlformats.org/officeDocument/2006/relationships" xmlns:p="http://schemas.openxmlformats.org/presentationml/2006/main" matchingName="Blank" type="blank">
   <p:cSld name="BLANK">
     <p:spTree>
       <p:nvGrpSpPr>
-        <p:cNvPr id="57" name="Shape 57"/>
+        <p:cNvPr id="1" name="Shape 57"/>
         <p:cNvGrpSpPr/>
         <p:nvPr/>
       </p:nvGrpSpPr>
@@ -3472,9 +3595,11 @@
       <p:sp>
         <p:nvSpPr>
           <p:cNvPr id="58" name="Google Shape;58;p12"/>
-          <p:cNvSpPr txBox="1"/>
+          <p:cNvSpPr txBox="1">
+            <a:spLocks noGrp="1"/>
+          </p:cNvSpPr>
           <p:nvPr>
-            <p:ph idx="12" type="sldNum"/>
+            <p:ph type="sldNum" idx="12"/>
           </p:nvPr>
         </p:nvSpPr>
         <p:spPr>
@@ -3487,7 +3612,7 @@
           </a:prstGeom>
         </p:spPr>
         <p:txBody>
-          <a:bodyPr anchorCtr="0" anchor="ctr" bIns="91425" lIns="91425" spcFirstLastPara="1" rIns="91425" wrap="square" tIns="91425">
+          <a:bodyPr spcFirstLastPara="1" wrap="square" lIns="91425" tIns="91425" rIns="91425" bIns="91425" anchor="ctr" anchorCtr="0">
             <a:normAutofit/>
           </a:bodyPr>
           <a:lstStyle>
@@ -3529,7 +3654,7 @@
             </a:lvl9pPr>
           </a:lstStyle>
           <a:p>
-            <a:pPr indent="0" lvl="0" marL="0" rtl="0" algn="r">
+            <a:pPr marL="0" lvl="0" indent="0" algn="r" rtl="0">
               <a:spcBef>
                 <a:spcPts val="0"/>
               </a:spcBef>
@@ -3555,11 +3680,11 @@
 </file>
 
 <file path=ppt/slideLayouts/slideLayout2.xml><?xml version="1.0" encoding="utf-8"?>
-<p:sldLayout xmlns:a="http://schemas.openxmlformats.org/drawingml/2006/main" xmlns:r="http://schemas.openxmlformats.org/officeDocument/2006/relationships" xmlns:mc="http://schemas.openxmlformats.org/markup-compatibility/2006" xmlns:mv="urn:schemas-microsoft-com:mac:vml" xmlns:p="http://schemas.openxmlformats.org/presentationml/2006/main" xmlns:c="http://schemas.openxmlformats.org/drawingml/2006/chart" xmlns:dgm="http://schemas.openxmlformats.org/drawingml/2006/diagram" xmlns:o="urn:schemas-microsoft-com:office:office" xmlns:v="urn:schemas-microsoft-com:vml" xmlns:pvml="urn:schemas-microsoft-com:office:powerpoint" xmlns:com="http://schemas.openxmlformats.org/drawingml/2006/compatibility" xmlns:p14="http://schemas.microsoft.com/office/powerpoint/2010/main" xmlns:p15="http://schemas.microsoft.com/office/powerpoint/2012/main" xmlns:ahyp="http://schemas.microsoft.com/office/drawing/2018/hyperlinkcolor" matchingName="Section header" type="secHead">
+<p:sldLayout xmlns:a="http://schemas.openxmlformats.org/drawingml/2006/main" xmlns:r="http://schemas.openxmlformats.org/officeDocument/2006/relationships" xmlns:p="http://schemas.openxmlformats.org/presentationml/2006/main" matchingName="Section header" type="secHead">
   <p:cSld name="SECTION_HEADER">
     <p:spTree>
       <p:nvGrpSpPr>
-        <p:cNvPr id="16" name="Shape 16"/>
+        <p:cNvPr id="1" name="Shape 16"/>
         <p:cNvGrpSpPr/>
         <p:nvPr/>
       </p:nvGrpSpPr>
@@ -3586,21 +3711,23 @@
             <a:avLst/>
           </a:prstGeom>
           <a:noFill/>
-          <a:ln cap="flat" cmpd="sng" w="38100">
+          <a:ln w="38100" cap="flat" cmpd="sng">
             <a:solidFill>
               <a:schemeClr val="accent4"/>
             </a:solidFill>
             <a:prstDash val="solid"/>
             <a:round/>
-            <a:headEnd len="sm" w="sm" type="none"/>
-            <a:tailEnd len="sm" w="sm" type="none"/>
+            <a:headEnd type="none" w="sm" len="sm"/>
+            <a:tailEnd type="none" w="sm" len="sm"/>
           </a:ln>
         </p:spPr>
       </p:cxnSp>
       <p:sp>
         <p:nvSpPr>
           <p:cNvPr id="18" name="Google Shape;18;p3"/>
-          <p:cNvSpPr txBox="1"/>
+          <p:cNvSpPr txBox="1">
+            <a:spLocks noGrp="1"/>
+          </p:cNvSpPr>
           <p:nvPr>
             <p:ph type="title"/>
           </p:nvPr>
@@ -3615,7 +3742,7 @@
           </a:prstGeom>
         </p:spPr>
         <p:txBody>
-          <a:bodyPr anchorCtr="0" anchor="b" bIns="91425" lIns="91425" spcFirstLastPara="1" rIns="91425" wrap="square" tIns="91425">
+          <a:bodyPr spcFirstLastPara="1" wrap="square" lIns="91425" tIns="91425" rIns="91425" bIns="91425" anchor="b" anchorCtr="0">
             <a:normAutofit/>
           </a:bodyPr>
           <a:lstStyle>
@@ -3719,15 +3846,19 @@
               <a:defRPr sz="4800"/>
             </a:lvl9pPr>
           </a:lstStyle>
-          <a:p/>
+          <a:p>
+            <a:endParaRPr/>
+          </a:p>
         </p:txBody>
       </p:sp>
       <p:sp>
         <p:nvSpPr>
           <p:cNvPr id="19" name="Google Shape;19;p3"/>
-          <p:cNvSpPr txBox="1"/>
+          <p:cNvSpPr txBox="1">
+            <a:spLocks noGrp="1"/>
+          </p:cNvSpPr>
           <p:nvPr>
-            <p:ph idx="12" type="sldNum"/>
+            <p:ph type="sldNum" idx="12"/>
           </p:nvPr>
         </p:nvSpPr>
         <p:spPr>
@@ -3740,7 +3871,7 @@
           </a:prstGeom>
         </p:spPr>
         <p:txBody>
-          <a:bodyPr anchorCtr="0" anchor="ctr" bIns="91425" lIns="91425" spcFirstLastPara="1" rIns="91425" wrap="square" tIns="91425">
+          <a:bodyPr spcFirstLastPara="1" wrap="square" lIns="91425" tIns="91425" rIns="91425" bIns="91425" anchor="ctr" anchorCtr="0">
             <a:normAutofit/>
           </a:bodyPr>
           <a:lstStyle>
@@ -3782,7 +3913,7 @@
             </a:lvl9pPr>
           </a:lstStyle>
           <a:p>
-            <a:pPr indent="0" lvl="0" marL="0" rtl="0" algn="r">
+            <a:pPr marL="0" lvl="0" indent="0" algn="r" rtl="0">
               <a:spcBef>
                 <a:spcPts val="0"/>
               </a:spcBef>
@@ -3808,11 +3939,11 @@
 </file>
 
 <file path=ppt/slideLayouts/slideLayout3.xml><?xml version="1.0" encoding="utf-8"?>
-<p:sldLayout xmlns:a="http://schemas.openxmlformats.org/drawingml/2006/main" xmlns:r="http://schemas.openxmlformats.org/officeDocument/2006/relationships" xmlns:mc="http://schemas.openxmlformats.org/markup-compatibility/2006" xmlns:mv="urn:schemas-microsoft-com:mac:vml" xmlns:p="http://schemas.openxmlformats.org/presentationml/2006/main" xmlns:c="http://schemas.openxmlformats.org/drawingml/2006/chart" xmlns:dgm="http://schemas.openxmlformats.org/drawingml/2006/diagram" xmlns:o="urn:schemas-microsoft-com:office:office" xmlns:v="urn:schemas-microsoft-com:vml" xmlns:pvml="urn:schemas-microsoft-com:office:powerpoint" xmlns:com="http://schemas.openxmlformats.org/drawingml/2006/compatibility" xmlns:p14="http://schemas.microsoft.com/office/powerpoint/2010/main" xmlns:p15="http://schemas.microsoft.com/office/powerpoint/2012/main" xmlns:ahyp="http://schemas.microsoft.com/office/drawing/2018/hyperlinkcolor" matchingName="Title and body" type="tx">
+<p:sldLayout xmlns:a="http://schemas.openxmlformats.org/drawingml/2006/main" xmlns:r="http://schemas.openxmlformats.org/officeDocument/2006/relationships" xmlns:p="http://schemas.openxmlformats.org/presentationml/2006/main" matchingName="Title and body" type="tx">
   <p:cSld name="TITLE_AND_BODY">
     <p:spTree>
       <p:nvGrpSpPr>
-        <p:cNvPr id="20" name="Shape 20"/>
+        <p:cNvPr id="1" name="Shape 20"/>
         <p:cNvGrpSpPr/>
         <p:nvPr/>
       </p:nvGrpSpPr>
@@ -3839,21 +3970,23 @@
             <a:avLst/>
           </a:prstGeom>
           <a:noFill/>
-          <a:ln cap="flat" cmpd="sng" w="38100">
+          <a:ln w="38100" cap="flat" cmpd="sng">
             <a:solidFill>
               <a:schemeClr val="accent4"/>
             </a:solidFill>
             <a:prstDash val="solid"/>
             <a:round/>
-            <a:headEnd len="sm" w="sm" type="none"/>
-            <a:tailEnd len="sm" w="sm" type="none"/>
+            <a:headEnd type="none" w="sm" len="sm"/>
+            <a:tailEnd type="none" w="sm" len="sm"/>
           </a:ln>
         </p:spPr>
       </p:cxnSp>
       <p:sp>
         <p:nvSpPr>
           <p:cNvPr id="22" name="Google Shape;22;p4"/>
-          <p:cNvSpPr txBox="1"/>
+          <p:cNvSpPr txBox="1">
+            <a:spLocks noGrp="1"/>
+          </p:cNvSpPr>
           <p:nvPr>
             <p:ph type="title"/>
           </p:nvPr>
@@ -3868,7 +4001,7 @@
           </a:prstGeom>
         </p:spPr>
         <p:txBody>
-          <a:bodyPr anchorCtr="0" anchor="b" bIns="91425" lIns="91425" spcFirstLastPara="1" rIns="91425" wrap="square" tIns="91425">
+          <a:bodyPr spcFirstLastPara="1" wrap="square" lIns="91425" tIns="91425" rIns="91425" bIns="91425" anchor="b" anchorCtr="0">
             <a:normAutofit/>
           </a:bodyPr>
           <a:lstStyle>
@@ -3972,15 +4105,19 @@
               <a:defRPr/>
             </a:lvl9pPr>
           </a:lstStyle>
-          <a:p/>
+          <a:p>
+            <a:endParaRPr/>
+          </a:p>
         </p:txBody>
       </p:sp>
       <p:sp>
         <p:nvSpPr>
           <p:cNvPr id="23" name="Google Shape;23;p4"/>
-          <p:cNvSpPr txBox="1"/>
+          <p:cNvSpPr txBox="1">
+            <a:spLocks noGrp="1"/>
+          </p:cNvSpPr>
           <p:nvPr>
-            <p:ph idx="1" type="body"/>
+            <p:ph type="body" idx="1"/>
           </p:nvPr>
         </p:nvSpPr>
         <p:spPr>
@@ -3993,11 +4130,11 @@
           </a:prstGeom>
         </p:spPr>
         <p:txBody>
-          <a:bodyPr anchorCtr="0" anchor="t" bIns="91425" lIns="91425" spcFirstLastPara="1" rIns="91425" wrap="square" tIns="91425">
+          <a:bodyPr spcFirstLastPara="1" wrap="square" lIns="91425" tIns="91425" rIns="91425" bIns="91425" anchor="t" anchorCtr="0">
             <a:normAutofit/>
           </a:bodyPr>
           <a:lstStyle>
-            <a:lvl1pPr indent="-342900" lvl="0" marL="457200">
+            <a:lvl1pPr marL="457200" lvl="0" indent="-342900">
               <a:spcBef>
                 <a:spcPts val="0"/>
               </a:spcBef>
@@ -4008,7 +4145,7 @@
               <a:buChar char="●"/>
               <a:defRPr/>
             </a:lvl1pPr>
-            <a:lvl2pPr indent="-317500" lvl="1" marL="914400">
+            <a:lvl2pPr marL="914400" lvl="1" indent="-317500">
               <a:spcBef>
                 <a:spcPts val="0"/>
               </a:spcBef>
@@ -4019,7 +4156,7 @@
               <a:buChar char="○"/>
               <a:defRPr/>
             </a:lvl2pPr>
-            <a:lvl3pPr indent="-317500" lvl="2" marL="1371600">
+            <a:lvl3pPr marL="1371600" lvl="2" indent="-317500">
               <a:spcBef>
                 <a:spcPts val="0"/>
               </a:spcBef>
@@ -4030,7 +4167,7 @@
               <a:buChar char="■"/>
               <a:defRPr/>
             </a:lvl3pPr>
-            <a:lvl4pPr indent="-317500" lvl="3" marL="1828800">
+            <a:lvl4pPr marL="1828800" lvl="3" indent="-317500">
               <a:spcBef>
                 <a:spcPts val="0"/>
               </a:spcBef>
@@ -4041,7 +4178,7 @@
               <a:buChar char="●"/>
               <a:defRPr/>
             </a:lvl4pPr>
-            <a:lvl5pPr indent="-317500" lvl="4" marL="2286000">
+            <a:lvl5pPr marL="2286000" lvl="4" indent="-317500">
               <a:spcBef>
                 <a:spcPts val="0"/>
               </a:spcBef>
@@ -4052,7 +4189,7 @@
               <a:buChar char="○"/>
               <a:defRPr/>
             </a:lvl5pPr>
-            <a:lvl6pPr indent="-317500" lvl="5" marL="2743200">
+            <a:lvl6pPr marL="2743200" lvl="5" indent="-317500">
               <a:spcBef>
                 <a:spcPts val="0"/>
               </a:spcBef>
@@ -4063,7 +4200,7 @@
               <a:buChar char="■"/>
               <a:defRPr/>
             </a:lvl6pPr>
-            <a:lvl7pPr indent="-317500" lvl="6" marL="3200400">
+            <a:lvl7pPr marL="3200400" lvl="6" indent="-317500">
               <a:spcBef>
                 <a:spcPts val="0"/>
               </a:spcBef>
@@ -4074,7 +4211,7 @@
               <a:buChar char="●"/>
               <a:defRPr/>
             </a:lvl7pPr>
-            <a:lvl8pPr indent="-317500" lvl="7" marL="3657600">
+            <a:lvl8pPr marL="3657600" lvl="7" indent="-317500">
               <a:spcBef>
                 <a:spcPts val="0"/>
               </a:spcBef>
@@ -4085,7 +4222,7 @@
               <a:buChar char="○"/>
               <a:defRPr/>
             </a:lvl8pPr>
-            <a:lvl9pPr indent="-317500" lvl="8" marL="4114800">
+            <a:lvl9pPr marL="4114800" lvl="8" indent="-317500">
               <a:spcBef>
                 <a:spcPts val="0"/>
               </a:spcBef>
@@ -4097,15 +4234,19 @@
               <a:defRPr/>
             </a:lvl9pPr>
           </a:lstStyle>
-          <a:p/>
+          <a:p>
+            <a:endParaRPr/>
+          </a:p>
         </p:txBody>
       </p:sp>
       <p:sp>
         <p:nvSpPr>
           <p:cNvPr id="24" name="Google Shape;24;p4"/>
-          <p:cNvSpPr txBox="1"/>
+          <p:cNvSpPr txBox="1">
+            <a:spLocks noGrp="1"/>
+          </p:cNvSpPr>
           <p:nvPr>
-            <p:ph idx="12" type="sldNum"/>
+            <p:ph type="sldNum" idx="12"/>
           </p:nvPr>
         </p:nvSpPr>
         <p:spPr>
@@ -4118,7 +4259,7 @@
           </a:prstGeom>
         </p:spPr>
         <p:txBody>
-          <a:bodyPr anchorCtr="0" anchor="ctr" bIns="91425" lIns="91425" spcFirstLastPara="1" rIns="91425" wrap="square" tIns="91425">
+          <a:bodyPr spcFirstLastPara="1" wrap="square" lIns="91425" tIns="91425" rIns="91425" bIns="91425" anchor="ctr" anchorCtr="0">
             <a:normAutofit/>
           </a:bodyPr>
           <a:lstStyle>
@@ -4160,7 +4301,7 @@
             </a:lvl9pPr>
           </a:lstStyle>
           <a:p>
-            <a:pPr indent="0" lvl="0" marL="0" rtl="0" algn="r">
+            <a:pPr marL="0" lvl="0" indent="0" algn="r" rtl="0">
               <a:spcBef>
                 <a:spcPts val="0"/>
               </a:spcBef>
@@ -4186,11 +4327,11 @@
 </file>
 
 <file path=ppt/slideLayouts/slideLayout4.xml><?xml version="1.0" encoding="utf-8"?>
-<p:sldLayout xmlns:a="http://schemas.openxmlformats.org/drawingml/2006/main" xmlns:r="http://schemas.openxmlformats.org/officeDocument/2006/relationships" xmlns:mc="http://schemas.openxmlformats.org/markup-compatibility/2006" xmlns:mv="urn:schemas-microsoft-com:mac:vml" xmlns:p="http://schemas.openxmlformats.org/presentationml/2006/main" xmlns:c="http://schemas.openxmlformats.org/drawingml/2006/chart" xmlns:dgm="http://schemas.openxmlformats.org/drawingml/2006/diagram" xmlns:o="urn:schemas-microsoft-com:office:office" xmlns:v="urn:schemas-microsoft-com:vml" xmlns:pvml="urn:schemas-microsoft-com:office:powerpoint" xmlns:com="http://schemas.openxmlformats.org/drawingml/2006/compatibility" xmlns:p14="http://schemas.microsoft.com/office/powerpoint/2010/main" xmlns:p15="http://schemas.microsoft.com/office/powerpoint/2012/main" xmlns:ahyp="http://schemas.microsoft.com/office/drawing/2018/hyperlinkcolor" matchingName="Title and two columns" type="twoColTx">
+<p:sldLayout xmlns:a="http://schemas.openxmlformats.org/drawingml/2006/main" xmlns:r="http://schemas.openxmlformats.org/officeDocument/2006/relationships" xmlns:p="http://schemas.openxmlformats.org/presentationml/2006/main" matchingName="Title and two columns" type="twoColTx">
   <p:cSld name="TITLE_AND_TWO_COLUMNS">
     <p:spTree>
       <p:nvGrpSpPr>
-        <p:cNvPr id="25" name="Shape 25"/>
+        <p:cNvPr id="1" name="Shape 25"/>
         <p:cNvGrpSpPr/>
         <p:nvPr/>
       </p:nvGrpSpPr>
@@ -4217,21 +4358,23 @@
             <a:avLst/>
           </a:prstGeom>
           <a:noFill/>
-          <a:ln cap="flat" cmpd="sng" w="38100">
+          <a:ln w="38100" cap="flat" cmpd="sng">
             <a:solidFill>
               <a:schemeClr val="accent4"/>
             </a:solidFill>
             <a:prstDash val="solid"/>
             <a:round/>
-            <a:headEnd len="sm" w="sm" type="none"/>
-            <a:tailEnd len="sm" w="sm" type="none"/>
+            <a:headEnd type="none" w="sm" len="sm"/>
+            <a:tailEnd type="none" w="sm" len="sm"/>
           </a:ln>
         </p:spPr>
       </p:cxnSp>
       <p:sp>
         <p:nvSpPr>
           <p:cNvPr id="27" name="Google Shape;27;p5"/>
-          <p:cNvSpPr txBox="1"/>
+          <p:cNvSpPr txBox="1">
+            <a:spLocks noGrp="1"/>
+          </p:cNvSpPr>
           <p:nvPr>
             <p:ph type="title"/>
           </p:nvPr>
@@ -4246,7 +4389,7 @@
           </a:prstGeom>
         </p:spPr>
         <p:txBody>
-          <a:bodyPr anchorCtr="0" anchor="b" bIns="91425" lIns="91425" spcFirstLastPara="1" rIns="91425" wrap="square" tIns="91425">
+          <a:bodyPr spcFirstLastPara="1" wrap="square" lIns="91425" tIns="91425" rIns="91425" bIns="91425" anchor="b" anchorCtr="0">
             <a:normAutofit/>
           </a:bodyPr>
           <a:lstStyle>
@@ -4350,15 +4493,19 @@
               <a:defRPr/>
             </a:lvl9pPr>
           </a:lstStyle>
-          <a:p/>
+          <a:p>
+            <a:endParaRPr/>
+          </a:p>
         </p:txBody>
       </p:sp>
       <p:sp>
         <p:nvSpPr>
           <p:cNvPr id="28" name="Google Shape;28;p5"/>
-          <p:cNvSpPr txBox="1"/>
+          <p:cNvSpPr txBox="1">
+            <a:spLocks noGrp="1"/>
+          </p:cNvSpPr>
           <p:nvPr>
-            <p:ph idx="1" type="body"/>
+            <p:ph type="body" idx="1"/>
           </p:nvPr>
         </p:nvSpPr>
         <p:spPr>
@@ -4371,11 +4518,11 @@
           </a:prstGeom>
         </p:spPr>
         <p:txBody>
-          <a:bodyPr anchorCtr="0" anchor="t" bIns="91425" lIns="91425" spcFirstLastPara="1" rIns="91425" wrap="square" tIns="91425">
+          <a:bodyPr spcFirstLastPara="1" wrap="square" lIns="91425" tIns="91425" rIns="91425" bIns="91425" anchor="t" anchorCtr="0">
             <a:normAutofit/>
           </a:bodyPr>
           <a:lstStyle>
-            <a:lvl1pPr indent="-317500" lvl="0" marL="457200">
+            <a:lvl1pPr marL="457200" lvl="0" indent="-317500">
               <a:spcBef>
                 <a:spcPts val="0"/>
               </a:spcBef>
@@ -4386,7 +4533,7 @@
               <a:buChar char="●"/>
               <a:defRPr sz="1400"/>
             </a:lvl1pPr>
-            <a:lvl2pPr indent="-304800" lvl="1" marL="914400">
+            <a:lvl2pPr marL="914400" lvl="1" indent="-304800">
               <a:spcBef>
                 <a:spcPts val="0"/>
               </a:spcBef>
@@ -4397,7 +4544,7 @@
               <a:buChar char="○"/>
               <a:defRPr sz="1200"/>
             </a:lvl2pPr>
-            <a:lvl3pPr indent="-304800" lvl="2" marL="1371600">
+            <a:lvl3pPr marL="1371600" lvl="2" indent="-304800">
               <a:spcBef>
                 <a:spcPts val="0"/>
               </a:spcBef>
@@ -4408,7 +4555,7 @@
               <a:buChar char="■"/>
               <a:defRPr sz="1200"/>
             </a:lvl3pPr>
-            <a:lvl4pPr indent="-304800" lvl="3" marL="1828800">
+            <a:lvl4pPr marL="1828800" lvl="3" indent="-304800">
               <a:spcBef>
                 <a:spcPts val="0"/>
               </a:spcBef>
@@ -4419,7 +4566,7 @@
               <a:buChar char="●"/>
               <a:defRPr sz="1200"/>
             </a:lvl4pPr>
-            <a:lvl5pPr indent="-304800" lvl="4" marL="2286000">
+            <a:lvl5pPr marL="2286000" lvl="4" indent="-304800">
               <a:spcBef>
                 <a:spcPts val="0"/>
               </a:spcBef>
@@ -4430,7 +4577,7 @@
               <a:buChar char="○"/>
               <a:defRPr sz="1200"/>
             </a:lvl5pPr>
-            <a:lvl6pPr indent="-304800" lvl="5" marL="2743200">
+            <a:lvl6pPr marL="2743200" lvl="5" indent="-304800">
               <a:spcBef>
                 <a:spcPts val="0"/>
               </a:spcBef>
@@ -4441,7 +4588,7 @@
               <a:buChar char="■"/>
               <a:defRPr sz="1200"/>
             </a:lvl6pPr>
-            <a:lvl7pPr indent="-304800" lvl="6" marL="3200400">
+            <a:lvl7pPr marL="3200400" lvl="6" indent="-304800">
               <a:spcBef>
                 <a:spcPts val="0"/>
               </a:spcBef>
@@ -4452,7 +4599,7 @@
               <a:buChar char="●"/>
               <a:defRPr sz="1200"/>
             </a:lvl7pPr>
-            <a:lvl8pPr indent="-304800" lvl="7" marL="3657600">
+            <a:lvl8pPr marL="3657600" lvl="7" indent="-304800">
               <a:spcBef>
                 <a:spcPts val="0"/>
               </a:spcBef>
@@ -4463,7 +4610,7 @@
               <a:buChar char="○"/>
               <a:defRPr sz="1200"/>
             </a:lvl8pPr>
-            <a:lvl9pPr indent="-304800" lvl="8" marL="4114800">
+            <a:lvl9pPr marL="4114800" lvl="8" indent="-304800">
               <a:spcBef>
                 <a:spcPts val="0"/>
               </a:spcBef>
@@ -4475,15 +4622,19 @@
               <a:defRPr sz="1200"/>
             </a:lvl9pPr>
           </a:lstStyle>
-          <a:p/>
+          <a:p>
+            <a:endParaRPr/>
+          </a:p>
         </p:txBody>
       </p:sp>
       <p:sp>
         <p:nvSpPr>
           <p:cNvPr id="29" name="Google Shape;29;p5"/>
-          <p:cNvSpPr txBox="1"/>
+          <p:cNvSpPr txBox="1">
+            <a:spLocks noGrp="1"/>
+          </p:cNvSpPr>
           <p:nvPr>
-            <p:ph idx="2" type="body"/>
+            <p:ph type="body" idx="2"/>
           </p:nvPr>
         </p:nvSpPr>
         <p:spPr>
@@ -4496,11 +4647,11 @@
           </a:prstGeom>
         </p:spPr>
         <p:txBody>
-          <a:bodyPr anchorCtr="0" anchor="t" bIns="91425" lIns="91425" spcFirstLastPara="1" rIns="91425" wrap="square" tIns="91425">
+          <a:bodyPr spcFirstLastPara="1" wrap="square" lIns="91425" tIns="91425" rIns="91425" bIns="91425" anchor="t" anchorCtr="0">
             <a:normAutofit/>
           </a:bodyPr>
           <a:lstStyle>
-            <a:lvl1pPr indent="-317500" lvl="0" marL="457200">
+            <a:lvl1pPr marL="457200" lvl="0" indent="-317500">
               <a:spcBef>
                 <a:spcPts val="0"/>
               </a:spcBef>
@@ -4511,7 +4662,7 @@
               <a:buChar char="●"/>
               <a:defRPr sz="1400"/>
             </a:lvl1pPr>
-            <a:lvl2pPr indent="-304800" lvl="1" marL="914400">
+            <a:lvl2pPr marL="914400" lvl="1" indent="-304800">
               <a:spcBef>
                 <a:spcPts val="0"/>
               </a:spcBef>
@@ -4522,7 +4673,7 @@
               <a:buChar char="○"/>
               <a:defRPr sz="1200"/>
             </a:lvl2pPr>
-            <a:lvl3pPr indent="-304800" lvl="2" marL="1371600">
+            <a:lvl3pPr marL="1371600" lvl="2" indent="-304800">
               <a:spcBef>
                 <a:spcPts val="0"/>
               </a:spcBef>
@@ -4533,7 +4684,7 @@
               <a:buChar char="■"/>
               <a:defRPr sz="1200"/>
             </a:lvl3pPr>
-            <a:lvl4pPr indent="-304800" lvl="3" marL="1828800">
+            <a:lvl4pPr marL="1828800" lvl="3" indent="-304800">
               <a:spcBef>
                 <a:spcPts val="0"/>
               </a:spcBef>
@@ -4544,7 +4695,7 @@
               <a:buChar char="●"/>
               <a:defRPr sz="1200"/>
             </a:lvl4pPr>
-            <a:lvl5pPr indent="-304800" lvl="4" marL="2286000">
+            <a:lvl5pPr marL="2286000" lvl="4" indent="-304800">
               <a:spcBef>
                 <a:spcPts val="0"/>
               </a:spcBef>
@@ -4555,7 +4706,7 @@
               <a:buChar char="○"/>
               <a:defRPr sz="1200"/>
             </a:lvl5pPr>
-            <a:lvl6pPr indent="-304800" lvl="5" marL="2743200">
+            <a:lvl6pPr marL="2743200" lvl="5" indent="-304800">
               <a:spcBef>
                 <a:spcPts val="0"/>
               </a:spcBef>
@@ -4566,7 +4717,7 @@
               <a:buChar char="■"/>
               <a:defRPr sz="1200"/>
             </a:lvl6pPr>
-            <a:lvl7pPr indent="-304800" lvl="6" marL="3200400">
+            <a:lvl7pPr marL="3200400" lvl="6" indent="-304800">
               <a:spcBef>
                 <a:spcPts val="0"/>
               </a:spcBef>
@@ -4577,7 +4728,7 @@
               <a:buChar char="●"/>
               <a:defRPr sz="1200"/>
             </a:lvl7pPr>
-            <a:lvl8pPr indent="-304800" lvl="7" marL="3657600">
+            <a:lvl8pPr marL="3657600" lvl="7" indent="-304800">
               <a:spcBef>
                 <a:spcPts val="0"/>
               </a:spcBef>
@@ -4588,7 +4739,7 @@
               <a:buChar char="○"/>
               <a:defRPr sz="1200"/>
             </a:lvl8pPr>
-            <a:lvl9pPr indent="-304800" lvl="8" marL="4114800">
+            <a:lvl9pPr marL="4114800" lvl="8" indent="-304800">
               <a:spcBef>
                 <a:spcPts val="0"/>
               </a:spcBef>
@@ -4600,15 +4751,19 @@
               <a:defRPr sz="1200"/>
             </a:lvl9pPr>
           </a:lstStyle>
-          <a:p/>
+          <a:p>
+            <a:endParaRPr/>
+          </a:p>
         </p:txBody>
       </p:sp>
       <p:sp>
         <p:nvSpPr>
           <p:cNvPr id="30" name="Google Shape;30;p5"/>
-          <p:cNvSpPr txBox="1"/>
+          <p:cNvSpPr txBox="1">
+            <a:spLocks noGrp="1"/>
+          </p:cNvSpPr>
           <p:nvPr>
-            <p:ph idx="12" type="sldNum"/>
+            <p:ph type="sldNum" idx="12"/>
           </p:nvPr>
         </p:nvSpPr>
         <p:spPr>
@@ -4621,7 +4776,7 @@
           </a:prstGeom>
         </p:spPr>
         <p:txBody>
-          <a:bodyPr anchorCtr="0" anchor="ctr" bIns="91425" lIns="91425" spcFirstLastPara="1" rIns="91425" wrap="square" tIns="91425">
+          <a:bodyPr spcFirstLastPara="1" wrap="square" lIns="91425" tIns="91425" rIns="91425" bIns="91425" anchor="ctr" anchorCtr="0">
             <a:normAutofit/>
           </a:bodyPr>
           <a:lstStyle>
@@ -4663,7 +4818,7 @@
             </a:lvl9pPr>
           </a:lstStyle>
           <a:p>
-            <a:pPr indent="0" lvl="0" marL="0" rtl="0" algn="r">
+            <a:pPr marL="0" lvl="0" indent="0" algn="r" rtl="0">
               <a:spcBef>
                 <a:spcPts val="0"/>
               </a:spcBef>
@@ -4689,11 +4844,11 @@
 </file>
 
 <file path=ppt/slideLayouts/slideLayout5.xml><?xml version="1.0" encoding="utf-8"?>
-<p:sldLayout xmlns:a="http://schemas.openxmlformats.org/drawingml/2006/main" xmlns:r="http://schemas.openxmlformats.org/officeDocument/2006/relationships" xmlns:mc="http://schemas.openxmlformats.org/markup-compatibility/2006" xmlns:mv="urn:schemas-microsoft-com:mac:vml" xmlns:p="http://schemas.openxmlformats.org/presentationml/2006/main" xmlns:c="http://schemas.openxmlformats.org/drawingml/2006/chart" xmlns:dgm="http://schemas.openxmlformats.org/drawingml/2006/diagram" xmlns:o="urn:schemas-microsoft-com:office:office" xmlns:v="urn:schemas-microsoft-com:vml" xmlns:pvml="urn:schemas-microsoft-com:office:powerpoint" xmlns:com="http://schemas.openxmlformats.org/drawingml/2006/compatibility" xmlns:p14="http://schemas.microsoft.com/office/powerpoint/2010/main" xmlns:p15="http://schemas.microsoft.com/office/powerpoint/2012/main" xmlns:ahyp="http://schemas.microsoft.com/office/drawing/2018/hyperlinkcolor" matchingName="Title only" type="titleOnly">
+<p:sldLayout xmlns:a="http://schemas.openxmlformats.org/drawingml/2006/main" xmlns:r="http://schemas.openxmlformats.org/officeDocument/2006/relationships" xmlns:p="http://schemas.openxmlformats.org/presentationml/2006/main" matchingName="Title only" type="titleOnly">
   <p:cSld name="TITLE_ONLY">
     <p:spTree>
       <p:nvGrpSpPr>
-        <p:cNvPr id="31" name="Shape 31"/>
+        <p:cNvPr id="1" name="Shape 31"/>
         <p:cNvGrpSpPr/>
         <p:nvPr/>
       </p:nvGrpSpPr>
@@ -4708,7 +4863,9 @@
       <p:sp>
         <p:nvSpPr>
           <p:cNvPr id="32" name="Google Shape;32;p6"/>
-          <p:cNvSpPr txBox="1"/>
+          <p:cNvSpPr txBox="1">
+            <a:spLocks noGrp="1"/>
+          </p:cNvSpPr>
           <p:nvPr>
             <p:ph type="title"/>
           </p:nvPr>
@@ -4723,7 +4880,7 @@
           </a:prstGeom>
         </p:spPr>
         <p:txBody>
-          <a:bodyPr anchorCtr="0" anchor="b" bIns="91425" lIns="91425" spcFirstLastPara="1" rIns="91425" wrap="square" tIns="91425">
+          <a:bodyPr spcFirstLastPara="1" wrap="square" lIns="91425" tIns="91425" rIns="91425" bIns="91425" anchor="b" anchorCtr="0">
             <a:normAutofit/>
           </a:bodyPr>
           <a:lstStyle>
@@ -4827,15 +4984,19 @@
               <a:defRPr/>
             </a:lvl9pPr>
           </a:lstStyle>
-          <a:p/>
+          <a:p>
+            <a:endParaRPr/>
+          </a:p>
         </p:txBody>
       </p:sp>
       <p:sp>
         <p:nvSpPr>
           <p:cNvPr id="33" name="Google Shape;33;p6"/>
-          <p:cNvSpPr txBox="1"/>
+          <p:cNvSpPr txBox="1">
+            <a:spLocks noGrp="1"/>
+          </p:cNvSpPr>
           <p:nvPr>
-            <p:ph idx="12" type="sldNum"/>
+            <p:ph type="sldNum" idx="12"/>
           </p:nvPr>
         </p:nvSpPr>
         <p:spPr>
@@ -4848,7 +5009,7 @@
           </a:prstGeom>
         </p:spPr>
         <p:txBody>
-          <a:bodyPr anchorCtr="0" anchor="ctr" bIns="91425" lIns="91425" spcFirstLastPara="1" rIns="91425" wrap="square" tIns="91425">
+          <a:bodyPr spcFirstLastPara="1" wrap="square" lIns="91425" tIns="91425" rIns="91425" bIns="91425" anchor="ctr" anchorCtr="0">
             <a:normAutofit/>
           </a:bodyPr>
           <a:lstStyle>
@@ -4890,7 +5051,7 @@
             </a:lvl9pPr>
           </a:lstStyle>
           <a:p>
-            <a:pPr indent="0" lvl="0" marL="0" rtl="0" algn="r">
+            <a:pPr marL="0" lvl="0" indent="0" algn="r" rtl="0">
               <a:spcBef>
                 <a:spcPts val="0"/>
               </a:spcBef>
@@ -4916,11 +5077,11 @@
 </file>
 
 <file path=ppt/slideLayouts/slideLayout6.xml><?xml version="1.0" encoding="utf-8"?>
-<p:sldLayout xmlns:a="http://schemas.openxmlformats.org/drawingml/2006/main" xmlns:r="http://schemas.openxmlformats.org/officeDocument/2006/relationships" xmlns:mc="http://schemas.openxmlformats.org/markup-compatibility/2006" xmlns:mv="urn:schemas-microsoft-com:mac:vml" xmlns:p="http://schemas.openxmlformats.org/presentationml/2006/main" xmlns:c="http://schemas.openxmlformats.org/drawingml/2006/chart" xmlns:dgm="http://schemas.openxmlformats.org/drawingml/2006/diagram" xmlns:o="urn:schemas-microsoft-com:office:office" xmlns:v="urn:schemas-microsoft-com:vml" xmlns:pvml="urn:schemas-microsoft-com:office:powerpoint" xmlns:com="http://schemas.openxmlformats.org/drawingml/2006/compatibility" xmlns:p14="http://schemas.microsoft.com/office/powerpoint/2010/main" xmlns:p15="http://schemas.microsoft.com/office/powerpoint/2012/main" xmlns:ahyp="http://schemas.microsoft.com/office/drawing/2018/hyperlinkcolor" matchingName="One column text">
+<p:sldLayout xmlns:a="http://schemas.openxmlformats.org/drawingml/2006/main" xmlns:r="http://schemas.openxmlformats.org/officeDocument/2006/relationships" xmlns:p="http://schemas.openxmlformats.org/presentationml/2006/main" matchingName="One column text">
   <p:cSld name="ONE_COLUMN_TEXT">
     <p:spTree>
       <p:nvGrpSpPr>
-        <p:cNvPr id="34" name="Shape 34"/>
+        <p:cNvPr id="1" name="Shape 34"/>
         <p:cNvGrpSpPr/>
         <p:nvPr/>
       </p:nvGrpSpPr>
@@ -4947,21 +5108,23 @@
             <a:avLst/>
           </a:prstGeom>
           <a:noFill/>
-          <a:ln cap="flat" cmpd="sng" w="38100">
+          <a:ln w="38100" cap="flat" cmpd="sng">
             <a:solidFill>
               <a:schemeClr val="accent4"/>
             </a:solidFill>
             <a:prstDash val="solid"/>
             <a:round/>
-            <a:headEnd len="sm" w="sm" type="none"/>
-            <a:tailEnd len="sm" w="sm" type="none"/>
+            <a:headEnd type="none" w="sm" len="sm"/>
+            <a:tailEnd type="none" w="sm" len="sm"/>
           </a:ln>
         </p:spPr>
       </p:cxnSp>
       <p:sp>
         <p:nvSpPr>
           <p:cNvPr id="36" name="Google Shape;36;p7"/>
-          <p:cNvSpPr txBox="1"/>
+          <p:cNvSpPr txBox="1">
+            <a:spLocks noGrp="1"/>
+          </p:cNvSpPr>
           <p:nvPr>
             <p:ph type="title"/>
           </p:nvPr>
@@ -4976,7 +5139,7 @@
           </a:prstGeom>
         </p:spPr>
         <p:txBody>
-          <a:bodyPr anchorCtr="0" anchor="b" bIns="91425" lIns="91425" spcFirstLastPara="1" rIns="91425" wrap="square" tIns="91425">
+          <a:bodyPr spcFirstLastPara="1" wrap="square" lIns="91425" tIns="91425" rIns="91425" bIns="91425" anchor="b" anchorCtr="0">
             <a:normAutofit/>
           </a:bodyPr>
           <a:lstStyle>
@@ -5080,15 +5243,19 @@
               <a:defRPr sz="2400"/>
             </a:lvl9pPr>
           </a:lstStyle>
-          <a:p/>
+          <a:p>
+            <a:endParaRPr/>
+          </a:p>
         </p:txBody>
       </p:sp>
       <p:sp>
         <p:nvSpPr>
           <p:cNvPr id="37" name="Google Shape;37;p7"/>
-          <p:cNvSpPr txBox="1"/>
+          <p:cNvSpPr txBox="1">
+            <a:spLocks noGrp="1"/>
+          </p:cNvSpPr>
           <p:nvPr>
-            <p:ph idx="1" type="body"/>
+            <p:ph type="body" idx="1"/>
           </p:nvPr>
         </p:nvSpPr>
         <p:spPr>
@@ -5101,11 +5268,11 @@
           </a:prstGeom>
         </p:spPr>
         <p:txBody>
-          <a:bodyPr anchorCtr="0" anchor="t" bIns="91425" lIns="91425" spcFirstLastPara="1" rIns="91425" wrap="square" tIns="91425">
+          <a:bodyPr spcFirstLastPara="1" wrap="square" lIns="91425" tIns="91425" rIns="91425" bIns="91425" anchor="t" anchorCtr="0">
             <a:normAutofit/>
           </a:bodyPr>
           <a:lstStyle>
-            <a:lvl1pPr indent="-304800" lvl="0" marL="457200">
+            <a:lvl1pPr marL="457200" lvl="0" indent="-304800">
               <a:spcBef>
                 <a:spcPts val="0"/>
               </a:spcBef>
@@ -5116,7 +5283,7 @@
               <a:buChar char="●"/>
               <a:defRPr sz="1200"/>
             </a:lvl1pPr>
-            <a:lvl2pPr indent="-304800" lvl="1" marL="914400">
+            <a:lvl2pPr marL="914400" lvl="1" indent="-304800">
               <a:spcBef>
                 <a:spcPts val="0"/>
               </a:spcBef>
@@ -5127,7 +5294,7 @@
               <a:buChar char="○"/>
               <a:defRPr sz="1200"/>
             </a:lvl2pPr>
-            <a:lvl3pPr indent="-304800" lvl="2" marL="1371600">
+            <a:lvl3pPr marL="1371600" lvl="2" indent="-304800">
               <a:spcBef>
                 <a:spcPts val="0"/>
               </a:spcBef>
@@ -5138,7 +5305,7 @@
               <a:buChar char="■"/>
               <a:defRPr sz="1200"/>
             </a:lvl3pPr>
-            <a:lvl4pPr indent="-304800" lvl="3" marL="1828800">
+            <a:lvl4pPr marL="1828800" lvl="3" indent="-304800">
               <a:spcBef>
                 <a:spcPts val="0"/>
               </a:spcBef>
@@ -5149,7 +5316,7 @@
               <a:buChar char="●"/>
               <a:defRPr sz="1200"/>
             </a:lvl4pPr>
-            <a:lvl5pPr indent="-304800" lvl="4" marL="2286000">
+            <a:lvl5pPr marL="2286000" lvl="4" indent="-304800">
               <a:spcBef>
                 <a:spcPts val="0"/>
               </a:spcBef>
@@ -5160,7 +5327,7 @@
               <a:buChar char="○"/>
               <a:defRPr sz="1200"/>
             </a:lvl5pPr>
-            <a:lvl6pPr indent="-304800" lvl="5" marL="2743200">
+            <a:lvl6pPr marL="2743200" lvl="5" indent="-304800">
               <a:spcBef>
                 <a:spcPts val="0"/>
               </a:spcBef>
@@ -5171,7 +5338,7 @@
               <a:buChar char="■"/>
               <a:defRPr sz="1200"/>
             </a:lvl6pPr>
-            <a:lvl7pPr indent="-304800" lvl="6" marL="3200400">
+            <a:lvl7pPr marL="3200400" lvl="6" indent="-304800">
               <a:spcBef>
                 <a:spcPts val="0"/>
               </a:spcBef>
@@ -5182,7 +5349,7 @@
               <a:buChar char="●"/>
               <a:defRPr sz="1200"/>
             </a:lvl7pPr>
-            <a:lvl8pPr indent="-304800" lvl="7" marL="3657600">
+            <a:lvl8pPr marL="3657600" lvl="7" indent="-304800">
               <a:spcBef>
                 <a:spcPts val="0"/>
               </a:spcBef>
@@ -5193,7 +5360,7 @@
               <a:buChar char="○"/>
               <a:defRPr sz="1200"/>
             </a:lvl8pPr>
-            <a:lvl9pPr indent="-304800" lvl="8" marL="4114800">
+            <a:lvl9pPr marL="4114800" lvl="8" indent="-304800">
               <a:spcBef>
                 <a:spcPts val="0"/>
               </a:spcBef>
@@ -5205,15 +5372,19 @@
               <a:defRPr sz="1200"/>
             </a:lvl9pPr>
           </a:lstStyle>
-          <a:p/>
+          <a:p>
+            <a:endParaRPr/>
+          </a:p>
         </p:txBody>
       </p:sp>
       <p:sp>
         <p:nvSpPr>
           <p:cNvPr id="38" name="Google Shape;38;p7"/>
-          <p:cNvSpPr txBox="1"/>
+          <p:cNvSpPr txBox="1">
+            <a:spLocks noGrp="1"/>
+          </p:cNvSpPr>
           <p:nvPr>
-            <p:ph idx="12" type="sldNum"/>
+            <p:ph type="sldNum" idx="12"/>
           </p:nvPr>
         </p:nvSpPr>
         <p:spPr>
@@ -5226,7 +5397,7 @@
           </a:prstGeom>
         </p:spPr>
         <p:txBody>
-          <a:bodyPr anchorCtr="0" anchor="ctr" bIns="91425" lIns="91425" spcFirstLastPara="1" rIns="91425" wrap="square" tIns="91425">
+          <a:bodyPr spcFirstLastPara="1" wrap="square" lIns="91425" tIns="91425" rIns="91425" bIns="91425" anchor="ctr" anchorCtr="0">
             <a:normAutofit/>
           </a:bodyPr>
           <a:lstStyle>
@@ -5268,7 +5439,7 @@
             </a:lvl9pPr>
           </a:lstStyle>
           <a:p>
-            <a:pPr indent="0" lvl="0" marL="0" rtl="0" algn="r">
+            <a:pPr marL="0" lvl="0" indent="0" algn="r" rtl="0">
               <a:spcBef>
                 <a:spcPts val="0"/>
               </a:spcBef>
@@ -5294,11 +5465,11 @@
 </file>
 
 <file path=ppt/slideLayouts/slideLayout7.xml><?xml version="1.0" encoding="utf-8"?>
-<p:sldLayout xmlns:a="http://schemas.openxmlformats.org/drawingml/2006/main" xmlns:r="http://schemas.openxmlformats.org/officeDocument/2006/relationships" xmlns:mc="http://schemas.openxmlformats.org/markup-compatibility/2006" xmlns:mv="urn:schemas-microsoft-com:mac:vml" xmlns:p="http://schemas.openxmlformats.org/presentationml/2006/main" xmlns:c="http://schemas.openxmlformats.org/drawingml/2006/chart" xmlns:dgm="http://schemas.openxmlformats.org/drawingml/2006/diagram" xmlns:o="urn:schemas-microsoft-com:office:office" xmlns:v="urn:schemas-microsoft-com:vml" xmlns:pvml="urn:schemas-microsoft-com:office:powerpoint" xmlns:com="http://schemas.openxmlformats.org/drawingml/2006/compatibility" xmlns:p14="http://schemas.microsoft.com/office/powerpoint/2010/main" xmlns:p15="http://schemas.microsoft.com/office/powerpoint/2012/main" xmlns:ahyp="http://schemas.microsoft.com/office/drawing/2018/hyperlinkcolor" matchingName="Main point">
+<p:sldLayout xmlns:a="http://schemas.openxmlformats.org/drawingml/2006/main" xmlns:r="http://schemas.openxmlformats.org/officeDocument/2006/relationships" xmlns:p="http://schemas.openxmlformats.org/presentationml/2006/main" matchingName="Main point">
   <p:cSld name="MAIN_POINT">
     <p:spTree>
       <p:nvGrpSpPr>
-        <p:cNvPr id="39" name="Shape 39"/>
+        <p:cNvPr id="1" name="Shape 39"/>
         <p:cNvGrpSpPr/>
         <p:nvPr/>
       </p:nvGrpSpPr>
@@ -5313,7 +5484,9 @@
       <p:sp>
         <p:nvSpPr>
           <p:cNvPr id="40" name="Google Shape;40;p8"/>
-          <p:cNvSpPr txBox="1"/>
+          <p:cNvSpPr txBox="1">
+            <a:spLocks noGrp="1"/>
+          </p:cNvSpPr>
           <p:nvPr>
             <p:ph type="title"/>
           </p:nvPr>
@@ -5328,7 +5501,7 @@
           </a:prstGeom>
         </p:spPr>
         <p:txBody>
-          <a:bodyPr anchorCtr="0" anchor="ctr" bIns="91425" lIns="91425" spcFirstLastPara="1" rIns="91425" wrap="square" tIns="91425">
+          <a:bodyPr spcFirstLastPara="1" wrap="square" lIns="91425" tIns="91425" rIns="91425" bIns="91425" anchor="ctr" anchorCtr="0">
             <a:normAutofit/>
           </a:bodyPr>
           <a:lstStyle>
@@ -5432,15 +5605,19 @@
               <a:defRPr sz="4800"/>
             </a:lvl9pPr>
           </a:lstStyle>
-          <a:p/>
+          <a:p>
+            <a:endParaRPr/>
+          </a:p>
         </p:txBody>
       </p:sp>
       <p:sp>
         <p:nvSpPr>
           <p:cNvPr id="41" name="Google Shape;41;p8"/>
-          <p:cNvSpPr txBox="1"/>
+          <p:cNvSpPr txBox="1">
+            <a:spLocks noGrp="1"/>
+          </p:cNvSpPr>
           <p:nvPr>
-            <p:ph idx="12" type="sldNum"/>
+            <p:ph type="sldNum" idx="12"/>
           </p:nvPr>
         </p:nvSpPr>
         <p:spPr>
@@ -5453,7 +5630,7 @@
           </a:prstGeom>
         </p:spPr>
         <p:txBody>
-          <a:bodyPr anchorCtr="0" anchor="ctr" bIns="91425" lIns="91425" spcFirstLastPara="1" rIns="91425" wrap="square" tIns="91425">
+          <a:bodyPr spcFirstLastPara="1" wrap="square" lIns="91425" tIns="91425" rIns="91425" bIns="91425" anchor="ctr" anchorCtr="0">
             <a:normAutofit/>
           </a:bodyPr>
           <a:lstStyle>
@@ -5495,7 +5672,7 @@
             </a:lvl9pPr>
           </a:lstStyle>
           <a:p>
-            <a:pPr indent="0" lvl="0" marL="0" rtl="0" algn="r">
+            <a:pPr marL="0" lvl="0" indent="0" algn="r" rtl="0">
               <a:spcBef>
                 <a:spcPts val="0"/>
               </a:spcBef>
@@ -5521,11 +5698,11 @@
 </file>
 
 <file path=ppt/slideLayouts/slideLayout8.xml><?xml version="1.0" encoding="utf-8"?>
-<p:sldLayout xmlns:a="http://schemas.openxmlformats.org/drawingml/2006/main" xmlns:r="http://schemas.openxmlformats.org/officeDocument/2006/relationships" xmlns:mc="http://schemas.openxmlformats.org/markup-compatibility/2006" xmlns:mv="urn:schemas-microsoft-com:mac:vml" xmlns:p="http://schemas.openxmlformats.org/presentationml/2006/main" xmlns:c="http://schemas.openxmlformats.org/drawingml/2006/chart" xmlns:dgm="http://schemas.openxmlformats.org/drawingml/2006/diagram" xmlns:o="urn:schemas-microsoft-com:office:office" xmlns:v="urn:schemas-microsoft-com:vml" xmlns:pvml="urn:schemas-microsoft-com:office:powerpoint" xmlns:com="http://schemas.openxmlformats.org/drawingml/2006/compatibility" xmlns:p14="http://schemas.microsoft.com/office/powerpoint/2010/main" xmlns:p15="http://schemas.microsoft.com/office/powerpoint/2012/main" xmlns:ahyp="http://schemas.microsoft.com/office/drawing/2018/hyperlinkcolor" matchingName="Section title and description">
+<p:sldLayout xmlns:a="http://schemas.openxmlformats.org/drawingml/2006/main" xmlns:r="http://schemas.openxmlformats.org/officeDocument/2006/relationships" xmlns:p="http://schemas.openxmlformats.org/presentationml/2006/main" matchingName="Section title and description">
   <p:cSld name="SECTION_TITLE_AND_DESCRIPTION">
     <p:spTree>
       <p:nvGrpSpPr>
-        <p:cNvPr id="42" name="Shape 42"/>
+        <p:cNvPr id="1" name="Shape 42"/>
         <p:cNvGrpSpPr/>
         <p:nvPr/>
       </p:nvGrpSpPr>
@@ -5559,23 +5736,20 @@
           </a:ln>
         </p:spPr>
         <p:txBody>
-          <a:bodyPr anchorCtr="0" anchor="ctr" bIns="91425" lIns="91425" spcFirstLastPara="1" rIns="91425" wrap="square" tIns="91425">
+          <a:bodyPr spcFirstLastPara="1" wrap="square" lIns="91425" tIns="91425" rIns="91425" bIns="91425" anchor="ctr" anchorCtr="0">
             <a:noAutofit/>
           </a:bodyPr>
           <a:lstStyle/>
           <a:p>
-            <a:pPr indent="0" lvl="0" marL="0" rtl="0" algn="l">
-              <a:spcBef>
-                <a:spcPts val="0"/>
-              </a:spcBef>
-              <a:spcAft>
-                <a:spcPts val="0"/>
-              </a:spcAft>
-              <a:buNone/>
-            </a:pPr>
-            <a:r>
-              <a:t/>
-            </a:r>
+            <a:pPr marL="0" lvl="0" indent="0" algn="l" rtl="0">
+              <a:spcBef>
+                <a:spcPts val="0"/>
+              </a:spcBef>
+              <a:spcAft>
+                <a:spcPts val="0"/>
+              </a:spcAft>
+              <a:buNone/>
+            </a:pPr>
             <a:endParaRPr/>
           </a:p>
         </p:txBody>
@@ -5595,21 +5769,23 @@
             <a:avLst/>
           </a:prstGeom>
           <a:noFill/>
-          <a:ln cap="flat" cmpd="sng" w="38100">
+          <a:ln w="38100" cap="flat" cmpd="sng">
             <a:solidFill>
               <a:schemeClr val="accent5"/>
             </a:solidFill>
             <a:prstDash val="solid"/>
             <a:round/>
-            <a:headEnd len="sm" w="sm" type="none"/>
-            <a:tailEnd len="sm" w="sm" type="none"/>
+            <a:headEnd type="none" w="sm" len="sm"/>
+            <a:tailEnd type="none" w="sm" len="sm"/>
           </a:ln>
         </p:spPr>
       </p:cxnSp>
       <p:sp>
         <p:nvSpPr>
           <p:cNvPr id="45" name="Google Shape;45;p9"/>
-          <p:cNvSpPr txBox="1"/>
+          <p:cNvSpPr txBox="1">
+            <a:spLocks noGrp="1"/>
+          </p:cNvSpPr>
           <p:nvPr>
             <p:ph type="title"/>
           </p:nvPr>
@@ -5624,7 +5800,7 @@
           </a:prstGeom>
         </p:spPr>
         <p:txBody>
-          <a:bodyPr anchorCtr="0" anchor="b" bIns="91425" lIns="91425" spcFirstLastPara="1" rIns="91425" wrap="square" tIns="91425">
+          <a:bodyPr spcFirstLastPara="1" wrap="square" lIns="91425" tIns="91425" rIns="91425" bIns="91425" anchor="b" anchorCtr="0">
             <a:normAutofit/>
           </a:bodyPr>
           <a:lstStyle>
@@ -5728,15 +5904,19 @@
               <a:defRPr sz="3800"/>
             </a:lvl9pPr>
           </a:lstStyle>
-          <a:p/>
+          <a:p>
+            <a:endParaRPr/>
+          </a:p>
         </p:txBody>
       </p:sp>
       <p:sp>
         <p:nvSpPr>
           <p:cNvPr id="46" name="Google Shape;46;p9"/>
-          <p:cNvSpPr txBox="1"/>
+          <p:cNvSpPr txBox="1">
+            <a:spLocks noGrp="1"/>
+          </p:cNvSpPr>
           <p:nvPr>
-            <p:ph idx="1" type="subTitle"/>
+            <p:ph type="subTitle" idx="1"/>
           </p:nvPr>
         </p:nvSpPr>
         <p:spPr>
@@ -5749,7 +5929,7 @@
           </a:prstGeom>
         </p:spPr>
         <p:txBody>
-          <a:bodyPr anchorCtr="0" anchor="t" bIns="91425" lIns="91425" spcFirstLastPara="1" rIns="91425" wrap="square" tIns="91425">
+          <a:bodyPr spcFirstLastPara="1" wrap="square" lIns="91425" tIns="91425" rIns="91425" bIns="91425" anchor="t" anchorCtr="0">
             <a:normAutofit/>
           </a:bodyPr>
           <a:lstStyle>
@@ -5943,15 +6123,19 @@
               </a:defRPr>
             </a:lvl9pPr>
           </a:lstStyle>
-          <a:p/>
+          <a:p>
+            <a:endParaRPr/>
+          </a:p>
         </p:txBody>
       </p:sp>
       <p:sp>
         <p:nvSpPr>
           <p:cNvPr id="47" name="Google Shape;47;p9"/>
-          <p:cNvSpPr txBox="1"/>
+          <p:cNvSpPr txBox="1">
+            <a:spLocks noGrp="1"/>
+          </p:cNvSpPr>
           <p:nvPr>
-            <p:ph idx="2" type="body"/>
+            <p:ph type="body" idx="2"/>
           </p:nvPr>
         </p:nvSpPr>
         <p:spPr>
@@ -5964,11 +6148,11 @@
           </a:prstGeom>
         </p:spPr>
         <p:txBody>
-          <a:bodyPr anchorCtr="0" anchor="ctr" bIns="91425" lIns="91425" spcFirstLastPara="1" rIns="91425" wrap="square" tIns="91425">
+          <a:bodyPr spcFirstLastPara="1" wrap="square" lIns="91425" tIns="91425" rIns="91425" bIns="91425" anchor="ctr" anchorCtr="0">
             <a:normAutofit/>
           </a:bodyPr>
           <a:lstStyle>
-            <a:lvl1pPr indent="-342900" lvl="0" marL="457200">
+            <a:lvl1pPr marL="457200" lvl="0" indent="-342900">
               <a:spcBef>
                 <a:spcPts val="0"/>
               </a:spcBef>
@@ -5979,7 +6163,7 @@
               <a:buChar char="●"/>
               <a:defRPr/>
             </a:lvl1pPr>
-            <a:lvl2pPr indent="-317500" lvl="1" marL="914400">
+            <a:lvl2pPr marL="914400" lvl="1" indent="-317500">
               <a:spcBef>
                 <a:spcPts val="0"/>
               </a:spcBef>
@@ -5990,7 +6174,7 @@
               <a:buChar char="○"/>
               <a:defRPr/>
             </a:lvl2pPr>
-            <a:lvl3pPr indent="-317500" lvl="2" marL="1371600">
+            <a:lvl3pPr marL="1371600" lvl="2" indent="-317500">
               <a:spcBef>
                 <a:spcPts val="0"/>
               </a:spcBef>
@@ -6001,7 +6185,7 @@
               <a:buChar char="■"/>
               <a:defRPr/>
             </a:lvl3pPr>
-            <a:lvl4pPr indent="-317500" lvl="3" marL="1828800">
+            <a:lvl4pPr marL="1828800" lvl="3" indent="-317500">
               <a:spcBef>
                 <a:spcPts val="0"/>
               </a:spcBef>
@@ -6012,7 +6196,7 @@
               <a:buChar char="●"/>
               <a:defRPr/>
             </a:lvl4pPr>
-            <a:lvl5pPr indent="-317500" lvl="4" marL="2286000">
+            <a:lvl5pPr marL="2286000" lvl="4" indent="-317500">
               <a:spcBef>
                 <a:spcPts val="0"/>
               </a:spcBef>
@@ -6023,7 +6207,7 @@
               <a:buChar char="○"/>
               <a:defRPr/>
             </a:lvl5pPr>
-            <a:lvl6pPr indent="-317500" lvl="5" marL="2743200">
+            <a:lvl6pPr marL="2743200" lvl="5" indent="-317500">
               <a:spcBef>
                 <a:spcPts val="0"/>
               </a:spcBef>
@@ -6034,7 +6218,7 @@
               <a:buChar char="■"/>
               <a:defRPr/>
             </a:lvl6pPr>
-            <a:lvl7pPr indent="-317500" lvl="6" marL="3200400">
+            <a:lvl7pPr marL="3200400" lvl="6" indent="-317500">
               <a:spcBef>
                 <a:spcPts val="0"/>
               </a:spcBef>
@@ -6045,7 +6229,7 @@
               <a:buChar char="●"/>
               <a:defRPr/>
             </a:lvl7pPr>
-            <a:lvl8pPr indent="-317500" lvl="7" marL="3657600">
+            <a:lvl8pPr marL="3657600" lvl="7" indent="-317500">
               <a:spcBef>
                 <a:spcPts val="0"/>
               </a:spcBef>
@@ -6056,7 +6240,7 @@
               <a:buChar char="○"/>
               <a:defRPr/>
             </a:lvl8pPr>
-            <a:lvl9pPr indent="-317500" lvl="8" marL="4114800">
+            <a:lvl9pPr marL="4114800" lvl="8" indent="-317500">
               <a:spcBef>
                 <a:spcPts val="0"/>
               </a:spcBef>
@@ -6068,15 +6252,19 @@
               <a:defRPr/>
             </a:lvl9pPr>
           </a:lstStyle>
-          <a:p/>
+          <a:p>
+            <a:endParaRPr/>
+          </a:p>
         </p:txBody>
       </p:sp>
       <p:sp>
         <p:nvSpPr>
           <p:cNvPr id="48" name="Google Shape;48;p9"/>
-          <p:cNvSpPr txBox="1"/>
+          <p:cNvSpPr txBox="1">
+            <a:spLocks noGrp="1"/>
+          </p:cNvSpPr>
           <p:nvPr>
-            <p:ph idx="12" type="sldNum"/>
+            <p:ph type="sldNum" idx="12"/>
           </p:nvPr>
         </p:nvSpPr>
         <p:spPr>
@@ -6089,7 +6277,7 @@
           </a:prstGeom>
         </p:spPr>
         <p:txBody>
-          <a:bodyPr anchorCtr="0" anchor="ctr" bIns="91425" lIns="91425" spcFirstLastPara="1" rIns="91425" wrap="square" tIns="91425">
+          <a:bodyPr spcFirstLastPara="1" wrap="square" lIns="91425" tIns="91425" rIns="91425" bIns="91425" anchor="ctr" anchorCtr="0">
             <a:normAutofit/>
           </a:bodyPr>
           <a:lstStyle>
@@ -6131,7 +6319,7 @@
             </a:lvl9pPr>
           </a:lstStyle>
           <a:p>
-            <a:pPr indent="0" lvl="0" marL="0" rtl="0" algn="r">
+            <a:pPr marL="0" lvl="0" indent="0" algn="r" rtl="0">
               <a:spcBef>
                 <a:spcPts val="0"/>
               </a:spcBef>
@@ -6157,11 +6345,11 @@
 </file>
 
 <file path=ppt/slideLayouts/slideLayout9.xml><?xml version="1.0" encoding="utf-8"?>
-<p:sldLayout xmlns:a="http://schemas.openxmlformats.org/drawingml/2006/main" xmlns:r="http://schemas.openxmlformats.org/officeDocument/2006/relationships" xmlns:mc="http://schemas.openxmlformats.org/markup-compatibility/2006" xmlns:mv="urn:schemas-microsoft-com:mac:vml" xmlns:p="http://schemas.openxmlformats.org/presentationml/2006/main" xmlns:c="http://schemas.openxmlformats.org/drawingml/2006/chart" xmlns:dgm="http://schemas.openxmlformats.org/drawingml/2006/diagram" xmlns:o="urn:schemas-microsoft-com:office:office" xmlns:v="urn:schemas-microsoft-com:vml" xmlns:pvml="urn:schemas-microsoft-com:office:powerpoint" xmlns:com="http://schemas.openxmlformats.org/drawingml/2006/compatibility" xmlns:p14="http://schemas.microsoft.com/office/powerpoint/2010/main" xmlns:p15="http://schemas.microsoft.com/office/powerpoint/2012/main" xmlns:ahyp="http://schemas.microsoft.com/office/drawing/2018/hyperlinkcolor" matchingName="Caption">
+<p:sldLayout xmlns:a="http://schemas.openxmlformats.org/drawingml/2006/main" xmlns:r="http://schemas.openxmlformats.org/officeDocument/2006/relationships" xmlns:p="http://schemas.openxmlformats.org/presentationml/2006/main" matchingName="Caption">
   <p:cSld name="CAPTION_ONLY">
     <p:spTree>
       <p:nvGrpSpPr>
-        <p:cNvPr id="49" name="Shape 49"/>
+        <p:cNvPr id="1" name="Shape 49"/>
         <p:cNvGrpSpPr/>
         <p:nvPr/>
       </p:nvGrpSpPr>
@@ -6176,9 +6364,11 @@
       <p:sp>
         <p:nvSpPr>
           <p:cNvPr id="50" name="Google Shape;50;p10"/>
-          <p:cNvSpPr txBox="1"/>
+          <p:cNvSpPr txBox="1">
+            <a:spLocks noGrp="1"/>
+          </p:cNvSpPr>
           <p:nvPr>
-            <p:ph idx="1" type="body"/>
+            <p:ph type="body" idx="1"/>
           </p:nvPr>
         </p:nvSpPr>
         <p:spPr>
@@ -6191,11 +6381,11 @@
           </a:prstGeom>
         </p:spPr>
         <p:txBody>
-          <a:bodyPr anchorCtr="0" anchor="ctr" bIns="91425" lIns="91425" spcFirstLastPara="1" rIns="91425" wrap="square" tIns="91425">
+          <a:bodyPr spcFirstLastPara="1" wrap="square" lIns="91425" tIns="91425" rIns="91425" bIns="91425" anchor="ctr" anchorCtr="0">
             <a:normAutofit/>
           </a:bodyPr>
           <a:lstStyle>
-            <a:lvl1pPr indent="-228600" lvl="0" marL="457200">
+            <a:lvl1pPr marL="457200" lvl="0" indent="-228600">
               <a:lnSpc>
                 <a:spcPct val="100000"/>
               </a:lnSpc>
@@ -6216,15 +6406,19 @@
               </a:defRPr>
             </a:lvl1pPr>
           </a:lstStyle>
-          <a:p/>
+          <a:p>
+            <a:endParaRPr/>
+          </a:p>
         </p:txBody>
       </p:sp>
       <p:sp>
         <p:nvSpPr>
           <p:cNvPr id="51" name="Google Shape;51;p10"/>
-          <p:cNvSpPr txBox="1"/>
+          <p:cNvSpPr txBox="1">
+            <a:spLocks noGrp="1"/>
+          </p:cNvSpPr>
           <p:nvPr>
-            <p:ph idx="12" type="sldNum"/>
+            <p:ph type="sldNum" idx="12"/>
           </p:nvPr>
         </p:nvSpPr>
         <p:spPr>
@@ -6237,7 +6431,7 @@
           </a:prstGeom>
         </p:spPr>
         <p:txBody>
-          <a:bodyPr anchorCtr="0" anchor="ctr" bIns="91425" lIns="91425" spcFirstLastPara="1" rIns="91425" wrap="square" tIns="91425">
+          <a:bodyPr spcFirstLastPara="1" wrap="square" lIns="91425" tIns="91425" rIns="91425" bIns="91425" anchor="ctr" anchorCtr="0">
             <a:normAutofit/>
           </a:bodyPr>
           <a:lstStyle>
@@ -6279,7 +6473,7 @@
             </a:lvl9pPr>
           </a:lstStyle>
           <a:p>
-            <a:pPr indent="0" lvl="0" marL="0" rtl="0" algn="r">
+            <a:pPr marL="0" lvl="0" indent="0" algn="r" rtl="0">
               <a:spcBef>
                 <a:spcPts val="0"/>
               </a:spcBef>
@@ -6305,18 +6499,19 @@
 </file>
 
 <file path=ppt/slideMasters/slideMaster1.xml><?xml version="1.0" encoding="utf-8"?>
-<p:sldMaster xmlns:a="http://schemas.openxmlformats.org/drawingml/2006/main" xmlns:r="http://schemas.openxmlformats.org/officeDocument/2006/relationships" xmlns:mc="http://schemas.openxmlformats.org/markup-compatibility/2006" xmlns:mv="urn:schemas-microsoft-com:mac:vml" xmlns:p="http://schemas.openxmlformats.org/presentationml/2006/main" xmlns:c="http://schemas.openxmlformats.org/drawingml/2006/chart" xmlns:dgm="http://schemas.openxmlformats.org/drawingml/2006/diagram" xmlns:o="urn:schemas-microsoft-com:office:office" xmlns:v="urn:schemas-microsoft-com:vml" xmlns:pvml="urn:schemas-microsoft-com:office:powerpoint" xmlns:com="http://schemas.openxmlformats.org/drawingml/2006/compatibility" xmlns:p14="http://schemas.microsoft.com/office/powerpoint/2010/main" xmlns:p15="http://schemas.microsoft.com/office/powerpoint/2012/main" xmlns:ahyp="http://schemas.microsoft.com/office/drawing/2018/hyperlinkcolor">
+<p:sldMaster xmlns:a="http://schemas.openxmlformats.org/drawingml/2006/main" xmlns:r="http://schemas.openxmlformats.org/officeDocument/2006/relationships" xmlns:p="http://schemas.openxmlformats.org/presentationml/2006/main">
   <p:cSld name="marina">
     <p:bg>
       <p:bgPr>
         <a:solidFill>
           <a:schemeClr val="lt1"/>
         </a:solidFill>
+        <a:effectLst/>
       </p:bgPr>
     </p:bg>
     <p:spTree>
       <p:nvGrpSpPr>
-        <p:cNvPr id="5" name="Shape 5"/>
+        <p:cNvPr id="1" name="Shape 5"/>
         <p:cNvGrpSpPr/>
         <p:nvPr/>
       </p:nvGrpSpPr>
@@ -6331,7 +6526,9 @@
       <p:sp>
         <p:nvSpPr>
           <p:cNvPr id="6" name="Google Shape;6;p1"/>
-          <p:cNvSpPr txBox="1"/>
+          <p:cNvSpPr txBox="1">
+            <a:spLocks noGrp="1"/>
+          </p:cNvSpPr>
           <p:nvPr>
             <p:ph type="title"/>
           </p:nvPr>
@@ -6350,7 +6547,7 @@
           </a:ln>
         </p:spPr>
         <p:txBody>
-          <a:bodyPr anchorCtr="0" anchor="b" bIns="91425" lIns="91425" spcFirstLastPara="1" rIns="91425" wrap="square" tIns="91425">
+          <a:bodyPr spcFirstLastPara="1" wrap="square" lIns="91425" tIns="91425" rIns="91425" bIns="91425" anchor="b" anchorCtr="0">
             <a:normAutofit/>
           </a:bodyPr>
           <a:lstStyle>
@@ -6562,15 +6759,19 @@
               </a:defRPr>
             </a:lvl9pPr>
           </a:lstStyle>
-          <a:p/>
+          <a:p>
+            <a:endParaRPr/>
+          </a:p>
         </p:txBody>
       </p:sp>
       <p:sp>
         <p:nvSpPr>
           <p:cNvPr id="7" name="Google Shape;7;p1"/>
-          <p:cNvSpPr txBox="1"/>
+          <p:cNvSpPr txBox="1">
+            <a:spLocks noGrp="1"/>
+          </p:cNvSpPr>
           <p:nvPr>
-            <p:ph idx="1" type="body"/>
+            <p:ph type="body" idx="1"/>
           </p:nvPr>
         </p:nvSpPr>
         <p:spPr>
@@ -6587,11 +6788,11 @@
           </a:ln>
         </p:spPr>
         <p:txBody>
-          <a:bodyPr anchorCtr="0" anchor="t" bIns="91425" lIns="91425" spcFirstLastPara="1" rIns="91425" wrap="square" tIns="91425">
+          <a:bodyPr spcFirstLastPara="1" wrap="square" lIns="91425" tIns="91425" rIns="91425" bIns="91425" anchor="t" anchorCtr="0">
             <a:normAutofit/>
           </a:bodyPr>
           <a:lstStyle>
-            <a:lvl1pPr indent="-342900" lvl="0" marL="457200">
+            <a:lvl1pPr marL="457200" lvl="0" indent="-342900">
               <a:lnSpc>
                 <a:spcPct val="115000"/>
               </a:lnSpc>
@@ -6617,7 +6818,7 @@
                 <a:sym typeface="Roboto"/>
               </a:defRPr>
             </a:lvl1pPr>
-            <a:lvl2pPr indent="-317500" lvl="1" marL="914400">
+            <a:lvl2pPr marL="914400" lvl="1" indent="-317500">
               <a:lnSpc>
                 <a:spcPct val="115000"/>
               </a:lnSpc>
@@ -6643,7 +6844,7 @@
                 <a:sym typeface="Roboto"/>
               </a:defRPr>
             </a:lvl2pPr>
-            <a:lvl3pPr indent="-317500" lvl="2" marL="1371600">
+            <a:lvl3pPr marL="1371600" lvl="2" indent="-317500">
               <a:lnSpc>
                 <a:spcPct val="115000"/>
               </a:lnSpc>
@@ -6669,7 +6870,7 @@
                 <a:sym typeface="Roboto"/>
               </a:defRPr>
             </a:lvl3pPr>
-            <a:lvl4pPr indent="-317500" lvl="3" marL="1828800">
+            <a:lvl4pPr marL="1828800" lvl="3" indent="-317500">
               <a:lnSpc>
                 <a:spcPct val="115000"/>
               </a:lnSpc>
@@ -6695,7 +6896,7 @@
                 <a:sym typeface="Roboto"/>
               </a:defRPr>
             </a:lvl4pPr>
-            <a:lvl5pPr indent="-317500" lvl="4" marL="2286000">
+            <a:lvl5pPr marL="2286000" lvl="4" indent="-317500">
               <a:lnSpc>
                 <a:spcPct val="115000"/>
               </a:lnSpc>
@@ -6721,7 +6922,7 @@
                 <a:sym typeface="Roboto"/>
               </a:defRPr>
             </a:lvl5pPr>
-            <a:lvl6pPr indent="-317500" lvl="5" marL="2743200">
+            <a:lvl6pPr marL="2743200" lvl="5" indent="-317500">
               <a:lnSpc>
                 <a:spcPct val="115000"/>
               </a:lnSpc>
@@ -6747,7 +6948,7 @@
                 <a:sym typeface="Roboto"/>
               </a:defRPr>
             </a:lvl6pPr>
-            <a:lvl7pPr indent="-317500" lvl="6" marL="3200400">
+            <a:lvl7pPr marL="3200400" lvl="6" indent="-317500">
               <a:lnSpc>
                 <a:spcPct val="115000"/>
               </a:lnSpc>
@@ -6773,7 +6974,7 @@
                 <a:sym typeface="Roboto"/>
               </a:defRPr>
             </a:lvl7pPr>
-            <a:lvl8pPr indent="-317500" lvl="7" marL="3657600">
+            <a:lvl8pPr marL="3657600" lvl="7" indent="-317500">
               <a:lnSpc>
                 <a:spcPct val="115000"/>
               </a:lnSpc>
@@ -6799,7 +7000,7 @@
                 <a:sym typeface="Roboto"/>
               </a:defRPr>
             </a:lvl8pPr>
-            <a:lvl9pPr indent="-317500" lvl="8" marL="4114800">
+            <a:lvl9pPr marL="4114800" lvl="8" indent="-317500">
               <a:lnSpc>
                 <a:spcPct val="115000"/>
               </a:lnSpc>
@@ -6826,15 +7027,19 @@
               </a:defRPr>
             </a:lvl9pPr>
           </a:lstStyle>
-          <a:p/>
+          <a:p>
+            <a:endParaRPr/>
+          </a:p>
         </p:txBody>
       </p:sp>
       <p:sp>
         <p:nvSpPr>
           <p:cNvPr id="8" name="Google Shape;8;p1"/>
-          <p:cNvSpPr txBox="1"/>
+          <p:cNvSpPr txBox="1">
+            <a:spLocks noGrp="1"/>
+          </p:cNvSpPr>
           <p:nvPr>
-            <p:ph idx="12" type="sldNum"/>
+            <p:ph type="sldNum" idx="12"/>
           </p:nvPr>
         </p:nvSpPr>
         <p:spPr>
@@ -6851,7 +7056,7 @@
           </a:ln>
         </p:spPr>
         <p:txBody>
-          <a:bodyPr anchorCtr="0" anchor="ctr" bIns="91425" lIns="91425" spcFirstLastPara="1" rIns="91425" wrap="square" tIns="91425">
+          <a:bodyPr spcFirstLastPara="1" wrap="square" lIns="91425" tIns="91425" rIns="91425" bIns="91425" anchor="ctr" anchorCtr="0">
             <a:normAutofit/>
           </a:bodyPr>
           <a:lstStyle>
@@ -6965,7 +7170,7 @@
             </a:lvl9pPr>
           </a:lstStyle>
           <a:p>
-            <a:pPr indent="0" lvl="0" marL="0" rtl="0" algn="r">
+            <a:pPr marL="0" lvl="0" indent="0" algn="r" rtl="0">
               <a:spcBef>
                 <a:spcPts val="0"/>
               </a:spcBef>
@@ -6984,7 +7189,7 @@
       </p:sp>
     </p:spTree>
   </p:cSld>
-  <p:clrMap accent1="accent1" accent2="accent2" accent3="accent3" accent4="accent4" accent5="accent5" accent6="accent6" bg1="lt1" bg2="dk2" tx1="dk1" tx2="lt2" folHlink="folHlink" hlink="hlink"/>
+  <p:clrMap bg1="lt1" tx1="dk1" bg2="dk2" tx2="lt2" accent1="accent1" accent2="accent2" accent3="accent3" accent4="accent4" accent5="accent5" accent6="accent6" hlink="hlink" folHlink="folHlink"/>
   <p:sldLayoutIdLst>
     <p:sldLayoutId id="2147483648" r:id="rId1"/>
     <p:sldLayoutId id="2147483649" r:id="rId2"/>
@@ -6998,10 +7203,10 @@
     <p:sldLayoutId id="2147483657" r:id="rId10"/>
     <p:sldLayoutId id="2147483658" r:id="rId11"/>
   </p:sldLayoutIdLst>
-  <p:hf dt="0" ftr="0" hdr="0" sldNum="0"/>
+  <p:hf sldNum="0" hdr="0" ftr="0" dt="0"/>
   <p:txStyles>
     <p:titleStyle>
-      <a:defPPr lvl="0" marR="0" rtl="0" algn="l">
+      <a:defPPr marR="0" lvl="0" algn="l" rtl="0">
         <a:lnSpc>
           <a:spcPct val="100000"/>
         </a:lnSpc>
@@ -7012,7 +7217,7 @@
           <a:spcPts val="0"/>
         </a:spcAft>
       </a:defPPr>
-      <a:lvl1pPr lvl="0" marR="0" rtl="0" algn="l">
+      <a:lvl1pPr marR="0" lvl="0" algn="l" rtl="0">
         <a:lnSpc>
           <a:spcPct val="100000"/>
         </a:lnSpc>
@@ -7026,7 +7231,7 @@
           <a:srgbClr val="000000"/>
         </a:buClr>
         <a:buFont typeface="Arial"/>
-        <a:defRPr b="0" i="0" sz="1400" u="none" cap="none" strike="noStrike">
+        <a:defRPr sz="1400" b="0" i="0" u="none" strike="noStrike" cap="none">
           <a:solidFill>
             <a:srgbClr val="000000"/>
           </a:solidFill>
@@ -7036,7 +7241,7 @@
           <a:sym typeface="Arial"/>
         </a:defRPr>
       </a:lvl1pPr>
-      <a:lvl2pPr lvl="1" marR="0" rtl="0" algn="l">
+      <a:lvl2pPr marR="0" lvl="1" algn="l" rtl="0">
         <a:lnSpc>
           <a:spcPct val="100000"/>
         </a:lnSpc>
@@ -7050,7 +7255,7 @@
           <a:srgbClr val="000000"/>
         </a:buClr>
         <a:buFont typeface="Arial"/>
-        <a:defRPr b="0" i="0" sz="1400" u="none" cap="none" strike="noStrike">
+        <a:defRPr sz="1400" b="0" i="0" u="none" strike="noStrike" cap="none">
           <a:solidFill>
             <a:srgbClr val="000000"/>
           </a:solidFill>
@@ -7060,7 +7265,7 @@
           <a:sym typeface="Arial"/>
         </a:defRPr>
       </a:lvl2pPr>
-      <a:lvl3pPr lvl="2" marR="0" rtl="0" algn="l">
+      <a:lvl3pPr marR="0" lvl="2" algn="l" rtl="0">
         <a:lnSpc>
           <a:spcPct val="100000"/>
         </a:lnSpc>
@@ -7074,7 +7279,7 @@
           <a:srgbClr val="000000"/>
         </a:buClr>
         <a:buFont typeface="Arial"/>
-        <a:defRPr b="0" i="0" sz="1400" u="none" cap="none" strike="noStrike">
+        <a:defRPr sz="1400" b="0" i="0" u="none" strike="noStrike" cap="none">
           <a:solidFill>
             <a:srgbClr val="000000"/>
           </a:solidFill>
@@ -7084,7 +7289,7 @@
           <a:sym typeface="Arial"/>
         </a:defRPr>
       </a:lvl3pPr>
-      <a:lvl4pPr lvl="3" marR="0" rtl="0" algn="l">
+      <a:lvl4pPr marR="0" lvl="3" algn="l" rtl="0">
         <a:lnSpc>
           <a:spcPct val="100000"/>
         </a:lnSpc>
@@ -7098,7 +7303,7 @@
           <a:srgbClr val="000000"/>
         </a:buClr>
         <a:buFont typeface="Arial"/>
-        <a:defRPr b="0" i="0" sz="1400" u="none" cap="none" strike="noStrike">
+        <a:defRPr sz="1400" b="0" i="0" u="none" strike="noStrike" cap="none">
           <a:solidFill>
             <a:srgbClr val="000000"/>
           </a:solidFill>
@@ -7108,7 +7313,7 @@
           <a:sym typeface="Arial"/>
         </a:defRPr>
       </a:lvl4pPr>
-      <a:lvl5pPr lvl="4" marR="0" rtl="0" algn="l">
+      <a:lvl5pPr marR="0" lvl="4" algn="l" rtl="0">
         <a:lnSpc>
           <a:spcPct val="100000"/>
         </a:lnSpc>
@@ -7122,7 +7327,7 @@
           <a:srgbClr val="000000"/>
         </a:buClr>
         <a:buFont typeface="Arial"/>
-        <a:defRPr b="0" i="0" sz="1400" u="none" cap="none" strike="noStrike">
+        <a:defRPr sz="1400" b="0" i="0" u="none" strike="noStrike" cap="none">
           <a:solidFill>
             <a:srgbClr val="000000"/>
           </a:solidFill>
@@ -7132,7 +7337,7 @@
           <a:sym typeface="Arial"/>
         </a:defRPr>
       </a:lvl5pPr>
-      <a:lvl6pPr lvl="5" marR="0" rtl="0" algn="l">
+      <a:lvl6pPr marR="0" lvl="5" algn="l" rtl="0">
         <a:lnSpc>
           <a:spcPct val="100000"/>
         </a:lnSpc>
@@ -7146,7 +7351,7 @@
           <a:srgbClr val="000000"/>
         </a:buClr>
         <a:buFont typeface="Arial"/>
-        <a:defRPr b="0" i="0" sz="1400" u="none" cap="none" strike="noStrike">
+        <a:defRPr sz="1400" b="0" i="0" u="none" strike="noStrike" cap="none">
           <a:solidFill>
             <a:srgbClr val="000000"/>
           </a:solidFill>
@@ -7156,7 +7361,7 @@
           <a:sym typeface="Arial"/>
         </a:defRPr>
       </a:lvl6pPr>
-      <a:lvl7pPr lvl="6" marR="0" rtl="0" algn="l">
+      <a:lvl7pPr marR="0" lvl="6" algn="l" rtl="0">
         <a:lnSpc>
           <a:spcPct val="100000"/>
         </a:lnSpc>
@@ -7170,7 +7375,7 @@
           <a:srgbClr val="000000"/>
         </a:buClr>
         <a:buFont typeface="Arial"/>
-        <a:defRPr b="0" i="0" sz="1400" u="none" cap="none" strike="noStrike">
+        <a:defRPr sz="1400" b="0" i="0" u="none" strike="noStrike" cap="none">
           <a:solidFill>
             <a:srgbClr val="000000"/>
           </a:solidFill>
@@ -7180,7 +7385,7 @@
           <a:sym typeface="Arial"/>
         </a:defRPr>
       </a:lvl7pPr>
-      <a:lvl8pPr lvl="7" marR="0" rtl="0" algn="l">
+      <a:lvl8pPr marR="0" lvl="7" algn="l" rtl="0">
         <a:lnSpc>
           <a:spcPct val="100000"/>
         </a:lnSpc>
@@ -7194,7 +7399,7 @@
           <a:srgbClr val="000000"/>
         </a:buClr>
         <a:buFont typeface="Arial"/>
-        <a:defRPr b="0" i="0" sz="1400" u="none" cap="none" strike="noStrike">
+        <a:defRPr sz="1400" b="0" i="0" u="none" strike="noStrike" cap="none">
           <a:solidFill>
             <a:srgbClr val="000000"/>
           </a:solidFill>
@@ -7204,7 +7409,7 @@
           <a:sym typeface="Arial"/>
         </a:defRPr>
       </a:lvl8pPr>
-      <a:lvl9pPr lvl="8" marR="0" rtl="0" algn="l">
+      <a:lvl9pPr marR="0" lvl="8" algn="l" rtl="0">
         <a:lnSpc>
           <a:spcPct val="100000"/>
         </a:lnSpc>
@@ -7218,7 +7423,7 @@
           <a:srgbClr val="000000"/>
         </a:buClr>
         <a:buFont typeface="Arial"/>
-        <a:defRPr b="0" i="0" sz="1400" u="none" cap="none" strike="noStrike">
+        <a:defRPr sz="1400" b="0" i="0" u="none" strike="noStrike" cap="none">
           <a:solidFill>
             <a:srgbClr val="000000"/>
           </a:solidFill>
@@ -7230,7 +7435,7 @@
       </a:lvl9pPr>
     </p:titleStyle>
     <p:bodyStyle>
-      <a:defPPr lvl="0" marR="0" rtl="0" algn="l">
+      <a:defPPr marR="0" lvl="0" algn="l" rtl="0">
         <a:lnSpc>
           <a:spcPct val="100000"/>
         </a:lnSpc>
@@ -7241,7 +7446,7 @@
           <a:spcPts val="0"/>
         </a:spcAft>
       </a:defPPr>
-      <a:lvl1pPr lvl="0" marR="0" rtl="0" algn="l">
+      <a:lvl1pPr marR="0" lvl="0" algn="l" rtl="0">
         <a:lnSpc>
           <a:spcPct val="100000"/>
         </a:lnSpc>
@@ -7255,7 +7460,7 @@
           <a:srgbClr val="000000"/>
         </a:buClr>
         <a:buFont typeface="Arial"/>
-        <a:defRPr b="0" i="0" sz="1400" u="none" cap="none" strike="noStrike">
+        <a:defRPr sz="1400" b="0" i="0" u="none" strike="noStrike" cap="none">
           <a:solidFill>
             <a:srgbClr val="000000"/>
           </a:solidFill>
@@ -7265,7 +7470,7 @@
           <a:sym typeface="Arial"/>
         </a:defRPr>
       </a:lvl1pPr>
-      <a:lvl2pPr lvl="1" marR="0" rtl="0" algn="l">
+      <a:lvl2pPr marR="0" lvl="1" algn="l" rtl="0">
         <a:lnSpc>
           <a:spcPct val="100000"/>
         </a:lnSpc>
@@ -7279,7 +7484,7 @@
           <a:srgbClr val="000000"/>
         </a:buClr>
         <a:buFont typeface="Arial"/>
-        <a:defRPr b="0" i="0" sz="1400" u="none" cap="none" strike="noStrike">
+        <a:defRPr sz="1400" b="0" i="0" u="none" strike="noStrike" cap="none">
           <a:solidFill>
             <a:srgbClr val="000000"/>
           </a:solidFill>
@@ -7289,7 +7494,7 @@
           <a:sym typeface="Arial"/>
         </a:defRPr>
       </a:lvl2pPr>
-      <a:lvl3pPr lvl="2" marR="0" rtl="0" algn="l">
+      <a:lvl3pPr marR="0" lvl="2" algn="l" rtl="0">
         <a:lnSpc>
           <a:spcPct val="100000"/>
         </a:lnSpc>
@@ -7303,7 +7508,7 @@
           <a:srgbClr val="000000"/>
         </a:buClr>
         <a:buFont typeface="Arial"/>
-        <a:defRPr b="0" i="0" sz="1400" u="none" cap="none" strike="noStrike">
+        <a:defRPr sz="1400" b="0" i="0" u="none" strike="noStrike" cap="none">
           <a:solidFill>
             <a:srgbClr val="000000"/>
           </a:solidFill>
@@ -7313,7 +7518,7 @@
           <a:sym typeface="Arial"/>
         </a:defRPr>
       </a:lvl3pPr>
-      <a:lvl4pPr lvl="3" marR="0" rtl="0" algn="l">
+      <a:lvl4pPr marR="0" lvl="3" algn="l" rtl="0">
         <a:lnSpc>
           <a:spcPct val="100000"/>
         </a:lnSpc>
@@ -7327,7 +7532,7 @@
           <a:srgbClr val="000000"/>
         </a:buClr>
         <a:buFont typeface="Arial"/>
-        <a:defRPr b="0" i="0" sz="1400" u="none" cap="none" strike="noStrike">
+        <a:defRPr sz="1400" b="0" i="0" u="none" strike="noStrike" cap="none">
           <a:solidFill>
             <a:srgbClr val="000000"/>
           </a:solidFill>
@@ -7337,7 +7542,7 @@
           <a:sym typeface="Arial"/>
         </a:defRPr>
       </a:lvl4pPr>
-      <a:lvl5pPr lvl="4" marR="0" rtl="0" algn="l">
+      <a:lvl5pPr marR="0" lvl="4" algn="l" rtl="0">
         <a:lnSpc>
           <a:spcPct val="100000"/>
         </a:lnSpc>
@@ -7351,7 +7556,7 @@
           <a:srgbClr val="000000"/>
         </a:buClr>
         <a:buFont typeface="Arial"/>
-        <a:defRPr b="0" i="0" sz="1400" u="none" cap="none" strike="noStrike">
+        <a:defRPr sz="1400" b="0" i="0" u="none" strike="noStrike" cap="none">
           <a:solidFill>
             <a:srgbClr val="000000"/>
           </a:solidFill>
@@ -7361,7 +7566,7 @@
           <a:sym typeface="Arial"/>
         </a:defRPr>
       </a:lvl5pPr>
-      <a:lvl6pPr lvl="5" marR="0" rtl="0" algn="l">
+      <a:lvl6pPr marR="0" lvl="5" algn="l" rtl="0">
         <a:lnSpc>
           <a:spcPct val="100000"/>
         </a:lnSpc>
@@ -7375,7 +7580,7 @@
           <a:srgbClr val="000000"/>
         </a:buClr>
         <a:buFont typeface="Arial"/>
-        <a:defRPr b="0" i="0" sz="1400" u="none" cap="none" strike="noStrike">
+        <a:defRPr sz="1400" b="0" i="0" u="none" strike="noStrike" cap="none">
           <a:solidFill>
             <a:srgbClr val="000000"/>
           </a:solidFill>
@@ -7385,7 +7590,7 @@
           <a:sym typeface="Arial"/>
         </a:defRPr>
       </a:lvl6pPr>
-      <a:lvl7pPr lvl="6" marR="0" rtl="0" algn="l">
+      <a:lvl7pPr marR="0" lvl="6" algn="l" rtl="0">
         <a:lnSpc>
           <a:spcPct val="100000"/>
         </a:lnSpc>
@@ -7399,7 +7604,7 @@
           <a:srgbClr val="000000"/>
         </a:buClr>
         <a:buFont typeface="Arial"/>
-        <a:defRPr b="0" i="0" sz="1400" u="none" cap="none" strike="noStrike">
+        <a:defRPr sz="1400" b="0" i="0" u="none" strike="noStrike" cap="none">
           <a:solidFill>
             <a:srgbClr val="000000"/>
           </a:solidFill>
@@ -7409,7 +7614,7 @@
           <a:sym typeface="Arial"/>
         </a:defRPr>
       </a:lvl7pPr>
-      <a:lvl8pPr lvl="7" marR="0" rtl="0" algn="l">
+      <a:lvl8pPr marR="0" lvl="7" algn="l" rtl="0">
         <a:lnSpc>
           <a:spcPct val="100000"/>
         </a:lnSpc>
@@ -7423,7 +7628,7 @@
           <a:srgbClr val="000000"/>
         </a:buClr>
         <a:buFont typeface="Arial"/>
-        <a:defRPr b="0" i="0" sz="1400" u="none" cap="none" strike="noStrike">
+        <a:defRPr sz="1400" b="0" i="0" u="none" strike="noStrike" cap="none">
           <a:solidFill>
             <a:srgbClr val="000000"/>
           </a:solidFill>
@@ -7433,7 +7638,7 @@
           <a:sym typeface="Arial"/>
         </a:defRPr>
       </a:lvl8pPr>
-      <a:lvl9pPr lvl="8" marR="0" rtl="0" algn="l">
+      <a:lvl9pPr marR="0" lvl="8" algn="l" rtl="0">
         <a:lnSpc>
           <a:spcPct val="100000"/>
         </a:lnSpc>
@@ -7447,7 +7652,7 @@
           <a:srgbClr val="000000"/>
         </a:buClr>
         <a:buFont typeface="Arial"/>
-        <a:defRPr b="0" i="0" sz="1400" u="none" cap="none" strike="noStrike">
+        <a:defRPr sz="1400" b="0" i="0" u="none" strike="noStrike" cap="none">
           <a:solidFill>
             <a:srgbClr val="000000"/>
           </a:solidFill>
@@ -7459,7 +7664,7 @@
       </a:lvl9pPr>
     </p:bodyStyle>
     <p:otherStyle>
-      <a:defPPr lvl="0" marR="0" rtl="0" algn="l">
+      <a:defPPr marR="0" lvl="0" algn="l" rtl="0">
         <a:lnSpc>
           <a:spcPct val="100000"/>
         </a:lnSpc>
@@ -7470,7 +7675,7 @@
           <a:spcPts val="0"/>
         </a:spcAft>
       </a:defPPr>
-      <a:lvl1pPr lvl="0" marR="0" rtl="0" algn="l">
+      <a:lvl1pPr marR="0" lvl="0" algn="l" rtl="0">
         <a:lnSpc>
           <a:spcPct val="100000"/>
         </a:lnSpc>
@@ -7484,7 +7689,7 @@
           <a:srgbClr val="000000"/>
         </a:buClr>
         <a:buFont typeface="Arial"/>
-        <a:defRPr b="0" i="0" sz="1400" u="none" cap="none" strike="noStrike">
+        <a:defRPr sz="1400" b="0" i="0" u="none" strike="noStrike" cap="none">
           <a:solidFill>
             <a:srgbClr val="000000"/>
           </a:solidFill>
@@ -7494,7 +7699,7 @@
           <a:sym typeface="Arial"/>
         </a:defRPr>
       </a:lvl1pPr>
-      <a:lvl2pPr lvl="1" marR="0" rtl="0" algn="l">
+      <a:lvl2pPr marR="0" lvl="1" algn="l" rtl="0">
         <a:lnSpc>
           <a:spcPct val="100000"/>
         </a:lnSpc>
@@ -7508,7 +7713,7 @@
           <a:srgbClr val="000000"/>
         </a:buClr>
         <a:buFont typeface="Arial"/>
-        <a:defRPr b="0" i="0" sz="1400" u="none" cap="none" strike="noStrike">
+        <a:defRPr sz="1400" b="0" i="0" u="none" strike="noStrike" cap="none">
           <a:solidFill>
             <a:srgbClr val="000000"/>
           </a:solidFill>
@@ -7518,7 +7723,7 @@
           <a:sym typeface="Arial"/>
         </a:defRPr>
       </a:lvl2pPr>
-      <a:lvl3pPr lvl="2" marR="0" rtl="0" algn="l">
+      <a:lvl3pPr marR="0" lvl="2" algn="l" rtl="0">
         <a:lnSpc>
           <a:spcPct val="100000"/>
         </a:lnSpc>
@@ -7532,7 +7737,7 @@
           <a:srgbClr val="000000"/>
         </a:buClr>
         <a:buFont typeface="Arial"/>
-        <a:defRPr b="0" i="0" sz="1400" u="none" cap="none" strike="noStrike">
+        <a:defRPr sz="1400" b="0" i="0" u="none" strike="noStrike" cap="none">
           <a:solidFill>
             <a:srgbClr val="000000"/>
           </a:solidFill>
@@ -7542,7 +7747,7 @@
           <a:sym typeface="Arial"/>
         </a:defRPr>
       </a:lvl3pPr>
-      <a:lvl4pPr lvl="3" marR="0" rtl="0" algn="l">
+      <a:lvl4pPr marR="0" lvl="3" algn="l" rtl="0">
         <a:lnSpc>
           <a:spcPct val="100000"/>
         </a:lnSpc>
@@ -7556,7 +7761,7 @@
           <a:srgbClr val="000000"/>
         </a:buClr>
         <a:buFont typeface="Arial"/>
-        <a:defRPr b="0" i="0" sz="1400" u="none" cap="none" strike="noStrike">
+        <a:defRPr sz="1400" b="0" i="0" u="none" strike="noStrike" cap="none">
           <a:solidFill>
             <a:srgbClr val="000000"/>
           </a:solidFill>
@@ -7566,7 +7771,7 @@
           <a:sym typeface="Arial"/>
         </a:defRPr>
       </a:lvl4pPr>
-      <a:lvl5pPr lvl="4" marR="0" rtl="0" algn="l">
+      <a:lvl5pPr marR="0" lvl="4" algn="l" rtl="0">
         <a:lnSpc>
           <a:spcPct val="100000"/>
         </a:lnSpc>
@@ -7580,7 +7785,7 @@
           <a:srgbClr val="000000"/>
         </a:buClr>
         <a:buFont typeface="Arial"/>
-        <a:defRPr b="0" i="0" sz="1400" u="none" cap="none" strike="noStrike">
+        <a:defRPr sz="1400" b="0" i="0" u="none" strike="noStrike" cap="none">
           <a:solidFill>
             <a:srgbClr val="000000"/>
           </a:solidFill>
@@ -7590,7 +7795,7 @@
           <a:sym typeface="Arial"/>
         </a:defRPr>
       </a:lvl5pPr>
-      <a:lvl6pPr lvl="5" marR="0" rtl="0" algn="l">
+      <a:lvl6pPr marR="0" lvl="5" algn="l" rtl="0">
         <a:lnSpc>
           <a:spcPct val="100000"/>
         </a:lnSpc>
@@ -7604,7 +7809,7 @@
           <a:srgbClr val="000000"/>
         </a:buClr>
         <a:buFont typeface="Arial"/>
-        <a:defRPr b="0" i="0" sz="1400" u="none" cap="none" strike="noStrike">
+        <a:defRPr sz="1400" b="0" i="0" u="none" strike="noStrike" cap="none">
           <a:solidFill>
             <a:srgbClr val="000000"/>
           </a:solidFill>
@@ -7614,7 +7819,7 @@
           <a:sym typeface="Arial"/>
         </a:defRPr>
       </a:lvl6pPr>
-      <a:lvl7pPr lvl="6" marR="0" rtl="0" algn="l">
+      <a:lvl7pPr marR="0" lvl="6" algn="l" rtl="0">
         <a:lnSpc>
           <a:spcPct val="100000"/>
         </a:lnSpc>
@@ -7628,7 +7833,7 @@
           <a:srgbClr val="000000"/>
         </a:buClr>
         <a:buFont typeface="Arial"/>
-        <a:defRPr b="0" i="0" sz="1400" u="none" cap="none" strike="noStrike">
+        <a:defRPr sz="1400" b="0" i="0" u="none" strike="noStrike" cap="none">
           <a:solidFill>
             <a:srgbClr val="000000"/>
           </a:solidFill>
@@ -7638,7 +7843,7 @@
           <a:sym typeface="Arial"/>
         </a:defRPr>
       </a:lvl7pPr>
-      <a:lvl8pPr lvl="7" marR="0" rtl="0" algn="l">
+      <a:lvl8pPr marR="0" lvl="7" algn="l" rtl="0">
         <a:lnSpc>
           <a:spcPct val="100000"/>
         </a:lnSpc>
@@ -7652,7 +7857,7 @@
           <a:srgbClr val="000000"/>
         </a:buClr>
         <a:buFont typeface="Arial"/>
-        <a:defRPr b="0" i="0" sz="1400" u="none" cap="none" strike="noStrike">
+        <a:defRPr sz="1400" b="0" i="0" u="none" strike="noStrike" cap="none">
           <a:solidFill>
             <a:srgbClr val="000000"/>
           </a:solidFill>
@@ -7662,7 +7867,7 @@
           <a:sym typeface="Arial"/>
         </a:defRPr>
       </a:lvl8pPr>
-      <a:lvl9pPr lvl="8" marR="0" rtl="0" algn="l">
+      <a:lvl9pPr marR="0" lvl="8" algn="l" rtl="0">
         <a:lnSpc>
           <a:spcPct val="100000"/>
         </a:lnSpc>
@@ -7676,7 +7881,7 @@
           <a:srgbClr val="000000"/>
         </a:buClr>
         <a:buFont typeface="Arial"/>
-        <a:defRPr b="0" i="0" sz="1400" u="none" cap="none" strike="noStrike">
+        <a:defRPr sz="1400" b="0" i="0" u="none" strike="noStrike" cap="none">
           <a:solidFill>
             <a:srgbClr val="000000"/>
           </a:solidFill>
@@ -7692,11 +7897,11 @@
 </file>
 
 <file path=ppt/slides/slide1.xml><?xml version="1.0" encoding="utf-8"?>
-<p:sld xmlns:a="http://schemas.openxmlformats.org/drawingml/2006/main" xmlns:r="http://schemas.openxmlformats.org/officeDocument/2006/relationships" xmlns:mc="http://schemas.openxmlformats.org/markup-compatibility/2006" xmlns:mv="urn:schemas-microsoft-com:mac:vml" xmlns:p="http://schemas.openxmlformats.org/presentationml/2006/main" xmlns:c="http://schemas.openxmlformats.org/drawingml/2006/chart" xmlns:dgm="http://schemas.openxmlformats.org/drawingml/2006/diagram" xmlns:o="urn:schemas-microsoft-com:office:office" xmlns:v="urn:schemas-microsoft-com:vml" xmlns:pvml="urn:schemas-microsoft-com:office:powerpoint" xmlns:com="http://schemas.openxmlformats.org/drawingml/2006/compatibility" xmlns:p14="http://schemas.microsoft.com/office/powerpoint/2010/main" xmlns:p15="http://schemas.microsoft.com/office/powerpoint/2012/main" xmlns:ahyp="http://schemas.microsoft.com/office/drawing/2018/hyperlinkcolor">
+<p:sld xmlns:a="http://schemas.openxmlformats.org/drawingml/2006/main" xmlns:r="http://schemas.openxmlformats.org/officeDocument/2006/relationships" xmlns:p="http://schemas.openxmlformats.org/presentationml/2006/main">
   <p:cSld>
     <p:spTree>
       <p:nvGrpSpPr>
-        <p:cNvPr id="62" name="Shape 62"/>
+        <p:cNvPr id="1" name="Shape 62"/>
         <p:cNvGrpSpPr/>
         <p:nvPr/>
       </p:nvGrpSpPr>
@@ -7711,7 +7916,9 @@
       <p:sp>
         <p:nvSpPr>
           <p:cNvPr id="63" name="Google Shape;63;p13"/>
-          <p:cNvSpPr txBox="1"/>
+          <p:cNvSpPr txBox="1">
+            <a:spLocks noGrp="1"/>
+          </p:cNvSpPr>
           <p:nvPr>
             <p:ph type="ctrTitle"/>
           </p:nvPr>
@@ -7726,12 +7933,12 @@
           </a:prstGeom>
         </p:spPr>
         <p:txBody>
-          <a:bodyPr anchorCtr="0" anchor="b" bIns="91425" lIns="91425" spcFirstLastPara="1" rIns="91425" wrap="square" tIns="91425">
+          <a:bodyPr spcFirstLastPara="1" wrap="square" lIns="91425" tIns="91425" rIns="91425" bIns="91425" anchor="b" anchorCtr="0">
             <a:normAutofit/>
           </a:bodyPr>
           <a:lstStyle/>
           <a:p>
-            <a:pPr indent="0" lvl="0" marL="0" rtl="0" algn="ctr">
+            <a:pPr marL="0" lvl="0" indent="0" algn="ctr" rtl="0">
               <a:spcBef>
                 <a:spcPts val="0"/>
               </a:spcBef>
@@ -7751,9 +7958,11 @@
       <p:sp>
         <p:nvSpPr>
           <p:cNvPr id="64" name="Google Shape;64;p13"/>
-          <p:cNvSpPr txBox="1"/>
+          <p:cNvSpPr txBox="1">
+            <a:spLocks noGrp="1"/>
+          </p:cNvSpPr>
           <p:nvPr>
-            <p:ph idx="1" type="subTitle"/>
+            <p:ph type="subTitle" idx="1"/>
           </p:nvPr>
         </p:nvSpPr>
         <p:spPr>
@@ -7766,12 +7975,12 @@
           </a:prstGeom>
         </p:spPr>
         <p:txBody>
-          <a:bodyPr anchorCtr="0" anchor="t" bIns="91425" lIns="91425" spcFirstLastPara="1" rIns="91425" wrap="square" tIns="91425">
+          <a:bodyPr spcFirstLastPara="1" wrap="square" lIns="91425" tIns="91425" rIns="91425" bIns="91425" anchor="t" anchorCtr="0">
             <a:normAutofit/>
           </a:bodyPr>
           <a:lstStyle/>
           <a:p>
-            <a:pPr indent="0" lvl="0" marL="0" rtl="0" algn="ctr">
+            <a:pPr marL="0" lvl="0" indent="0" algn="ctr" rtl="0">
               <a:spcBef>
                 <a:spcPts val="0"/>
               </a:spcBef>
@@ -7786,9 +7995,17 @@
                   <a:srgbClr val="B7B7B7"/>
                 </a:solidFill>
               </a:rPr>
-              <a:t>Matthew Chan &amp; Usaid Malik</a:t>
-            </a:r>
-            <a:endParaRPr>
+              <a:t>Usaid </a:t>
+            </a:r>
+            <a:r>
+              <a:rPr lang="en" dirty="0">
+                <a:solidFill>
+                  <a:srgbClr val="B7B7B7"/>
+                </a:solidFill>
+              </a:rPr>
+              <a:t>Malik</a:t>
+            </a:r>
+            <a:endParaRPr dirty="0">
               <a:solidFill>
                 <a:srgbClr val="B7B7B7"/>
               </a:solidFill>
@@ -7805,11 +8022,11 @@
 </file>
 
 <file path=ppt/slides/slide10.xml><?xml version="1.0" encoding="utf-8"?>
-<p:sld xmlns:a="http://schemas.openxmlformats.org/drawingml/2006/main" xmlns:r="http://schemas.openxmlformats.org/officeDocument/2006/relationships" xmlns:mc="http://schemas.openxmlformats.org/markup-compatibility/2006" xmlns:mv="urn:schemas-microsoft-com:mac:vml" xmlns:p="http://schemas.openxmlformats.org/presentationml/2006/main" xmlns:c="http://schemas.openxmlformats.org/drawingml/2006/chart" xmlns:dgm="http://schemas.openxmlformats.org/drawingml/2006/diagram" xmlns:o="urn:schemas-microsoft-com:office:office" xmlns:v="urn:schemas-microsoft-com:vml" xmlns:pvml="urn:schemas-microsoft-com:office:powerpoint" xmlns:com="http://schemas.openxmlformats.org/drawingml/2006/compatibility" xmlns:p14="http://schemas.microsoft.com/office/powerpoint/2010/main" xmlns:p15="http://schemas.microsoft.com/office/powerpoint/2012/main" xmlns:ahyp="http://schemas.microsoft.com/office/drawing/2018/hyperlinkcolor">
+<p:sld xmlns:a="http://schemas.openxmlformats.org/drawingml/2006/main" xmlns:r="http://schemas.openxmlformats.org/officeDocument/2006/relationships" xmlns:p="http://schemas.openxmlformats.org/presentationml/2006/main">
   <p:cSld>
     <p:spTree>
       <p:nvGrpSpPr>
-        <p:cNvPr id="135" name="Shape 135"/>
+        <p:cNvPr id="1" name="Shape 135"/>
         <p:cNvGrpSpPr/>
         <p:nvPr/>
       </p:nvGrpSpPr>
@@ -7824,7 +8041,9 @@
       <p:sp>
         <p:nvSpPr>
           <p:cNvPr id="136" name="Google Shape;136;p22"/>
-          <p:cNvSpPr txBox="1"/>
+          <p:cNvSpPr txBox="1">
+            <a:spLocks noGrp="1"/>
+          </p:cNvSpPr>
           <p:nvPr>
             <p:ph type="title"/>
           </p:nvPr>
@@ -7839,12 +8058,12 @@
           </a:prstGeom>
         </p:spPr>
         <p:txBody>
-          <a:bodyPr anchorCtr="0" anchor="b" bIns="91425" lIns="91425" spcFirstLastPara="1" rIns="91425" wrap="square" tIns="91425">
+          <a:bodyPr spcFirstLastPara="1" wrap="square" lIns="91425" tIns="91425" rIns="91425" bIns="91425" anchor="b" anchorCtr="0">
             <a:normAutofit/>
           </a:bodyPr>
           <a:lstStyle/>
           <a:p>
-            <a:pPr indent="0" lvl="0" marL="0" rtl="0" algn="l">
+            <a:pPr marL="0" lvl="0" indent="0" algn="l" rtl="0">
               <a:spcBef>
                 <a:spcPts val="0"/>
               </a:spcBef>
@@ -7864,9 +8083,11 @@
       <p:sp>
         <p:nvSpPr>
           <p:cNvPr id="137" name="Google Shape;137;p22"/>
-          <p:cNvSpPr txBox="1"/>
+          <p:cNvSpPr txBox="1">
+            <a:spLocks noGrp="1"/>
+          </p:cNvSpPr>
           <p:nvPr>
-            <p:ph idx="1" type="body"/>
+            <p:ph type="body" idx="1"/>
           </p:nvPr>
         </p:nvSpPr>
         <p:spPr>
@@ -7879,12 +8100,12 @@
           </a:prstGeom>
         </p:spPr>
         <p:txBody>
-          <a:bodyPr anchorCtr="0" anchor="t" bIns="91425" lIns="91425" spcFirstLastPara="1" rIns="91425" wrap="square" tIns="91425">
+          <a:bodyPr spcFirstLastPara="1" wrap="square" lIns="91425" tIns="91425" rIns="91425" bIns="91425" anchor="t" anchorCtr="0">
             <a:normAutofit/>
           </a:bodyPr>
           <a:lstStyle/>
           <a:p>
-            <a:pPr indent="-342900" lvl="0" marL="457200" rtl="0" algn="l">
+            <a:pPr marL="457200" lvl="0" indent="-342900" algn="l" rtl="0">
               <a:spcBef>
                 <a:spcPts val="0"/>
               </a:spcBef>
@@ -7901,7 +8122,7 @@
             <a:endParaRPr/>
           </a:p>
           <a:p>
-            <a:pPr indent="-342900" lvl="0" marL="457200" rtl="0" algn="l">
+            <a:pPr marL="457200" lvl="0" indent="-342900" algn="l" rtl="0">
               <a:spcBef>
                 <a:spcPts val="0"/>
               </a:spcBef>
@@ -7918,7 +8139,7 @@
             <a:endParaRPr/>
           </a:p>
           <a:p>
-            <a:pPr indent="-317500" lvl="1" marL="914400" rtl="0" algn="l">
+            <a:pPr marL="914400" lvl="1" indent="-317500" algn="l" rtl="0">
               <a:spcBef>
                 <a:spcPts val="0"/>
               </a:spcBef>
@@ -7935,7 +8156,7 @@
             <a:endParaRPr/>
           </a:p>
           <a:p>
-            <a:pPr indent="-317500" lvl="1" marL="914400" rtl="0" algn="l">
+            <a:pPr marL="914400" lvl="1" indent="-317500" algn="l" rtl="0">
               <a:spcBef>
                 <a:spcPts val="0"/>
               </a:spcBef>
@@ -7952,7 +8173,7 @@
             <a:endParaRPr sz="1400"/>
           </a:p>
           <a:p>
-            <a:pPr indent="-342900" lvl="0" marL="457200" rtl="0" algn="l">
+            <a:pPr marL="457200" lvl="0" indent="-342900" algn="l" rtl="0">
               <a:spcBef>
                 <a:spcPts val="0"/>
               </a:spcBef>
@@ -7969,7 +8190,7 @@
             <a:endParaRPr/>
           </a:p>
           <a:p>
-            <a:pPr indent="0" lvl="0" marL="457200" rtl="0" algn="l">
+            <a:pPr marL="457200" lvl="0" indent="0" algn="l" rtl="0">
               <a:spcBef>
                 <a:spcPts val="1200"/>
               </a:spcBef>
@@ -7978,9 +8199,6 @@
               </a:spcAft>
               <a:buNone/>
             </a:pPr>
-            <a:r>
-              <a:t/>
-            </a:r>
             <a:endParaRPr/>
           </a:p>
         </p:txBody>
@@ -8005,12 +8223,12 @@
           </a:ln>
         </p:spPr>
         <p:txBody>
-          <a:bodyPr anchorCtr="0" anchor="t" bIns="91425" lIns="91425" spcFirstLastPara="1" rIns="91425" wrap="square" tIns="91425">
+          <a:bodyPr spcFirstLastPara="1" wrap="square" lIns="91425" tIns="91425" rIns="91425" bIns="91425" anchor="t" anchorCtr="0">
             <a:spAutoFit/>
           </a:bodyPr>
           <a:lstStyle/>
           <a:p>
-            <a:pPr indent="0" lvl="0" marL="0" rtl="0" algn="l">
+            <a:pPr marL="0" lvl="0" indent="0" algn="l" rtl="0">
               <a:spcBef>
                 <a:spcPts val="0"/>
               </a:spcBef>
@@ -8072,11 +8290,11 @@
 </file>
 
 <file path=ppt/slides/slide11.xml><?xml version="1.0" encoding="utf-8"?>
-<p:sld xmlns:a="http://schemas.openxmlformats.org/drawingml/2006/main" xmlns:r="http://schemas.openxmlformats.org/officeDocument/2006/relationships" xmlns:mc="http://schemas.openxmlformats.org/markup-compatibility/2006" xmlns:mv="urn:schemas-microsoft-com:mac:vml" xmlns:p="http://schemas.openxmlformats.org/presentationml/2006/main" xmlns:c="http://schemas.openxmlformats.org/drawingml/2006/chart" xmlns:dgm="http://schemas.openxmlformats.org/drawingml/2006/diagram" xmlns:o="urn:schemas-microsoft-com:office:office" xmlns:v="urn:schemas-microsoft-com:vml" xmlns:pvml="urn:schemas-microsoft-com:office:powerpoint" xmlns:com="http://schemas.openxmlformats.org/drawingml/2006/compatibility" xmlns:p14="http://schemas.microsoft.com/office/powerpoint/2010/main" xmlns:p15="http://schemas.microsoft.com/office/powerpoint/2012/main" xmlns:ahyp="http://schemas.microsoft.com/office/drawing/2018/hyperlinkcolor">
+<p:sld xmlns:a="http://schemas.openxmlformats.org/drawingml/2006/main" xmlns:r="http://schemas.openxmlformats.org/officeDocument/2006/relationships" xmlns:p="http://schemas.openxmlformats.org/presentationml/2006/main">
   <p:cSld>
     <p:spTree>
       <p:nvGrpSpPr>
-        <p:cNvPr id="143" name="Shape 143"/>
+        <p:cNvPr id="1" name="Shape 143"/>
         <p:cNvGrpSpPr/>
         <p:nvPr/>
       </p:nvGrpSpPr>
@@ -8091,7 +8309,9 @@
       <p:sp>
         <p:nvSpPr>
           <p:cNvPr id="144" name="Google Shape;144;p23"/>
-          <p:cNvSpPr txBox="1"/>
+          <p:cNvSpPr txBox="1">
+            <a:spLocks noGrp="1"/>
+          </p:cNvSpPr>
           <p:nvPr>
             <p:ph type="title"/>
           </p:nvPr>
@@ -8106,12 +8326,12 @@
           </a:prstGeom>
         </p:spPr>
         <p:txBody>
-          <a:bodyPr anchorCtr="0" anchor="b" bIns="91425" lIns="91425" spcFirstLastPara="1" rIns="91425" wrap="square" tIns="91425">
+          <a:bodyPr spcFirstLastPara="1" wrap="square" lIns="91425" tIns="91425" rIns="91425" bIns="91425" anchor="b" anchorCtr="0">
             <a:normAutofit/>
           </a:bodyPr>
           <a:lstStyle/>
           <a:p>
-            <a:pPr indent="0" lvl="0" marL="0" rtl="0" algn="l">
+            <a:pPr marL="0" lvl="0" indent="0" algn="l" rtl="0">
               <a:spcBef>
                 <a:spcPts val="0"/>
               </a:spcBef>
@@ -8131,9 +8351,11 @@
       <p:sp>
         <p:nvSpPr>
           <p:cNvPr id="145" name="Google Shape;145;p23"/>
-          <p:cNvSpPr txBox="1"/>
+          <p:cNvSpPr txBox="1">
+            <a:spLocks noGrp="1"/>
+          </p:cNvSpPr>
           <p:nvPr>
-            <p:ph idx="1" type="body"/>
+            <p:ph type="body" idx="1"/>
           </p:nvPr>
         </p:nvSpPr>
         <p:spPr>
@@ -8146,12 +8368,12 @@
           </a:prstGeom>
         </p:spPr>
         <p:txBody>
-          <a:bodyPr anchorCtr="0" anchor="t" bIns="91425" lIns="91425" spcFirstLastPara="1" rIns="91425" wrap="square" tIns="91425">
+          <a:bodyPr spcFirstLastPara="1" wrap="square" lIns="91425" tIns="91425" rIns="91425" bIns="91425" anchor="t" anchorCtr="0">
             <a:normAutofit/>
           </a:bodyPr>
           <a:lstStyle/>
           <a:p>
-            <a:pPr indent="-342900" lvl="0" marL="457200" rtl="0" algn="l">
+            <a:pPr marL="457200" lvl="0" indent="-342900" algn="l" rtl="0">
               <a:spcBef>
                 <a:spcPts val="0"/>
               </a:spcBef>
@@ -8180,7 +8402,7 @@
             </a:endParaRPr>
           </a:p>
           <a:p>
-            <a:pPr indent="-342900" lvl="0" marL="457200" rtl="0" algn="l">
+            <a:pPr marL="457200" lvl="0" indent="-342900" algn="l" rtl="0">
               <a:spcBef>
                 <a:spcPts val="0"/>
               </a:spcBef>
@@ -8221,7 +8443,7 @@
             </a:endParaRPr>
           </a:p>
           <a:p>
-            <a:pPr indent="-349250" lvl="0" marL="457200" rtl="0" algn="l">
+            <a:pPr marL="457200" lvl="0" indent="-349250" algn="l" rtl="0">
               <a:lnSpc>
                 <a:spcPct val="105000"/>
               </a:lnSpc>
@@ -8241,7 +8463,7 @@
             <a:endParaRPr sz="1900"/>
           </a:p>
           <a:p>
-            <a:pPr indent="-349250" lvl="0" marL="457200" rtl="0" algn="l">
+            <a:pPr marL="457200" lvl="0" indent="-349250" algn="l" rtl="0">
               <a:lnSpc>
                 <a:spcPct val="105000"/>
               </a:lnSpc>
@@ -8314,12 +8536,12 @@
           </a:ln>
         </p:spPr>
         <p:txBody>
-          <a:bodyPr anchorCtr="0" anchor="t" bIns="91425" lIns="91425" spcFirstLastPara="1" rIns="91425" wrap="square" tIns="91425">
+          <a:bodyPr spcFirstLastPara="1" wrap="square" lIns="91425" tIns="91425" rIns="91425" bIns="91425" anchor="t" anchorCtr="0">
             <a:spAutoFit/>
           </a:bodyPr>
           <a:lstStyle/>
           <a:p>
-            <a:pPr indent="0" lvl="0" marL="0" rtl="0" algn="l">
+            <a:pPr marL="0" lvl="0" indent="0" algn="l" rtl="0">
               <a:spcBef>
                 <a:spcPts val="0"/>
               </a:spcBef>
@@ -8353,11 +8575,11 @@
 </file>
 
 <file path=ppt/slides/slide12.xml><?xml version="1.0" encoding="utf-8"?>
-<p:sld xmlns:a="http://schemas.openxmlformats.org/drawingml/2006/main" xmlns:r="http://schemas.openxmlformats.org/officeDocument/2006/relationships" xmlns:mc="http://schemas.openxmlformats.org/markup-compatibility/2006" xmlns:mv="urn:schemas-microsoft-com:mac:vml" xmlns:p="http://schemas.openxmlformats.org/presentationml/2006/main" xmlns:c="http://schemas.openxmlformats.org/drawingml/2006/chart" xmlns:dgm="http://schemas.openxmlformats.org/drawingml/2006/diagram" xmlns:o="urn:schemas-microsoft-com:office:office" xmlns:v="urn:schemas-microsoft-com:vml" xmlns:pvml="urn:schemas-microsoft-com:office:powerpoint" xmlns:com="http://schemas.openxmlformats.org/drawingml/2006/compatibility" xmlns:p14="http://schemas.microsoft.com/office/powerpoint/2010/main" xmlns:p15="http://schemas.microsoft.com/office/powerpoint/2012/main" xmlns:ahyp="http://schemas.microsoft.com/office/drawing/2018/hyperlinkcolor">
+<p:sld xmlns:a="http://schemas.openxmlformats.org/drawingml/2006/main" xmlns:r="http://schemas.openxmlformats.org/officeDocument/2006/relationships" xmlns:p="http://schemas.openxmlformats.org/presentationml/2006/main">
   <p:cSld>
     <p:spTree>
       <p:nvGrpSpPr>
-        <p:cNvPr id="151" name="Shape 151"/>
+        <p:cNvPr id="1" name="Shape 151"/>
         <p:cNvGrpSpPr/>
         <p:nvPr/>
       </p:nvGrpSpPr>
@@ -8372,7 +8594,9 @@
       <p:sp>
         <p:nvSpPr>
           <p:cNvPr id="152" name="Google Shape;152;p24"/>
-          <p:cNvSpPr txBox="1"/>
+          <p:cNvSpPr txBox="1">
+            <a:spLocks noGrp="1"/>
+          </p:cNvSpPr>
           <p:nvPr>
             <p:ph type="title"/>
           </p:nvPr>
@@ -8387,12 +8611,12 @@
           </a:prstGeom>
         </p:spPr>
         <p:txBody>
-          <a:bodyPr anchorCtr="0" anchor="b" bIns="91425" lIns="91425" spcFirstLastPara="1" rIns="91425" wrap="square" tIns="91425">
+          <a:bodyPr spcFirstLastPara="1" wrap="square" lIns="91425" tIns="91425" rIns="91425" bIns="91425" anchor="b" anchorCtr="0">
             <a:normAutofit fontScale="90000"/>
           </a:bodyPr>
           <a:lstStyle/>
           <a:p>
-            <a:pPr indent="0" lvl="0" marL="0" rtl="0" algn="l">
+            <a:pPr marL="0" lvl="0" indent="0" algn="l" rtl="0">
               <a:spcBef>
                 <a:spcPts val="0"/>
               </a:spcBef>
@@ -8412,9 +8636,11 @@
       <p:sp>
         <p:nvSpPr>
           <p:cNvPr id="153" name="Google Shape;153;p24"/>
-          <p:cNvSpPr txBox="1"/>
+          <p:cNvSpPr txBox="1">
+            <a:spLocks noGrp="1"/>
+          </p:cNvSpPr>
           <p:nvPr>
-            <p:ph idx="1" type="body"/>
+            <p:ph type="body" idx="1"/>
           </p:nvPr>
         </p:nvSpPr>
         <p:spPr>
@@ -8427,12 +8653,12 @@
           </a:prstGeom>
         </p:spPr>
         <p:txBody>
-          <a:bodyPr anchorCtr="0" anchor="t" bIns="91425" lIns="91425" spcFirstLastPara="1" rIns="91425" wrap="square" tIns="91425">
+          <a:bodyPr spcFirstLastPara="1" wrap="square" lIns="91425" tIns="91425" rIns="91425" bIns="91425" anchor="t" anchorCtr="0">
             <a:normAutofit/>
           </a:bodyPr>
           <a:lstStyle/>
           <a:p>
-            <a:pPr indent="-342900" lvl="0" marL="457200" rtl="0" algn="l">
+            <a:pPr marL="457200" lvl="0" indent="-342900" algn="l" rtl="0">
               <a:lnSpc>
                 <a:spcPct val="105000"/>
               </a:lnSpc>
@@ -8464,7 +8690,7 @@
             </a:endParaRPr>
           </a:p>
           <a:p>
-            <a:pPr indent="-342900" lvl="0" marL="457200" rtl="0" algn="l">
+            <a:pPr marL="457200" lvl="0" indent="-342900" algn="l" rtl="0">
               <a:lnSpc>
                 <a:spcPct val="105000"/>
               </a:lnSpc>
@@ -8496,7 +8722,7 @@
             </a:endParaRPr>
           </a:p>
           <a:p>
-            <a:pPr indent="-342900" lvl="0" marL="457200" rtl="0" algn="l">
+            <a:pPr marL="457200" lvl="0" indent="-342900" algn="l" rtl="0">
               <a:lnSpc>
                 <a:spcPct val="105000"/>
               </a:lnSpc>
@@ -8528,7 +8754,7 @@
             </a:endParaRPr>
           </a:p>
           <a:p>
-            <a:pPr indent="-342900" lvl="0" marL="457200" rtl="0" algn="l">
+            <a:pPr marL="457200" lvl="0" indent="-342900" algn="l" rtl="0">
               <a:lnSpc>
                 <a:spcPct val="105000"/>
               </a:lnSpc>
@@ -8560,7 +8786,7 @@
             </a:endParaRPr>
           </a:p>
           <a:p>
-            <a:pPr indent="0" lvl="0" marL="457200" rtl="0" algn="l">
+            <a:pPr marL="457200" lvl="0" indent="0" algn="l" rtl="0">
               <a:lnSpc>
                 <a:spcPct val="105000"/>
               </a:lnSpc>
@@ -8572,9 +8798,6 @@
               </a:spcAft>
               <a:buNone/>
             </a:pPr>
-            <a:r>
-              <a:t/>
-            </a:r>
             <a:endParaRPr/>
           </a:p>
         </p:txBody>
@@ -8599,12 +8822,12 @@
           </a:ln>
         </p:spPr>
         <p:txBody>
-          <a:bodyPr anchorCtr="0" anchor="t" bIns="91425" lIns="91425" spcFirstLastPara="1" rIns="91425" wrap="square" tIns="91425">
+          <a:bodyPr spcFirstLastPara="1" wrap="square" lIns="91425" tIns="91425" rIns="91425" bIns="91425" anchor="t" anchorCtr="0">
             <a:spAutoFit/>
           </a:bodyPr>
           <a:lstStyle/>
           <a:p>
-            <a:pPr indent="0" lvl="0" marL="0" rtl="0" algn="l">
+            <a:pPr marL="0" lvl="0" indent="0" algn="l" rtl="0">
               <a:spcBef>
                 <a:spcPts val="0"/>
               </a:spcBef>
@@ -8694,11 +8917,11 @@
 </file>
 
 <file path=ppt/slides/slide13.xml><?xml version="1.0" encoding="utf-8"?>
-<p:sld xmlns:a="http://schemas.openxmlformats.org/drawingml/2006/main" xmlns:r="http://schemas.openxmlformats.org/officeDocument/2006/relationships" xmlns:mc="http://schemas.openxmlformats.org/markup-compatibility/2006" xmlns:mv="urn:schemas-microsoft-com:mac:vml" xmlns:p="http://schemas.openxmlformats.org/presentationml/2006/main" xmlns:c="http://schemas.openxmlformats.org/drawingml/2006/chart" xmlns:dgm="http://schemas.openxmlformats.org/drawingml/2006/diagram" xmlns:o="urn:schemas-microsoft-com:office:office" xmlns:v="urn:schemas-microsoft-com:vml" xmlns:pvml="urn:schemas-microsoft-com:office:powerpoint" xmlns:com="http://schemas.openxmlformats.org/drawingml/2006/compatibility" xmlns:p14="http://schemas.microsoft.com/office/powerpoint/2010/main" xmlns:p15="http://schemas.microsoft.com/office/powerpoint/2012/main" xmlns:ahyp="http://schemas.microsoft.com/office/drawing/2018/hyperlinkcolor">
+<p:sld xmlns:a="http://schemas.openxmlformats.org/drawingml/2006/main" xmlns:r="http://schemas.openxmlformats.org/officeDocument/2006/relationships" xmlns:p="http://schemas.openxmlformats.org/presentationml/2006/main">
   <p:cSld>
     <p:spTree>
       <p:nvGrpSpPr>
-        <p:cNvPr id="160" name="Shape 160"/>
+        <p:cNvPr id="1" name="Shape 160"/>
         <p:cNvGrpSpPr/>
         <p:nvPr/>
       </p:nvGrpSpPr>
@@ -8713,7 +8936,9 @@
       <p:sp>
         <p:nvSpPr>
           <p:cNvPr id="161" name="Google Shape;161;p25"/>
-          <p:cNvSpPr txBox="1"/>
+          <p:cNvSpPr txBox="1">
+            <a:spLocks noGrp="1"/>
+          </p:cNvSpPr>
           <p:nvPr>
             <p:ph type="title"/>
           </p:nvPr>
@@ -8728,12 +8953,12 @@
           </a:prstGeom>
         </p:spPr>
         <p:txBody>
-          <a:bodyPr anchorCtr="0" anchor="b" bIns="91425" lIns="91425" spcFirstLastPara="1" rIns="91425" wrap="square" tIns="91425">
+          <a:bodyPr spcFirstLastPara="1" wrap="square" lIns="91425" tIns="91425" rIns="91425" bIns="91425" anchor="b" anchorCtr="0">
             <a:normAutofit/>
           </a:bodyPr>
           <a:lstStyle/>
           <a:p>
-            <a:pPr indent="0" lvl="0" marL="0" rtl="0" algn="l">
+            <a:pPr marL="0" lvl="0" indent="0" algn="l" rtl="0">
               <a:spcBef>
                 <a:spcPts val="0"/>
               </a:spcBef>
@@ -8753,9 +8978,11 @@
       <p:sp>
         <p:nvSpPr>
           <p:cNvPr id="162" name="Google Shape;162;p25"/>
-          <p:cNvSpPr txBox="1"/>
+          <p:cNvSpPr txBox="1">
+            <a:spLocks noGrp="1"/>
+          </p:cNvSpPr>
           <p:nvPr>
-            <p:ph idx="1" type="body"/>
+            <p:ph type="body" idx="1"/>
           </p:nvPr>
         </p:nvSpPr>
         <p:spPr>
@@ -8768,12 +8995,12 @@
           </a:prstGeom>
         </p:spPr>
         <p:txBody>
-          <a:bodyPr anchorCtr="0" anchor="t" bIns="91425" lIns="91425" spcFirstLastPara="1" rIns="91425" wrap="square" tIns="91425">
+          <a:bodyPr spcFirstLastPara="1" wrap="square" lIns="91425" tIns="91425" rIns="91425" bIns="91425" anchor="t" anchorCtr="0">
             <a:normAutofit lnSpcReduction="10000"/>
           </a:bodyPr>
           <a:lstStyle/>
           <a:p>
-            <a:pPr indent="-349250" lvl="0" marL="457200" rtl="0" algn="l">
+            <a:pPr marL="457200" lvl="0" indent="-349250" algn="l" rtl="0">
               <a:lnSpc>
                 <a:spcPct val="105000"/>
               </a:lnSpc>
@@ -8805,7 +9032,7 @@
             <a:endParaRPr sz="1900"/>
           </a:p>
           <a:p>
-            <a:pPr indent="-349250" lvl="0" marL="457200" rtl="0" algn="l">
+            <a:pPr marL="457200" lvl="0" indent="-349250" algn="l" rtl="0">
               <a:lnSpc>
                 <a:spcPct val="105000"/>
               </a:lnSpc>
@@ -8861,7 +9088,7 @@
             </a:endParaRPr>
           </a:p>
           <a:p>
-            <a:pPr indent="-349250" lvl="0" marL="457200" rtl="0" algn="l">
+            <a:pPr marL="457200" lvl="0" indent="-349250" algn="l" rtl="0">
               <a:lnSpc>
                 <a:spcPct val="105000"/>
               </a:lnSpc>
@@ -8893,7 +9120,7 @@
             <a:endParaRPr sz="1900"/>
           </a:p>
           <a:p>
-            <a:pPr indent="-349250" lvl="0" marL="457200" rtl="0" algn="l">
+            <a:pPr marL="457200" lvl="0" indent="-349250" algn="l" rtl="0">
               <a:lnSpc>
                 <a:spcPct val="105000"/>
               </a:lnSpc>
@@ -8949,7 +9176,7 @@
             </a:endParaRPr>
           </a:p>
           <a:p>
-            <a:pPr indent="-349250" lvl="0" marL="457200" rtl="0" algn="l">
+            <a:pPr marL="457200" lvl="0" indent="-349250" algn="l" rtl="0">
               <a:lnSpc>
                 <a:spcPct val="105000"/>
               </a:lnSpc>
@@ -8969,7 +9196,7 @@
             <a:endParaRPr sz="1900"/>
           </a:p>
           <a:p>
-            <a:pPr indent="-349250" lvl="0" marL="457200" rtl="0" algn="l">
+            <a:pPr marL="457200" lvl="0" indent="-349250" algn="l" rtl="0">
               <a:lnSpc>
                 <a:spcPct val="105000"/>
               </a:lnSpc>
@@ -8989,7 +9216,7 @@
             <a:endParaRPr sz="1900"/>
           </a:p>
           <a:p>
-            <a:pPr indent="0" lvl="0" marL="457200" rtl="0" algn="l">
+            <a:pPr marL="457200" lvl="0" indent="0" algn="l" rtl="0">
               <a:lnSpc>
                 <a:spcPct val="105000"/>
               </a:lnSpc>
@@ -9001,9 +9228,6 @@
               </a:spcAft>
               <a:buNone/>
             </a:pPr>
-            <a:r>
-              <a:t/>
-            </a:r>
             <a:endParaRPr sz="1900">
               <a:solidFill>
                 <a:srgbClr val="B7B7B7"/>
@@ -9060,12 +9284,12 @@
           </a:ln>
         </p:spPr>
         <p:txBody>
-          <a:bodyPr anchorCtr="0" anchor="t" bIns="91425" lIns="91425" spcFirstLastPara="1" rIns="91425" wrap="square" tIns="91425">
+          <a:bodyPr spcFirstLastPara="1" wrap="square" lIns="91425" tIns="91425" rIns="91425" bIns="91425" anchor="t" anchorCtr="0">
             <a:spAutoFit/>
           </a:bodyPr>
           <a:lstStyle/>
           <a:p>
-            <a:pPr indent="0" lvl="0" marL="0" rtl="0" algn="l">
+            <a:pPr marL="0" lvl="0" indent="0" algn="l" rtl="0">
               <a:spcBef>
                 <a:spcPts val="0"/>
               </a:spcBef>
@@ -9099,11 +9323,11 @@
 </file>
 
 <file path=ppt/slides/slide14.xml><?xml version="1.0" encoding="utf-8"?>
-<p:sld xmlns:a="http://schemas.openxmlformats.org/drawingml/2006/main" xmlns:r="http://schemas.openxmlformats.org/officeDocument/2006/relationships" xmlns:mc="http://schemas.openxmlformats.org/markup-compatibility/2006" xmlns:mv="urn:schemas-microsoft-com:mac:vml" xmlns:p="http://schemas.openxmlformats.org/presentationml/2006/main" xmlns:c="http://schemas.openxmlformats.org/drawingml/2006/chart" xmlns:dgm="http://schemas.openxmlformats.org/drawingml/2006/diagram" xmlns:o="urn:schemas-microsoft-com:office:office" xmlns:v="urn:schemas-microsoft-com:vml" xmlns:pvml="urn:schemas-microsoft-com:office:powerpoint" xmlns:com="http://schemas.openxmlformats.org/drawingml/2006/compatibility" xmlns:p14="http://schemas.microsoft.com/office/powerpoint/2010/main" xmlns:p15="http://schemas.microsoft.com/office/powerpoint/2012/main" xmlns:ahyp="http://schemas.microsoft.com/office/drawing/2018/hyperlinkcolor">
+<p:sld xmlns:a="http://schemas.openxmlformats.org/drawingml/2006/main" xmlns:r="http://schemas.openxmlformats.org/officeDocument/2006/relationships" xmlns:p="http://schemas.openxmlformats.org/presentationml/2006/main">
   <p:cSld>
     <p:spTree>
       <p:nvGrpSpPr>
-        <p:cNvPr id="168" name="Shape 168"/>
+        <p:cNvPr id="1" name="Shape 168"/>
         <p:cNvGrpSpPr/>
         <p:nvPr/>
       </p:nvGrpSpPr>
@@ -9118,7 +9342,9 @@
       <p:sp>
         <p:nvSpPr>
           <p:cNvPr id="169" name="Google Shape;169;p26"/>
-          <p:cNvSpPr txBox="1"/>
+          <p:cNvSpPr txBox="1">
+            <a:spLocks noGrp="1"/>
+          </p:cNvSpPr>
           <p:nvPr>
             <p:ph type="title"/>
           </p:nvPr>
@@ -9133,12 +9359,12 @@
           </a:prstGeom>
         </p:spPr>
         <p:txBody>
-          <a:bodyPr anchorCtr="0" anchor="b" bIns="91425" lIns="91425" spcFirstLastPara="1" rIns="91425" wrap="square" tIns="91425">
+          <a:bodyPr spcFirstLastPara="1" wrap="square" lIns="91425" tIns="91425" rIns="91425" bIns="91425" anchor="b" anchorCtr="0">
             <a:normAutofit/>
           </a:bodyPr>
           <a:lstStyle/>
           <a:p>
-            <a:pPr indent="0" lvl="0" marL="0" rtl="0" algn="l">
+            <a:pPr marL="0" lvl="0" indent="0" algn="l" rtl="0">
               <a:spcBef>
                 <a:spcPts val="0"/>
               </a:spcBef>
@@ -9158,9 +9384,11 @@
       <p:sp>
         <p:nvSpPr>
           <p:cNvPr id="170" name="Google Shape;170;p26"/>
-          <p:cNvSpPr txBox="1"/>
+          <p:cNvSpPr txBox="1">
+            <a:spLocks noGrp="1"/>
+          </p:cNvSpPr>
           <p:nvPr>
-            <p:ph idx="1" type="body"/>
+            <p:ph type="body" idx="1"/>
           </p:nvPr>
         </p:nvSpPr>
         <p:spPr>
@@ -9173,12 +9401,12 @@
           </a:prstGeom>
         </p:spPr>
         <p:txBody>
-          <a:bodyPr anchorCtr="0" anchor="t" bIns="91425" lIns="91425" spcFirstLastPara="1" rIns="91425" wrap="square" tIns="91425">
+          <a:bodyPr spcFirstLastPara="1" wrap="square" lIns="91425" tIns="91425" rIns="91425" bIns="91425" anchor="t" anchorCtr="0">
             <a:normAutofit lnSpcReduction="20000"/>
           </a:bodyPr>
           <a:lstStyle/>
           <a:p>
-            <a:pPr indent="-342900" lvl="0" marL="457200" rtl="0" algn="l">
+            <a:pPr marL="457200" lvl="0" indent="-342900" algn="l" rtl="0">
               <a:lnSpc>
                 <a:spcPct val="105000"/>
               </a:lnSpc>
@@ -9210,7 +9438,7 @@
             </a:endParaRPr>
           </a:p>
           <a:p>
-            <a:pPr indent="-342900" lvl="0" marL="457200" rtl="0" algn="l">
+            <a:pPr marL="457200" lvl="0" indent="-342900" algn="l" rtl="0">
               <a:lnSpc>
                 <a:spcPct val="105000"/>
               </a:lnSpc>
@@ -9242,7 +9470,7 @@
             </a:endParaRPr>
           </a:p>
           <a:p>
-            <a:pPr indent="-342900" lvl="0" marL="457200" rtl="0" algn="l">
+            <a:pPr marL="457200" lvl="0" indent="-342900" algn="l" rtl="0">
               <a:lnSpc>
                 <a:spcPct val="105000"/>
               </a:lnSpc>
@@ -9274,7 +9502,7 @@
             </a:endParaRPr>
           </a:p>
           <a:p>
-            <a:pPr indent="0" lvl="0" marL="457200" rtl="0" algn="l">
+            <a:pPr marL="457200" lvl="0" indent="0" algn="l" rtl="0">
               <a:lnSpc>
                 <a:spcPct val="105000"/>
               </a:lnSpc>
@@ -9286,13 +9514,10 @@
               </a:spcAft>
               <a:buNone/>
             </a:pPr>
-            <a:r>
-              <a:t/>
-            </a:r>
             <a:endParaRPr/>
           </a:p>
           <a:p>
-            <a:pPr indent="0" lvl="0" marL="0" rtl="0" algn="l">
+            <a:pPr marL="0" lvl="0" indent="0" algn="l" rtl="0">
               <a:spcBef>
                 <a:spcPts val="1200"/>
               </a:spcBef>
@@ -9301,9 +9526,6 @@
               </a:spcAft>
               <a:buNone/>
             </a:pPr>
-            <a:r>
-              <a:t/>
-            </a:r>
             <a:endParaRPr/>
           </a:p>
         </p:txBody>
@@ -9328,12 +9550,12 @@
           </a:ln>
         </p:spPr>
         <p:txBody>
-          <a:bodyPr anchorCtr="0" anchor="t" bIns="91425" lIns="91425" spcFirstLastPara="1" rIns="91425" wrap="square" tIns="91425">
+          <a:bodyPr spcFirstLastPara="1" wrap="square" lIns="91425" tIns="91425" rIns="91425" bIns="91425" anchor="t" anchorCtr="0">
             <a:spAutoFit/>
           </a:bodyPr>
           <a:lstStyle/>
           <a:p>
-            <a:pPr indent="0" lvl="0" marL="0" rtl="0" algn="l">
+            <a:pPr marL="0" lvl="0" indent="0" algn="l" rtl="0">
               <a:spcBef>
                 <a:spcPts val="0"/>
               </a:spcBef>
@@ -9352,19 +9574,7 @@
                 <a:cs typeface="Roboto"/>
                 <a:sym typeface="Roboto"/>
               </a:rPr>
-              <a:t>Figure 13: SVM RBF</a:t>
-            </a:r>
-            <a:r>
-              <a:rPr lang="en">
-                <a:solidFill>
-                  <a:srgbClr val="FFFFFF"/>
-                </a:solidFill>
-                <a:latin typeface="Roboto"/>
-                <a:ea typeface="Roboto"/>
-                <a:cs typeface="Roboto"/>
-                <a:sym typeface="Roboto"/>
-              </a:rPr>
-              <a:t> Kernel Visualization </a:t>
+              <a:t>Figure 13: SVM RBF Kernel Visualization </a:t>
             </a:r>
             <a:endParaRPr>
               <a:solidFill>
@@ -9415,11 +9625,11 @@
 </file>
 
 <file path=ppt/slides/slide15.xml><?xml version="1.0" encoding="utf-8"?>
-<p:sld xmlns:a="http://schemas.openxmlformats.org/drawingml/2006/main" xmlns:r="http://schemas.openxmlformats.org/officeDocument/2006/relationships" xmlns:mc="http://schemas.openxmlformats.org/markup-compatibility/2006" xmlns:mv="urn:schemas-microsoft-com:mac:vml" xmlns:p="http://schemas.openxmlformats.org/presentationml/2006/main" xmlns:c="http://schemas.openxmlformats.org/drawingml/2006/chart" xmlns:dgm="http://schemas.openxmlformats.org/drawingml/2006/diagram" xmlns:o="urn:schemas-microsoft-com:office:office" xmlns:v="urn:schemas-microsoft-com:vml" xmlns:pvml="urn:schemas-microsoft-com:office:powerpoint" xmlns:com="http://schemas.openxmlformats.org/drawingml/2006/compatibility" xmlns:p14="http://schemas.microsoft.com/office/powerpoint/2010/main" xmlns:p15="http://schemas.microsoft.com/office/powerpoint/2012/main" xmlns:ahyp="http://schemas.microsoft.com/office/drawing/2018/hyperlinkcolor">
+<p:sld xmlns:a="http://schemas.openxmlformats.org/drawingml/2006/main" xmlns:r="http://schemas.openxmlformats.org/officeDocument/2006/relationships" xmlns:p="http://schemas.openxmlformats.org/presentationml/2006/main">
   <p:cSld>
     <p:spTree>
       <p:nvGrpSpPr>
-        <p:cNvPr id="176" name="Shape 176"/>
+        <p:cNvPr id="1" name="Shape 176"/>
         <p:cNvGrpSpPr/>
         <p:nvPr/>
       </p:nvGrpSpPr>
@@ -9434,7 +9644,9 @@
       <p:sp>
         <p:nvSpPr>
           <p:cNvPr id="177" name="Google Shape;177;p27"/>
-          <p:cNvSpPr txBox="1"/>
+          <p:cNvSpPr txBox="1">
+            <a:spLocks noGrp="1"/>
+          </p:cNvSpPr>
           <p:nvPr>
             <p:ph type="title"/>
           </p:nvPr>
@@ -9449,12 +9661,12 @@
           </a:prstGeom>
         </p:spPr>
         <p:txBody>
-          <a:bodyPr anchorCtr="0" anchor="b" bIns="91425" lIns="91425" spcFirstLastPara="1" rIns="91425" wrap="square" tIns="91425">
+          <a:bodyPr spcFirstLastPara="1" wrap="square" lIns="91425" tIns="91425" rIns="91425" bIns="91425" anchor="b" anchorCtr="0">
             <a:normAutofit/>
           </a:bodyPr>
           <a:lstStyle/>
           <a:p>
-            <a:pPr indent="0" lvl="0" marL="0" rtl="0" algn="l">
+            <a:pPr marL="0" lvl="0" indent="0" algn="l" rtl="0">
               <a:spcBef>
                 <a:spcPts val="0"/>
               </a:spcBef>
@@ -9474,9 +9686,11 @@
       <p:sp>
         <p:nvSpPr>
           <p:cNvPr id="178" name="Google Shape;178;p27"/>
-          <p:cNvSpPr txBox="1"/>
+          <p:cNvSpPr txBox="1">
+            <a:spLocks noGrp="1"/>
+          </p:cNvSpPr>
           <p:nvPr>
-            <p:ph idx="1" type="body"/>
+            <p:ph type="body" idx="1"/>
           </p:nvPr>
         </p:nvSpPr>
         <p:spPr>
@@ -9489,12 +9703,12 @@
           </a:prstGeom>
         </p:spPr>
         <p:txBody>
-          <a:bodyPr anchorCtr="0" anchor="t" bIns="91425" lIns="91425" spcFirstLastPara="1" rIns="91425" wrap="square" tIns="91425">
+          <a:bodyPr spcFirstLastPara="1" wrap="square" lIns="91425" tIns="91425" rIns="91425" bIns="91425" anchor="t" anchorCtr="0">
             <a:normAutofit/>
           </a:bodyPr>
           <a:lstStyle/>
           <a:p>
-            <a:pPr indent="-342900" lvl="0" marL="457200" rtl="0" algn="l">
+            <a:pPr marL="457200" lvl="0" indent="-342900" algn="l" rtl="0">
               <a:spcBef>
                 <a:spcPts val="0"/>
               </a:spcBef>
@@ -9514,15 +9728,7 @@
                   <a:srgbClr val="B7B7B7"/>
                 </a:solidFill>
               </a:rPr>
-              <a:t>81</a:t>
-            </a:r>
-            <a:r>
-              <a:rPr lang="en">
-                <a:solidFill>
-                  <a:srgbClr val="B7B7B7"/>
-                </a:solidFill>
-              </a:rPr>
-              <a:t>.5%</a:t>
+              <a:t>81.5%</a:t>
             </a:r>
             <a:endParaRPr>
               <a:solidFill>
@@ -9531,7 +9737,7 @@
             </a:endParaRPr>
           </a:p>
           <a:p>
-            <a:pPr indent="-342900" lvl="0" marL="457200" rtl="0" algn="l">
+            <a:pPr marL="457200" lvl="0" indent="-342900" algn="l" rtl="0">
               <a:spcBef>
                 <a:spcPts val="0"/>
               </a:spcBef>
@@ -9548,7 +9754,7 @@
             <a:endParaRPr/>
           </a:p>
           <a:p>
-            <a:pPr indent="0" lvl="0" marL="0" rtl="0" algn="l">
+            <a:pPr marL="0" lvl="0" indent="0" algn="l" rtl="0">
               <a:spcBef>
                 <a:spcPts val="1200"/>
               </a:spcBef>
@@ -9557,9 +9763,6 @@
               </a:spcAft>
               <a:buNone/>
             </a:pPr>
-            <a:r>
-              <a:t/>
-            </a:r>
             <a:endParaRPr/>
           </a:p>
         </p:txBody>
@@ -9612,12 +9815,12 @@
           </a:ln>
         </p:spPr>
         <p:txBody>
-          <a:bodyPr anchorCtr="0" anchor="t" bIns="91425" lIns="91425" spcFirstLastPara="1" rIns="91425" wrap="square" tIns="91425">
+          <a:bodyPr spcFirstLastPara="1" wrap="square" lIns="91425" tIns="91425" rIns="91425" bIns="91425" anchor="t" anchorCtr="0">
             <a:spAutoFit/>
           </a:bodyPr>
           <a:lstStyle/>
           <a:p>
-            <a:pPr indent="0" lvl="0" marL="0" rtl="0" algn="l">
+            <a:pPr marL="0" lvl="0" indent="0" algn="l" rtl="0">
               <a:spcBef>
                 <a:spcPts val="0"/>
               </a:spcBef>
@@ -9647,11 +9850,11 @@
 </file>
 
 <file path=ppt/slides/slide16.xml><?xml version="1.0" encoding="utf-8"?>
-<p:sld xmlns:a="http://schemas.openxmlformats.org/drawingml/2006/main" xmlns:r="http://schemas.openxmlformats.org/officeDocument/2006/relationships" xmlns:mc="http://schemas.openxmlformats.org/markup-compatibility/2006" xmlns:mv="urn:schemas-microsoft-com:mac:vml" xmlns:p="http://schemas.openxmlformats.org/presentationml/2006/main" xmlns:c="http://schemas.openxmlformats.org/drawingml/2006/chart" xmlns:dgm="http://schemas.openxmlformats.org/drawingml/2006/diagram" xmlns:o="urn:schemas-microsoft-com:office:office" xmlns:v="urn:schemas-microsoft-com:vml" xmlns:pvml="urn:schemas-microsoft-com:office:powerpoint" xmlns:com="http://schemas.openxmlformats.org/drawingml/2006/compatibility" xmlns:p14="http://schemas.microsoft.com/office/powerpoint/2010/main" xmlns:p15="http://schemas.microsoft.com/office/powerpoint/2012/main" xmlns:ahyp="http://schemas.microsoft.com/office/drawing/2018/hyperlinkcolor">
+<p:sld xmlns:a="http://schemas.openxmlformats.org/drawingml/2006/main" xmlns:r="http://schemas.openxmlformats.org/officeDocument/2006/relationships" xmlns:p="http://schemas.openxmlformats.org/presentationml/2006/main">
   <p:cSld>
     <p:spTree>
       <p:nvGrpSpPr>
-        <p:cNvPr id="184" name="Shape 184"/>
+        <p:cNvPr id="1" name="Shape 184"/>
         <p:cNvGrpSpPr/>
         <p:nvPr/>
       </p:nvGrpSpPr>
@@ -9666,7 +9869,9 @@
       <p:sp>
         <p:nvSpPr>
           <p:cNvPr id="185" name="Google Shape;185;p28"/>
-          <p:cNvSpPr txBox="1"/>
+          <p:cNvSpPr txBox="1">
+            <a:spLocks noGrp="1"/>
+          </p:cNvSpPr>
           <p:nvPr>
             <p:ph type="title"/>
           </p:nvPr>
@@ -9681,12 +9886,12 @@
           </a:prstGeom>
         </p:spPr>
         <p:txBody>
-          <a:bodyPr anchorCtr="0" anchor="b" bIns="91425" lIns="91425" spcFirstLastPara="1" rIns="91425" wrap="square" tIns="91425">
+          <a:bodyPr spcFirstLastPara="1" wrap="square" lIns="91425" tIns="91425" rIns="91425" bIns="91425" anchor="b" anchorCtr="0">
             <a:normAutofit/>
           </a:bodyPr>
           <a:lstStyle/>
           <a:p>
-            <a:pPr indent="0" lvl="0" marL="0" rtl="0" algn="l">
+            <a:pPr marL="0" lvl="0" indent="0" algn="l" rtl="0">
               <a:spcBef>
                 <a:spcPts val="0"/>
               </a:spcBef>
@@ -9706,9 +9911,11 @@
       <p:sp>
         <p:nvSpPr>
           <p:cNvPr id="186" name="Google Shape;186;p28"/>
-          <p:cNvSpPr txBox="1"/>
+          <p:cNvSpPr txBox="1">
+            <a:spLocks noGrp="1"/>
+          </p:cNvSpPr>
           <p:nvPr>
-            <p:ph idx="1" type="body"/>
+            <p:ph type="body" idx="1"/>
           </p:nvPr>
         </p:nvSpPr>
         <p:spPr>
@@ -9721,12 +9928,12 @@
           </a:prstGeom>
         </p:spPr>
         <p:txBody>
-          <a:bodyPr anchorCtr="0" anchor="t" bIns="91425" lIns="91425" spcFirstLastPara="1" rIns="91425" wrap="square" tIns="91425">
+          <a:bodyPr spcFirstLastPara="1" wrap="square" lIns="91425" tIns="91425" rIns="91425" bIns="91425" anchor="t" anchorCtr="0">
             <a:normAutofit lnSpcReduction="20000"/>
           </a:bodyPr>
           <a:lstStyle/>
           <a:p>
-            <a:pPr indent="-342900" lvl="0" marL="457200" rtl="0" algn="l">
+            <a:pPr marL="457200" lvl="0" indent="-342900" algn="l" rtl="0">
               <a:spcBef>
                 <a:spcPts val="0"/>
               </a:spcBef>
@@ -9743,7 +9950,7 @@
             <a:endParaRPr/>
           </a:p>
           <a:p>
-            <a:pPr indent="-317500" lvl="1" marL="914400" rtl="0" algn="l">
+            <a:pPr marL="914400" lvl="1" indent="-317500" algn="l" rtl="0">
               <a:spcBef>
                 <a:spcPts val="0"/>
               </a:spcBef>
@@ -9760,7 +9967,7 @@
             <a:endParaRPr/>
           </a:p>
           <a:p>
-            <a:pPr indent="-342900" lvl="0" marL="457200" rtl="0" algn="l">
+            <a:pPr marL="457200" lvl="0" indent="-342900" algn="l" rtl="0">
               <a:spcBef>
                 <a:spcPts val="0"/>
               </a:spcBef>
@@ -9777,7 +9984,7 @@
             <a:endParaRPr/>
           </a:p>
           <a:p>
-            <a:pPr indent="-317500" lvl="1" marL="914400" rtl="0" algn="l">
+            <a:pPr marL="914400" lvl="1" indent="-317500" algn="l" rtl="0">
               <a:spcBef>
                 <a:spcPts val="0"/>
               </a:spcBef>
@@ -9794,7 +10001,7 @@
             <a:endParaRPr/>
           </a:p>
           <a:p>
-            <a:pPr indent="-317500" lvl="1" marL="914400" rtl="0" algn="l">
+            <a:pPr marL="914400" lvl="1" indent="-317500" algn="l" rtl="0">
               <a:spcBef>
                 <a:spcPts val="0"/>
               </a:spcBef>
@@ -9811,7 +10018,7 @@
             <a:endParaRPr/>
           </a:p>
           <a:p>
-            <a:pPr indent="-317500" lvl="1" marL="914400" rtl="0" algn="l">
+            <a:pPr marL="914400" lvl="1" indent="-317500" algn="l" rtl="0">
               <a:spcBef>
                 <a:spcPts val="0"/>
               </a:spcBef>
@@ -9828,7 +10035,7 @@
             <a:endParaRPr/>
           </a:p>
           <a:p>
-            <a:pPr indent="-342900" lvl="0" marL="457200" rtl="0" algn="l">
+            <a:pPr marL="457200" lvl="0" indent="-342900" algn="l" rtl="0">
               <a:spcBef>
                 <a:spcPts val="0"/>
               </a:spcBef>
@@ -9845,7 +10052,7 @@
             <a:endParaRPr/>
           </a:p>
           <a:p>
-            <a:pPr indent="-317500" lvl="1" marL="914400" rtl="0" algn="l">
+            <a:pPr marL="914400" lvl="1" indent="-317500" algn="l" rtl="0">
               <a:spcBef>
                 <a:spcPts val="0"/>
               </a:spcBef>
@@ -9862,7 +10069,7 @@
             <a:endParaRPr/>
           </a:p>
           <a:p>
-            <a:pPr indent="-317500" lvl="1" marL="914400" rtl="0" algn="l">
+            <a:pPr marL="914400" lvl="1" indent="-317500" algn="l" rtl="0">
               <a:spcBef>
                 <a:spcPts val="0"/>
               </a:spcBef>
@@ -9879,7 +10086,7 @@
             <a:endParaRPr/>
           </a:p>
           <a:p>
-            <a:pPr indent="-317500" lvl="1" marL="914400" rtl="0" algn="l">
+            <a:pPr marL="914400" lvl="1" indent="-317500" algn="l" rtl="0">
               <a:spcBef>
                 <a:spcPts val="0"/>
               </a:spcBef>
@@ -9906,11 +10113,11 @@
 </file>
 
 <file path=ppt/slides/slide17.xml><?xml version="1.0" encoding="utf-8"?>
-<p:sld xmlns:a="http://schemas.openxmlformats.org/drawingml/2006/main" xmlns:r="http://schemas.openxmlformats.org/officeDocument/2006/relationships" xmlns:mc="http://schemas.openxmlformats.org/markup-compatibility/2006" xmlns:mv="urn:schemas-microsoft-com:mac:vml" xmlns:p="http://schemas.openxmlformats.org/presentationml/2006/main" xmlns:c="http://schemas.openxmlformats.org/drawingml/2006/chart" xmlns:dgm="http://schemas.openxmlformats.org/drawingml/2006/diagram" xmlns:o="urn:schemas-microsoft-com:office:office" xmlns:v="urn:schemas-microsoft-com:vml" xmlns:pvml="urn:schemas-microsoft-com:office:powerpoint" xmlns:com="http://schemas.openxmlformats.org/drawingml/2006/compatibility" xmlns:p14="http://schemas.microsoft.com/office/powerpoint/2010/main" xmlns:p15="http://schemas.microsoft.com/office/powerpoint/2012/main" xmlns:ahyp="http://schemas.microsoft.com/office/drawing/2018/hyperlinkcolor">
+<p:sld xmlns:a="http://schemas.openxmlformats.org/drawingml/2006/main" xmlns:r="http://schemas.openxmlformats.org/officeDocument/2006/relationships" xmlns:p="http://schemas.openxmlformats.org/presentationml/2006/main">
   <p:cSld>
     <p:spTree>
       <p:nvGrpSpPr>
-        <p:cNvPr id="190" name="Shape 190"/>
+        <p:cNvPr id="1" name="Shape 190"/>
         <p:cNvGrpSpPr/>
         <p:nvPr/>
       </p:nvGrpSpPr>
@@ -9925,7 +10132,9 @@
       <p:sp>
         <p:nvSpPr>
           <p:cNvPr id="191" name="Google Shape;191;p29"/>
-          <p:cNvSpPr txBox="1"/>
+          <p:cNvSpPr txBox="1">
+            <a:spLocks noGrp="1"/>
+          </p:cNvSpPr>
           <p:nvPr>
             <p:ph type="title"/>
           </p:nvPr>
@@ -9940,12 +10149,12 @@
           </a:prstGeom>
         </p:spPr>
         <p:txBody>
-          <a:bodyPr anchorCtr="0" anchor="b" bIns="91425" lIns="91425" spcFirstLastPara="1" rIns="91425" wrap="square" tIns="91425">
+          <a:bodyPr spcFirstLastPara="1" wrap="square" lIns="91425" tIns="91425" rIns="91425" bIns="91425" anchor="b" anchorCtr="0">
             <a:normAutofit/>
           </a:bodyPr>
           <a:lstStyle/>
           <a:p>
-            <a:pPr indent="0" lvl="0" marL="0" rtl="0" algn="l">
+            <a:pPr marL="0" lvl="0" indent="0" algn="l" rtl="0">
               <a:spcBef>
                 <a:spcPts val="0"/>
               </a:spcBef>
@@ -9965,9 +10174,11 @@
       <p:sp>
         <p:nvSpPr>
           <p:cNvPr id="192" name="Google Shape;192;p29"/>
-          <p:cNvSpPr txBox="1"/>
+          <p:cNvSpPr txBox="1">
+            <a:spLocks noGrp="1"/>
+          </p:cNvSpPr>
           <p:nvPr>
-            <p:ph idx="1" type="body"/>
+            <p:ph type="body" idx="1"/>
           </p:nvPr>
         </p:nvSpPr>
         <p:spPr>
@@ -9980,12 +10191,12 @@
           </a:prstGeom>
         </p:spPr>
         <p:txBody>
-          <a:bodyPr anchorCtr="0" anchor="t" bIns="91425" lIns="91425" spcFirstLastPara="1" rIns="91425" wrap="square" tIns="91425">
+          <a:bodyPr spcFirstLastPara="1" wrap="square" lIns="91425" tIns="91425" rIns="91425" bIns="91425" anchor="t" anchorCtr="0">
             <a:normAutofit/>
           </a:bodyPr>
           <a:lstStyle/>
           <a:p>
-            <a:pPr indent="0" lvl="0" marL="0" rtl="0" algn="l">
+            <a:pPr marL="0" lvl="0" indent="0" algn="l" rtl="0">
               <a:spcBef>
                 <a:spcPts val="0"/>
               </a:spcBef>
@@ -10006,7 +10217,7 @@
                 <a:hlinkClick r:id="rId3">
                   <a:extLst>
                     <a:ext uri="{A12FA001-AC4F-418D-AE19-62706E023703}">
-                      <ahyp:hlinkClr val="tx"/>
+                      <ahyp:hlinkClr xmlns:ahyp="http://schemas.microsoft.com/office/drawing/2018/hyperlinkcolor" val="tx"/>
                     </a:ext>
                   </a:extLst>
                 </a:hlinkClick>
@@ -10024,7 +10235,7 @@
             </a:endParaRPr>
           </a:p>
           <a:p>
-            <a:pPr indent="0" lvl="0" marL="0" rtl="0" algn="l">
+            <a:pPr marL="0" lvl="0" indent="0" algn="l" rtl="0">
               <a:spcBef>
                 <a:spcPts val="1200"/>
               </a:spcBef>
@@ -10045,7 +10256,7 @@
                 <a:hlinkClick r:id="rId4">
                   <a:extLst>
                     <a:ext uri="{A12FA001-AC4F-418D-AE19-62706E023703}">
-                      <ahyp:hlinkClr val="tx"/>
+                      <ahyp:hlinkClr xmlns:ahyp="http://schemas.microsoft.com/office/drawing/2018/hyperlinkcolor" val="tx"/>
                     </a:ext>
                   </a:extLst>
                 </a:hlinkClick>
@@ -10063,7 +10274,7 @@
             </a:endParaRPr>
           </a:p>
           <a:p>
-            <a:pPr indent="0" lvl="0" marL="0" rtl="0" algn="l">
+            <a:pPr marL="0" lvl="0" indent="0" algn="l" rtl="0">
               <a:spcBef>
                 <a:spcPts val="1200"/>
               </a:spcBef>
@@ -10084,7 +10295,7 @@
                 <a:hlinkClick r:id="rId5">
                   <a:extLst>
                     <a:ext uri="{A12FA001-AC4F-418D-AE19-62706E023703}">
-                      <ahyp:hlinkClr val="tx"/>
+                      <ahyp:hlinkClr xmlns:ahyp="http://schemas.microsoft.com/office/drawing/2018/hyperlinkcolor" val="tx"/>
                     </a:ext>
                   </a:extLst>
                 </a:hlinkClick>
@@ -10102,7 +10313,7 @@
             </a:endParaRPr>
           </a:p>
           <a:p>
-            <a:pPr indent="0" lvl="0" marL="0" rtl="0" algn="l">
+            <a:pPr marL="0" lvl="0" indent="0" algn="l" rtl="0">
               <a:spcBef>
                 <a:spcPts val="1200"/>
               </a:spcBef>
@@ -10134,7 +10345,7 @@
             </a:endParaRPr>
           </a:p>
           <a:p>
-            <a:pPr indent="0" lvl="0" marL="0" rtl="0" algn="l">
+            <a:pPr marL="0" lvl="0" indent="0" algn="l" rtl="0">
               <a:spcBef>
                 <a:spcPts val="1200"/>
               </a:spcBef>
@@ -10172,11 +10383,11 @@
 </file>
 
 <file path=ppt/slides/slide2.xml><?xml version="1.0" encoding="utf-8"?>
-<p:sld xmlns:a="http://schemas.openxmlformats.org/drawingml/2006/main" xmlns:r="http://schemas.openxmlformats.org/officeDocument/2006/relationships" xmlns:mc="http://schemas.openxmlformats.org/markup-compatibility/2006" xmlns:mv="urn:schemas-microsoft-com:mac:vml" xmlns:p="http://schemas.openxmlformats.org/presentationml/2006/main" xmlns:c="http://schemas.openxmlformats.org/drawingml/2006/chart" xmlns:dgm="http://schemas.openxmlformats.org/drawingml/2006/diagram" xmlns:o="urn:schemas-microsoft-com:office:office" xmlns:v="urn:schemas-microsoft-com:vml" xmlns:pvml="urn:schemas-microsoft-com:office:powerpoint" xmlns:com="http://schemas.openxmlformats.org/drawingml/2006/compatibility" xmlns:p14="http://schemas.microsoft.com/office/powerpoint/2010/main" xmlns:p15="http://schemas.microsoft.com/office/powerpoint/2012/main" xmlns:ahyp="http://schemas.microsoft.com/office/drawing/2018/hyperlinkcolor">
+<p:sld xmlns:a="http://schemas.openxmlformats.org/drawingml/2006/main" xmlns:r="http://schemas.openxmlformats.org/officeDocument/2006/relationships" xmlns:p="http://schemas.openxmlformats.org/presentationml/2006/main">
   <p:cSld>
     <p:spTree>
       <p:nvGrpSpPr>
-        <p:cNvPr id="68" name="Shape 68"/>
+        <p:cNvPr id="1" name="Shape 68"/>
         <p:cNvGrpSpPr/>
         <p:nvPr/>
       </p:nvGrpSpPr>
@@ -10191,7 +10402,9 @@
       <p:sp>
         <p:nvSpPr>
           <p:cNvPr id="69" name="Google Shape;69;p14"/>
-          <p:cNvSpPr txBox="1"/>
+          <p:cNvSpPr txBox="1">
+            <a:spLocks noGrp="1"/>
+          </p:cNvSpPr>
           <p:nvPr>
             <p:ph type="title"/>
           </p:nvPr>
@@ -10206,12 +10419,12 @@
           </a:prstGeom>
         </p:spPr>
         <p:txBody>
-          <a:bodyPr anchorCtr="0" anchor="b" bIns="91425" lIns="91425" spcFirstLastPara="1" rIns="91425" wrap="square" tIns="91425">
+          <a:bodyPr spcFirstLastPara="1" wrap="square" lIns="91425" tIns="91425" rIns="91425" bIns="91425" anchor="b" anchorCtr="0">
             <a:normAutofit/>
           </a:bodyPr>
           <a:lstStyle/>
           <a:p>
-            <a:pPr indent="0" lvl="0" marL="0" rtl="0" algn="l">
+            <a:pPr marL="0" lvl="0" indent="0" algn="l" rtl="0">
               <a:spcBef>
                 <a:spcPts val="0"/>
               </a:spcBef>
@@ -10231,9 +10444,11 @@
       <p:sp>
         <p:nvSpPr>
           <p:cNvPr id="70" name="Google Shape;70;p14"/>
-          <p:cNvSpPr txBox="1"/>
+          <p:cNvSpPr txBox="1">
+            <a:spLocks noGrp="1"/>
+          </p:cNvSpPr>
           <p:nvPr>
-            <p:ph idx="1" type="body"/>
+            <p:ph type="body" idx="1"/>
           </p:nvPr>
         </p:nvSpPr>
         <p:spPr>
@@ -10246,12 +10461,12 @@
           </a:prstGeom>
         </p:spPr>
         <p:txBody>
-          <a:bodyPr anchorCtr="0" anchor="t" bIns="91425" lIns="91425" spcFirstLastPara="1" rIns="91425" wrap="square" tIns="91425">
+          <a:bodyPr spcFirstLastPara="1" wrap="square" lIns="91425" tIns="91425" rIns="91425" bIns="91425" anchor="t" anchorCtr="0">
             <a:normAutofit/>
           </a:bodyPr>
           <a:lstStyle/>
           <a:p>
-            <a:pPr indent="-342900" lvl="0" marL="457200" rtl="0" algn="just">
+            <a:pPr marL="457200" lvl="0" indent="-342900" algn="just" rtl="0">
               <a:lnSpc>
                 <a:spcPct val="115000"/>
               </a:lnSpc>
@@ -10271,7 +10486,7 @@
             <a:endParaRPr/>
           </a:p>
           <a:p>
-            <a:pPr indent="-342900" lvl="0" marL="457200" rtl="0" algn="just">
+            <a:pPr marL="457200" lvl="0" indent="-342900" algn="just" rtl="0">
               <a:lnSpc>
                 <a:spcPct val="115000"/>
               </a:lnSpc>
@@ -10315,7 +10530,7 @@
             <a:endParaRPr/>
           </a:p>
           <a:p>
-            <a:pPr indent="-342900" lvl="0" marL="457200" rtl="0" algn="just">
+            <a:pPr marL="457200" lvl="0" indent="-342900" algn="just" rtl="0">
               <a:lnSpc>
                 <a:spcPct val="115000"/>
               </a:lnSpc>
@@ -10335,7 +10550,7 @@
             <a:endParaRPr/>
           </a:p>
           <a:p>
-            <a:pPr indent="-342900" lvl="0" marL="457200" rtl="0" algn="just">
+            <a:pPr marL="457200" lvl="0" indent="-342900" algn="just" rtl="0">
               <a:lnSpc>
                 <a:spcPct val="115000"/>
               </a:lnSpc>
@@ -10428,12 +10643,12 @@
           </a:ln>
         </p:spPr>
         <p:txBody>
-          <a:bodyPr anchorCtr="0" anchor="t" bIns="91425" lIns="91425" spcFirstLastPara="1" rIns="91425" wrap="square" tIns="91425">
+          <a:bodyPr spcFirstLastPara="1" wrap="square" lIns="91425" tIns="91425" rIns="91425" bIns="91425" anchor="t" anchorCtr="0">
             <a:spAutoFit/>
           </a:bodyPr>
           <a:lstStyle/>
           <a:p>
-            <a:pPr indent="0" lvl="0" marL="0" rtl="0" algn="l">
+            <a:pPr marL="0" lvl="0" indent="0" algn="l" rtl="0">
               <a:spcBef>
                 <a:spcPts val="0"/>
               </a:spcBef>
@@ -10467,11 +10682,11 @@
 </file>
 
 <file path=ppt/slides/slide3.xml><?xml version="1.0" encoding="utf-8"?>
-<p:sld xmlns:a="http://schemas.openxmlformats.org/drawingml/2006/main" xmlns:r="http://schemas.openxmlformats.org/officeDocument/2006/relationships" xmlns:mc="http://schemas.openxmlformats.org/markup-compatibility/2006" xmlns:mv="urn:schemas-microsoft-com:mac:vml" xmlns:p="http://schemas.openxmlformats.org/presentationml/2006/main" xmlns:c="http://schemas.openxmlformats.org/drawingml/2006/chart" xmlns:dgm="http://schemas.openxmlformats.org/drawingml/2006/diagram" xmlns:o="urn:schemas-microsoft-com:office:office" xmlns:v="urn:schemas-microsoft-com:vml" xmlns:pvml="urn:schemas-microsoft-com:office:powerpoint" xmlns:com="http://schemas.openxmlformats.org/drawingml/2006/compatibility" xmlns:p14="http://schemas.microsoft.com/office/powerpoint/2010/main" xmlns:p15="http://schemas.microsoft.com/office/powerpoint/2012/main" xmlns:ahyp="http://schemas.microsoft.com/office/drawing/2018/hyperlinkcolor">
+<p:sld xmlns:a="http://schemas.openxmlformats.org/drawingml/2006/main" xmlns:r="http://schemas.openxmlformats.org/officeDocument/2006/relationships" xmlns:p="http://schemas.openxmlformats.org/presentationml/2006/main">
   <p:cSld>
     <p:spTree>
       <p:nvGrpSpPr>
-        <p:cNvPr id="76" name="Shape 76"/>
+        <p:cNvPr id="1" name="Shape 76"/>
         <p:cNvGrpSpPr/>
         <p:nvPr/>
       </p:nvGrpSpPr>
@@ -10486,7 +10701,9 @@
       <p:sp>
         <p:nvSpPr>
           <p:cNvPr id="77" name="Google Shape;77;p15"/>
-          <p:cNvSpPr txBox="1"/>
+          <p:cNvSpPr txBox="1">
+            <a:spLocks noGrp="1"/>
+          </p:cNvSpPr>
           <p:nvPr>
             <p:ph type="title"/>
           </p:nvPr>
@@ -10501,12 +10718,12 @@
           </a:prstGeom>
         </p:spPr>
         <p:txBody>
-          <a:bodyPr anchorCtr="0" anchor="b" bIns="91425" lIns="91425" spcFirstLastPara="1" rIns="91425" wrap="square" tIns="91425">
+          <a:bodyPr spcFirstLastPara="1" wrap="square" lIns="91425" tIns="91425" rIns="91425" bIns="91425" anchor="b" anchorCtr="0">
             <a:normAutofit/>
           </a:bodyPr>
           <a:lstStyle/>
           <a:p>
-            <a:pPr indent="0" lvl="0" marL="0" rtl="0" algn="l">
+            <a:pPr marL="0" lvl="0" indent="0" algn="l" rtl="0">
               <a:spcBef>
                 <a:spcPts val="0"/>
               </a:spcBef>
@@ -10599,23 +10816,20 @@
           </a:ln>
         </p:spPr>
         <p:txBody>
-          <a:bodyPr anchorCtr="0" anchor="t" bIns="91425" lIns="91425" spcFirstLastPara="1" rIns="91425" wrap="square" tIns="91425">
+          <a:bodyPr spcFirstLastPara="1" wrap="square" lIns="91425" tIns="91425" rIns="91425" bIns="91425" anchor="t" anchorCtr="0">
             <a:spAutoFit/>
           </a:bodyPr>
           <a:lstStyle/>
           <a:p>
-            <a:pPr indent="0" lvl="0" marL="0" rtl="0" algn="l">
-              <a:spcBef>
-                <a:spcPts val="0"/>
-              </a:spcBef>
-              <a:spcAft>
-                <a:spcPts val="0"/>
-              </a:spcAft>
-              <a:buNone/>
-            </a:pPr>
-            <a:r>
-              <a:t/>
-            </a:r>
+            <a:pPr marL="0" lvl="0" indent="0" algn="l" rtl="0">
+              <a:spcBef>
+                <a:spcPts val="0"/>
+              </a:spcBef>
+              <a:spcAft>
+                <a:spcPts val="0"/>
+              </a:spcAft>
+              <a:buNone/>
+            </a:pPr>
             <a:endParaRPr>
               <a:solidFill>
                 <a:schemeClr val="dk1"/>
@@ -10623,7 +10837,7 @@
             </a:endParaRPr>
           </a:p>
           <a:p>
-            <a:pPr indent="0" lvl="0" marL="0" rtl="0" algn="l">
+            <a:pPr marL="0" lvl="0" indent="0" algn="l" rtl="0">
               <a:spcBef>
                 <a:spcPts val="0"/>
               </a:spcBef>
@@ -10647,7 +10861,7 @@
             </a:endParaRPr>
           </a:p>
           <a:p>
-            <a:pPr indent="0" lvl="0" marL="0" rtl="0" algn="l">
+            <a:pPr marL="0" lvl="0" indent="0" algn="l" rtl="0">
               <a:spcBef>
                 <a:spcPts val="0"/>
               </a:spcBef>
@@ -10692,12 +10906,12 @@
           </a:ln>
         </p:spPr>
         <p:txBody>
-          <a:bodyPr anchorCtr="0" anchor="t" bIns="91425" lIns="91425" spcFirstLastPara="1" rIns="91425" wrap="square" tIns="91425">
+          <a:bodyPr spcFirstLastPara="1" wrap="square" lIns="91425" tIns="91425" rIns="91425" bIns="91425" anchor="t" anchorCtr="0">
             <a:spAutoFit/>
           </a:bodyPr>
           <a:lstStyle/>
           <a:p>
-            <a:pPr indent="-342900" lvl="0" marL="457200" rtl="0" algn="l">
+            <a:pPr marL="457200" lvl="0" indent="-342900" algn="l" rtl="0">
               <a:spcBef>
                 <a:spcPts val="0"/>
               </a:spcBef>
@@ -10734,7 +10948,7 @@
             </a:endParaRPr>
           </a:p>
           <a:p>
-            <a:pPr indent="-342900" lvl="0" marL="457200" rtl="0" algn="l">
+            <a:pPr marL="457200" lvl="0" indent="-342900" algn="l" rtl="0">
               <a:spcBef>
                 <a:spcPts val="0"/>
               </a:spcBef>
@@ -10771,7 +10985,7 @@
             </a:endParaRPr>
           </a:p>
           <a:p>
-            <a:pPr indent="-342900" lvl="0" marL="457200" rtl="0" algn="l">
+            <a:pPr marL="457200" lvl="0" indent="-342900" algn="l" rtl="0">
               <a:spcBef>
                 <a:spcPts val="0"/>
               </a:spcBef>
@@ -10818,11 +11032,11 @@
 </file>
 
 <file path=ppt/slides/slide4.xml><?xml version="1.0" encoding="utf-8"?>
-<p:sld xmlns:a="http://schemas.openxmlformats.org/drawingml/2006/main" xmlns:r="http://schemas.openxmlformats.org/officeDocument/2006/relationships" xmlns:mc="http://schemas.openxmlformats.org/markup-compatibility/2006" xmlns:mv="urn:schemas-microsoft-com:mac:vml" xmlns:p="http://schemas.openxmlformats.org/presentationml/2006/main" xmlns:c="http://schemas.openxmlformats.org/drawingml/2006/chart" xmlns:dgm="http://schemas.openxmlformats.org/drawingml/2006/diagram" xmlns:o="urn:schemas-microsoft-com:office:office" xmlns:v="urn:schemas-microsoft-com:vml" xmlns:pvml="urn:schemas-microsoft-com:office:powerpoint" xmlns:com="http://schemas.openxmlformats.org/drawingml/2006/compatibility" xmlns:p14="http://schemas.microsoft.com/office/powerpoint/2010/main" xmlns:p15="http://schemas.microsoft.com/office/powerpoint/2012/main" xmlns:ahyp="http://schemas.microsoft.com/office/drawing/2018/hyperlinkcolor">
+<p:sld xmlns:a="http://schemas.openxmlformats.org/drawingml/2006/main" xmlns:r="http://schemas.openxmlformats.org/officeDocument/2006/relationships" xmlns:p="http://schemas.openxmlformats.org/presentationml/2006/main">
   <p:cSld>
     <p:spTree>
       <p:nvGrpSpPr>
-        <p:cNvPr id="85" name="Shape 85"/>
+        <p:cNvPr id="1" name="Shape 85"/>
         <p:cNvGrpSpPr/>
         <p:nvPr/>
       </p:nvGrpSpPr>
@@ -10837,7 +11051,9 @@
       <p:sp>
         <p:nvSpPr>
           <p:cNvPr id="86" name="Google Shape;86;p16"/>
-          <p:cNvSpPr txBox="1"/>
+          <p:cNvSpPr txBox="1">
+            <a:spLocks noGrp="1"/>
+          </p:cNvSpPr>
           <p:nvPr>
             <p:ph type="title"/>
           </p:nvPr>
@@ -10852,12 +11068,12 @@
           </a:prstGeom>
         </p:spPr>
         <p:txBody>
-          <a:bodyPr anchorCtr="0" anchor="b" bIns="91425" lIns="91425" spcFirstLastPara="1" rIns="91425" wrap="square" tIns="91425">
+          <a:bodyPr spcFirstLastPara="1" wrap="square" lIns="91425" tIns="91425" rIns="91425" bIns="91425" anchor="b" anchorCtr="0">
             <a:normAutofit/>
           </a:bodyPr>
           <a:lstStyle/>
           <a:p>
-            <a:pPr indent="0" lvl="0" marL="0" rtl="0" algn="l">
+            <a:pPr marL="0" lvl="0" indent="0" algn="l" rtl="0">
               <a:spcBef>
                 <a:spcPts val="0"/>
               </a:spcBef>
@@ -10877,9 +11093,11 @@
       <p:sp>
         <p:nvSpPr>
           <p:cNvPr id="87" name="Google Shape;87;p16"/>
-          <p:cNvSpPr txBox="1"/>
+          <p:cNvSpPr txBox="1">
+            <a:spLocks noGrp="1"/>
+          </p:cNvSpPr>
           <p:nvPr>
-            <p:ph idx="1" type="body"/>
+            <p:ph type="body" idx="1"/>
           </p:nvPr>
         </p:nvSpPr>
         <p:spPr>
@@ -10892,12 +11110,12 @@
           </a:prstGeom>
         </p:spPr>
         <p:txBody>
-          <a:bodyPr anchorCtr="0" anchor="t" bIns="91425" lIns="91425" spcFirstLastPara="1" rIns="91425" wrap="square" tIns="91425">
+          <a:bodyPr spcFirstLastPara="1" wrap="square" lIns="91425" tIns="91425" rIns="91425" bIns="91425" anchor="t" anchorCtr="0">
             <a:normAutofit/>
           </a:bodyPr>
           <a:lstStyle/>
           <a:p>
-            <a:pPr indent="-342900" lvl="0" marL="457200" rtl="0" algn="l">
+            <a:pPr marL="457200" lvl="0" indent="-342900" algn="l" rtl="0">
               <a:spcBef>
                 <a:spcPts val="0"/>
               </a:spcBef>
@@ -10914,7 +11132,7 @@
             <a:endParaRPr/>
           </a:p>
           <a:p>
-            <a:pPr indent="-342900" lvl="0" marL="457200" rtl="0" algn="l">
+            <a:pPr marL="457200" lvl="0" indent="-342900" algn="l" rtl="0">
               <a:spcBef>
                 <a:spcPts val="0"/>
               </a:spcBef>
@@ -10943,7 +11161,7 @@
             </a:endParaRPr>
           </a:p>
           <a:p>
-            <a:pPr indent="-342900" lvl="0" marL="457200" rtl="0" algn="l">
+            <a:pPr marL="457200" lvl="0" indent="-342900" algn="l" rtl="0">
               <a:spcBef>
                 <a:spcPts val="0"/>
               </a:spcBef>
@@ -10972,7 +11190,7 @@
             </a:endParaRPr>
           </a:p>
           <a:p>
-            <a:pPr indent="-342900" lvl="0" marL="457200" rtl="0" algn="l">
+            <a:pPr marL="457200" lvl="0" indent="-342900" algn="l" rtl="0">
               <a:spcBef>
                 <a:spcPts val="0"/>
               </a:spcBef>
@@ -10989,7 +11207,7 @@
             <a:endParaRPr/>
           </a:p>
           <a:p>
-            <a:pPr indent="-342900" lvl="0" marL="457200" rtl="0" algn="l">
+            <a:pPr marL="457200" lvl="0" indent="-342900" algn="l" rtl="0">
               <a:spcBef>
                 <a:spcPts val="0"/>
               </a:spcBef>
@@ -11055,12 +11273,12 @@
           </a:ln>
         </p:spPr>
         <p:txBody>
-          <a:bodyPr anchorCtr="0" anchor="t" bIns="91425" lIns="91425" spcFirstLastPara="1" rIns="91425" wrap="square" tIns="91425">
+          <a:bodyPr spcFirstLastPara="1" wrap="square" lIns="91425" tIns="91425" rIns="91425" bIns="91425" anchor="t" anchorCtr="0">
             <a:spAutoFit/>
           </a:bodyPr>
           <a:lstStyle/>
           <a:p>
-            <a:pPr indent="0" lvl="0" marL="0" rtl="0" algn="l">
+            <a:pPr marL="0" lvl="0" indent="0" algn="l" rtl="0">
               <a:spcBef>
                 <a:spcPts val="0"/>
               </a:spcBef>
@@ -11075,23 +11293,7 @@
                   <a:schemeClr val="dk1"/>
                 </a:solidFill>
               </a:rPr>
-              <a:t>Figure 3: </a:t>
-            </a:r>
-            <a:r>
-              <a:rPr lang="en">
-                <a:solidFill>
-                  <a:schemeClr val="dk1"/>
-                </a:solidFill>
-              </a:rPr>
-              <a:t>Initial Data Distribution</a:t>
-            </a:r>
-            <a:r>
-              <a:rPr lang="en">
-                <a:solidFill>
-                  <a:schemeClr val="dk1"/>
-                </a:solidFill>
-              </a:rPr>
-              <a:t> </a:t>
+              <a:t>Figure 3: Initial Data Distribution </a:t>
             </a:r>
             <a:endParaRPr>
               <a:solidFill>
@@ -11110,11 +11312,11 @@
 </file>
 
 <file path=ppt/slides/slide5.xml><?xml version="1.0" encoding="utf-8"?>
-<p:sld xmlns:a="http://schemas.openxmlformats.org/drawingml/2006/main" xmlns:r="http://schemas.openxmlformats.org/officeDocument/2006/relationships" xmlns:mc="http://schemas.openxmlformats.org/markup-compatibility/2006" xmlns:mv="urn:schemas-microsoft-com:mac:vml" xmlns:p="http://schemas.openxmlformats.org/presentationml/2006/main" xmlns:c="http://schemas.openxmlformats.org/drawingml/2006/chart" xmlns:dgm="http://schemas.openxmlformats.org/drawingml/2006/diagram" xmlns:o="urn:schemas-microsoft-com:office:office" xmlns:v="urn:schemas-microsoft-com:vml" xmlns:pvml="urn:schemas-microsoft-com:office:powerpoint" xmlns:com="http://schemas.openxmlformats.org/drawingml/2006/compatibility" xmlns:p14="http://schemas.microsoft.com/office/powerpoint/2010/main" xmlns:p15="http://schemas.microsoft.com/office/powerpoint/2012/main" xmlns:ahyp="http://schemas.microsoft.com/office/drawing/2018/hyperlinkcolor">
+<p:sld xmlns:a="http://schemas.openxmlformats.org/drawingml/2006/main" xmlns:r="http://schemas.openxmlformats.org/officeDocument/2006/relationships" xmlns:p="http://schemas.openxmlformats.org/presentationml/2006/main">
   <p:cSld>
     <p:spTree>
       <p:nvGrpSpPr>
-        <p:cNvPr id="93" name="Shape 93"/>
+        <p:cNvPr id="1" name="Shape 93"/>
         <p:cNvGrpSpPr/>
         <p:nvPr/>
       </p:nvGrpSpPr>
@@ -11129,7 +11331,9 @@
       <p:sp>
         <p:nvSpPr>
           <p:cNvPr id="94" name="Google Shape;94;p17"/>
-          <p:cNvSpPr txBox="1"/>
+          <p:cNvSpPr txBox="1">
+            <a:spLocks noGrp="1"/>
+          </p:cNvSpPr>
           <p:nvPr>
             <p:ph type="title"/>
           </p:nvPr>
@@ -11144,12 +11348,12 @@
           </a:prstGeom>
         </p:spPr>
         <p:txBody>
-          <a:bodyPr anchorCtr="0" anchor="b" bIns="91425" lIns="91425" spcFirstLastPara="1" rIns="91425" wrap="square" tIns="91425">
+          <a:bodyPr spcFirstLastPara="1" wrap="square" lIns="91425" tIns="91425" rIns="91425" bIns="91425" anchor="b" anchorCtr="0">
             <a:normAutofit fontScale="90000"/>
           </a:bodyPr>
           <a:lstStyle/>
           <a:p>
-            <a:pPr indent="0" lvl="0" marL="0" rtl="0" algn="l">
+            <a:pPr marL="0" lvl="0" indent="0" algn="l" rtl="0">
               <a:spcBef>
                 <a:spcPts val="0"/>
               </a:spcBef>
@@ -11165,7 +11369,7 @@
             <a:endParaRPr/>
           </a:p>
           <a:p>
-            <a:pPr indent="0" lvl="0" marL="0" rtl="0" algn="l">
+            <a:pPr marL="0" lvl="0" indent="0" algn="l" rtl="0">
               <a:spcBef>
                 <a:spcPts val="0"/>
               </a:spcBef>
@@ -11230,12 +11434,12 @@
           </a:ln>
         </p:spPr>
         <p:txBody>
-          <a:bodyPr anchorCtr="0" anchor="t" bIns="91425" lIns="91425" spcFirstLastPara="1" rIns="91425" wrap="square" tIns="91425">
+          <a:bodyPr spcFirstLastPara="1" wrap="square" lIns="91425" tIns="91425" rIns="91425" bIns="91425" anchor="t" anchorCtr="0">
             <a:spAutoFit/>
           </a:bodyPr>
           <a:lstStyle/>
           <a:p>
-            <a:pPr indent="0" lvl="0" marL="0" rtl="0" algn="l">
+            <a:pPr marL="0" lvl="0" indent="0" algn="l" rtl="0">
               <a:spcBef>
                 <a:spcPts val="0"/>
               </a:spcBef>
@@ -11269,11 +11473,11 @@
 </file>
 
 <file path=ppt/slides/slide6.xml><?xml version="1.0" encoding="utf-8"?>
-<p:sld xmlns:a="http://schemas.openxmlformats.org/drawingml/2006/main" xmlns:r="http://schemas.openxmlformats.org/officeDocument/2006/relationships" xmlns:mc="http://schemas.openxmlformats.org/markup-compatibility/2006" xmlns:mv="urn:schemas-microsoft-com:mac:vml" xmlns:p="http://schemas.openxmlformats.org/presentationml/2006/main" xmlns:c="http://schemas.openxmlformats.org/drawingml/2006/chart" xmlns:dgm="http://schemas.openxmlformats.org/drawingml/2006/diagram" xmlns:o="urn:schemas-microsoft-com:office:office" xmlns:v="urn:schemas-microsoft-com:vml" xmlns:pvml="urn:schemas-microsoft-com:office:powerpoint" xmlns:com="http://schemas.openxmlformats.org/drawingml/2006/compatibility" xmlns:p14="http://schemas.microsoft.com/office/powerpoint/2010/main" xmlns:p15="http://schemas.microsoft.com/office/powerpoint/2012/main" xmlns:ahyp="http://schemas.microsoft.com/office/drawing/2018/hyperlinkcolor">
+<p:sld xmlns:a="http://schemas.openxmlformats.org/drawingml/2006/main" xmlns:r="http://schemas.openxmlformats.org/officeDocument/2006/relationships" xmlns:p="http://schemas.openxmlformats.org/presentationml/2006/main">
   <p:cSld>
     <p:spTree>
       <p:nvGrpSpPr>
-        <p:cNvPr id="100" name="Shape 100"/>
+        <p:cNvPr id="1" name="Shape 100"/>
         <p:cNvGrpSpPr/>
         <p:nvPr/>
       </p:nvGrpSpPr>
@@ -11288,7 +11492,9 @@
       <p:sp>
         <p:nvSpPr>
           <p:cNvPr id="101" name="Google Shape;101;p18"/>
-          <p:cNvSpPr txBox="1"/>
+          <p:cNvSpPr txBox="1">
+            <a:spLocks noGrp="1"/>
+          </p:cNvSpPr>
           <p:nvPr>
             <p:ph type="title"/>
           </p:nvPr>
@@ -11303,12 +11509,12 @@
           </a:prstGeom>
         </p:spPr>
         <p:txBody>
-          <a:bodyPr anchorCtr="0" anchor="b" bIns="91425" lIns="91425" spcFirstLastPara="1" rIns="91425" wrap="square" tIns="91425">
+          <a:bodyPr spcFirstLastPara="1" wrap="square" lIns="91425" tIns="91425" rIns="91425" bIns="91425" anchor="b" anchorCtr="0">
             <a:normAutofit fontScale="90000"/>
           </a:bodyPr>
           <a:lstStyle/>
           <a:p>
-            <a:pPr indent="0" lvl="0" marL="0" rtl="0" algn="l">
+            <a:pPr marL="0" lvl="0" indent="0" algn="l" rtl="0">
               <a:spcBef>
                 <a:spcPts val="0"/>
               </a:spcBef>
@@ -11324,7 +11530,7 @@
             <a:endParaRPr/>
           </a:p>
           <a:p>
-            <a:pPr indent="0" lvl="0" marL="0" rtl="0" algn="l">
+            <a:pPr marL="0" lvl="0" indent="0" algn="l" rtl="0">
               <a:spcBef>
                 <a:spcPts val="0"/>
               </a:spcBef>
@@ -11417,12 +11623,12 @@
           </a:ln>
         </p:spPr>
         <p:txBody>
-          <a:bodyPr anchorCtr="0" anchor="t" bIns="91425" lIns="91425" spcFirstLastPara="1" rIns="91425" wrap="square" tIns="91425">
+          <a:bodyPr spcFirstLastPara="1" wrap="square" lIns="91425" tIns="91425" rIns="91425" bIns="91425" anchor="t" anchorCtr="0">
             <a:spAutoFit/>
           </a:bodyPr>
           <a:lstStyle/>
           <a:p>
-            <a:pPr indent="0" lvl="0" marL="0" rtl="0" algn="l">
+            <a:pPr marL="0" lvl="0" indent="0" algn="l" rtl="0">
               <a:spcBef>
                 <a:spcPts val="0"/>
               </a:spcBef>
@@ -11467,12 +11673,12 @@
           </a:ln>
         </p:spPr>
         <p:txBody>
-          <a:bodyPr anchorCtr="0" anchor="t" bIns="91425" lIns="91425" spcFirstLastPara="1" rIns="91425" wrap="square" tIns="91425">
+          <a:bodyPr spcFirstLastPara="1" wrap="square" lIns="91425" tIns="91425" rIns="91425" bIns="91425" anchor="t" anchorCtr="0">
             <a:spAutoFit/>
           </a:bodyPr>
           <a:lstStyle/>
           <a:p>
-            <a:pPr indent="-342900" lvl="0" marL="457200" rtl="0" algn="l">
+            <a:pPr marL="457200" lvl="0" indent="-342900" algn="l" rtl="0">
               <a:spcBef>
                 <a:spcPts val="0"/>
               </a:spcBef>
@@ -11496,19 +11702,7 @@
                 <a:cs typeface="Roboto"/>
                 <a:sym typeface="Roboto"/>
               </a:rPr>
-              <a:t>Images weren’t same </a:t>
-            </a:r>
-            <a:r>
-              <a:rPr lang="en" sz="1800">
-                <a:solidFill>
-                  <a:schemeClr val="dk1"/>
-                </a:solidFill>
-                <a:latin typeface="Roboto"/>
-                <a:ea typeface="Roboto"/>
-                <a:cs typeface="Roboto"/>
-                <a:sym typeface="Roboto"/>
-              </a:rPr>
-              <a:t>dimensions</a:t>
+              <a:t>Images weren’t same dimensions</a:t>
             </a:r>
             <a:endParaRPr sz="1800">
               <a:solidFill>
@@ -11521,7 +11715,7 @@
             </a:endParaRPr>
           </a:p>
           <a:p>
-            <a:pPr indent="-342900" lvl="0" marL="457200" rtl="0" algn="l">
+            <a:pPr marL="457200" lvl="0" indent="-342900" algn="l" rtl="0">
               <a:spcBef>
                 <a:spcPts val="0"/>
               </a:spcBef>
@@ -11558,7 +11752,7 @@
             </a:endParaRPr>
           </a:p>
           <a:p>
-            <a:pPr indent="-342900" lvl="0" marL="457200" rtl="0" algn="l">
+            <a:pPr marL="457200" lvl="0" indent="-342900" algn="l" rtl="0">
               <a:spcBef>
                 <a:spcPts val="0"/>
               </a:spcBef>
@@ -11605,11 +11799,11 @@
 </file>
 
 <file path=ppt/slides/slide7.xml><?xml version="1.0" encoding="utf-8"?>
-<p:sld xmlns:a="http://schemas.openxmlformats.org/drawingml/2006/main" xmlns:r="http://schemas.openxmlformats.org/officeDocument/2006/relationships" xmlns:mc="http://schemas.openxmlformats.org/markup-compatibility/2006" xmlns:mv="urn:schemas-microsoft-com:mac:vml" xmlns:p="http://schemas.openxmlformats.org/presentationml/2006/main" xmlns:c="http://schemas.openxmlformats.org/drawingml/2006/chart" xmlns:dgm="http://schemas.openxmlformats.org/drawingml/2006/diagram" xmlns:o="urn:schemas-microsoft-com:office:office" xmlns:v="urn:schemas-microsoft-com:vml" xmlns:pvml="urn:schemas-microsoft-com:office:powerpoint" xmlns:com="http://schemas.openxmlformats.org/drawingml/2006/compatibility" xmlns:p14="http://schemas.microsoft.com/office/powerpoint/2010/main" xmlns:p15="http://schemas.microsoft.com/office/powerpoint/2012/main" xmlns:ahyp="http://schemas.microsoft.com/office/drawing/2018/hyperlinkcolor">
+<p:sld xmlns:a="http://schemas.openxmlformats.org/drawingml/2006/main" xmlns:r="http://schemas.openxmlformats.org/officeDocument/2006/relationships" xmlns:p="http://schemas.openxmlformats.org/presentationml/2006/main">
   <p:cSld>
     <p:spTree>
       <p:nvGrpSpPr>
-        <p:cNvPr id="109" name="Shape 109"/>
+        <p:cNvPr id="1" name="Shape 109"/>
         <p:cNvGrpSpPr/>
         <p:nvPr/>
       </p:nvGrpSpPr>
@@ -11624,7 +11818,9 @@
       <p:sp>
         <p:nvSpPr>
           <p:cNvPr id="110" name="Google Shape;110;p19"/>
-          <p:cNvSpPr txBox="1"/>
+          <p:cNvSpPr txBox="1">
+            <a:spLocks noGrp="1"/>
+          </p:cNvSpPr>
           <p:nvPr>
             <p:ph type="title"/>
           </p:nvPr>
@@ -11639,12 +11835,12 @@
           </a:prstGeom>
         </p:spPr>
         <p:txBody>
-          <a:bodyPr anchorCtr="0" anchor="b" bIns="91425" lIns="91425" spcFirstLastPara="1" rIns="91425" wrap="square" tIns="91425">
+          <a:bodyPr spcFirstLastPara="1" wrap="square" lIns="91425" tIns="91425" rIns="91425" bIns="91425" anchor="b" anchorCtr="0">
             <a:normAutofit/>
           </a:bodyPr>
           <a:lstStyle/>
           <a:p>
-            <a:pPr indent="0" lvl="0" marL="0" rtl="0" algn="l">
+            <a:pPr marL="0" lvl="0" indent="0" algn="l" rtl="0">
               <a:spcBef>
                 <a:spcPts val="0"/>
               </a:spcBef>
@@ -11664,9 +11860,11 @@
       <p:sp>
         <p:nvSpPr>
           <p:cNvPr id="111" name="Google Shape;111;p19"/>
-          <p:cNvSpPr txBox="1"/>
+          <p:cNvSpPr txBox="1">
+            <a:spLocks noGrp="1"/>
+          </p:cNvSpPr>
           <p:nvPr>
-            <p:ph idx="1" type="body"/>
+            <p:ph type="body" idx="1"/>
           </p:nvPr>
         </p:nvSpPr>
         <p:spPr>
@@ -11679,12 +11877,12 @@
           </a:prstGeom>
         </p:spPr>
         <p:txBody>
-          <a:bodyPr anchorCtr="0" anchor="t" bIns="91425" lIns="91425" spcFirstLastPara="1" rIns="91425" wrap="square" tIns="91425">
+          <a:bodyPr spcFirstLastPara="1" wrap="square" lIns="91425" tIns="91425" rIns="91425" bIns="91425" anchor="t" anchorCtr="0">
             <a:normAutofit/>
           </a:bodyPr>
           <a:lstStyle/>
           <a:p>
-            <a:pPr indent="-342900" lvl="0" marL="457200" rtl="0" algn="l">
+            <a:pPr marL="457200" lvl="0" indent="-342900" algn="l" rtl="0">
               <a:spcBef>
                 <a:spcPts val="0"/>
               </a:spcBef>
@@ -11701,7 +11899,7 @@
             <a:endParaRPr/>
           </a:p>
           <a:p>
-            <a:pPr indent="-342900" lvl="0" marL="457200" rtl="0" algn="l">
+            <a:pPr marL="457200" lvl="0" indent="-342900" algn="l" rtl="0">
               <a:spcBef>
                 <a:spcPts val="0"/>
               </a:spcBef>
@@ -11730,7 +11928,7 @@
             <a:endParaRPr/>
           </a:p>
           <a:p>
-            <a:pPr indent="-342900" lvl="0" marL="457200" rtl="0" algn="l">
+            <a:pPr marL="457200" lvl="0" indent="-342900" algn="l" rtl="0">
               <a:spcBef>
                 <a:spcPts val="0"/>
               </a:spcBef>
@@ -11796,12 +11994,12 @@
           </a:ln>
         </p:spPr>
         <p:txBody>
-          <a:bodyPr anchorCtr="0" anchor="t" bIns="91425" lIns="91425" spcFirstLastPara="1" rIns="91425" wrap="square" tIns="91425">
+          <a:bodyPr spcFirstLastPara="1" wrap="square" lIns="91425" tIns="91425" rIns="91425" bIns="91425" anchor="t" anchorCtr="0">
             <a:spAutoFit/>
           </a:bodyPr>
           <a:lstStyle/>
           <a:p>
-            <a:pPr indent="0" lvl="0" marL="0" rtl="0" algn="l">
+            <a:pPr marL="0" lvl="0" indent="0" algn="l" rtl="0">
               <a:spcBef>
                 <a:spcPts val="0"/>
               </a:spcBef>
@@ -11843,11 +12041,11 @@
 </file>
 
 <file path=ppt/slides/slide8.xml><?xml version="1.0" encoding="utf-8"?>
-<p:sld xmlns:a="http://schemas.openxmlformats.org/drawingml/2006/main" xmlns:r="http://schemas.openxmlformats.org/officeDocument/2006/relationships" xmlns:mc="http://schemas.openxmlformats.org/markup-compatibility/2006" xmlns:mv="urn:schemas-microsoft-com:mac:vml" xmlns:p="http://schemas.openxmlformats.org/presentationml/2006/main" xmlns:c="http://schemas.openxmlformats.org/drawingml/2006/chart" xmlns:dgm="http://schemas.openxmlformats.org/drawingml/2006/diagram" xmlns:o="urn:schemas-microsoft-com:office:office" xmlns:v="urn:schemas-microsoft-com:vml" xmlns:pvml="urn:schemas-microsoft-com:office:powerpoint" xmlns:com="http://schemas.openxmlformats.org/drawingml/2006/compatibility" xmlns:p14="http://schemas.microsoft.com/office/powerpoint/2010/main" xmlns:p15="http://schemas.microsoft.com/office/powerpoint/2012/main" xmlns:ahyp="http://schemas.microsoft.com/office/drawing/2018/hyperlinkcolor">
+<p:sld xmlns:a="http://schemas.openxmlformats.org/drawingml/2006/main" xmlns:r="http://schemas.openxmlformats.org/officeDocument/2006/relationships" xmlns:p="http://schemas.openxmlformats.org/presentationml/2006/main">
   <p:cSld>
     <p:spTree>
       <p:nvGrpSpPr>
-        <p:cNvPr id="117" name="Shape 117"/>
+        <p:cNvPr id="1" name="Shape 117"/>
         <p:cNvGrpSpPr/>
         <p:nvPr/>
       </p:nvGrpSpPr>
@@ -11862,7 +12060,9 @@
       <p:sp>
         <p:nvSpPr>
           <p:cNvPr id="118" name="Google Shape;118;p20"/>
-          <p:cNvSpPr txBox="1"/>
+          <p:cNvSpPr txBox="1">
+            <a:spLocks noGrp="1"/>
+          </p:cNvSpPr>
           <p:nvPr>
             <p:ph type="title"/>
           </p:nvPr>
@@ -11877,12 +12077,12 @@
           </a:prstGeom>
         </p:spPr>
         <p:txBody>
-          <a:bodyPr anchorCtr="0" anchor="b" bIns="91425" lIns="91425" spcFirstLastPara="1" rIns="91425" wrap="square" tIns="91425">
+          <a:bodyPr spcFirstLastPara="1" wrap="square" lIns="91425" tIns="91425" rIns="91425" bIns="91425" anchor="b" anchorCtr="0">
             <a:normAutofit/>
           </a:bodyPr>
           <a:lstStyle/>
           <a:p>
-            <a:pPr indent="0" lvl="0" marL="0" rtl="0" algn="l">
+            <a:pPr marL="0" lvl="0" indent="0" algn="l" rtl="0">
               <a:spcBef>
                 <a:spcPts val="0"/>
               </a:spcBef>
@@ -11902,9 +12102,11 @@
       <p:sp>
         <p:nvSpPr>
           <p:cNvPr id="119" name="Google Shape;119;p20"/>
-          <p:cNvSpPr txBox="1"/>
+          <p:cNvSpPr txBox="1">
+            <a:spLocks noGrp="1"/>
+          </p:cNvSpPr>
           <p:nvPr>
-            <p:ph idx="1" type="body"/>
+            <p:ph type="body" idx="1"/>
           </p:nvPr>
         </p:nvSpPr>
         <p:spPr>
@@ -11917,12 +12119,12 @@
           </a:prstGeom>
         </p:spPr>
         <p:txBody>
-          <a:bodyPr anchorCtr="0" anchor="t" bIns="91425" lIns="91425" spcFirstLastPara="1" rIns="91425" wrap="square" tIns="91425">
+          <a:bodyPr spcFirstLastPara="1" wrap="square" lIns="91425" tIns="91425" rIns="91425" bIns="91425" anchor="t" anchorCtr="0">
             <a:normAutofit/>
           </a:bodyPr>
           <a:lstStyle/>
           <a:p>
-            <a:pPr indent="-342900" lvl="0" marL="457200" rtl="0" algn="l">
+            <a:pPr marL="457200" lvl="0" indent="-342900" algn="l" rtl="0">
               <a:lnSpc>
                 <a:spcPct val="105000"/>
               </a:lnSpc>
@@ -11942,7 +12144,7 @@
             <a:endParaRPr/>
           </a:p>
           <a:p>
-            <a:pPr indent="-342900" lvl="0" marL="457200" rtl="0" algn="l">
+            <a:pPr marL="457200" lvl="0" indent="-342900" algn="l" rtl="0">
               <a:lnSpc>
                 <a:spcPct val="105000"/>
               </a:lnSpc>
@@ -11957,11 +12159,7 @@
             </a:pPr>
             <a:r>
               <a:rPr lang="en"/>
-              <a:t>Feature transforms:</a:t>
-            </a:r>
-            <a:r>
-              <a:rPr lang="en"/>
-              <a:t> </a:t>
+              <a:t>Feature transforms: </a:t>
             </a:r>
             <a:r>
               <a:rPr lang="en">
@@ -11978,7 +12176,7 @@
             </a:endParaRPr>
           </a:p>
           <a:p>
-            <a:pPr indent="-342900" lvl="0" marL="457200" rtl="0" algn="l">
+            <a:pPr marL="457200" lvl="0" indent="-342900" algn="l" rtl="0">
               <a:lnSpc>
                 <a:spcPct val="105000"/>
               </a:lnSpc>
@@ -12010,7 +12208,7 @@
             <a:endParaRPr/>
           </a:p>
           <a:p>
-            <a:pPr indent="-342900" lvl="0" marL="457200" rtl="0" algn="l">
+            <a:pPr marL="457200" lvl="0" indent="-342900" algn="l" rtl="0">
               <a:lnSpc>
                 <a:spcPct val="105000"/>
               </a:lnSpc>
@@ -12042,7 +12240,7 @@
             <a:endParaRPr/>
           </a:p>
           <a:p>
-            <a:pPr indent="0" lvl="0" marL="457200" rtl="0" algn="l">
+            <a:pPr marL="457200" lvl="0" indent="0" algn="l" rtl="0">
               <a:lnSpc>
                 <a:spcPct val="105000"/>
               </a:lnSpc>
@@ -12054,9 +12252,6 @@
               </a:spcAft>
               <a:buNone/>
             </a:pPr>
-            <a:r>
-              <a:t/>
-            </a:r>
             <a:endParaRPr/>
           </a:p>
         </p:txBody>
@@ -12081,12 +12276,12 @@
           </a:ln>
         </p:spPr>
         <p:txBody>
-          <a:bodyPr anchorCtr="0" anchor="t" bIns="91425" lIns="91425" spcFirstLastPara="1" rIns="91425" wrap="square" tIns="91425">
+          <a:bodyPr spcFirstLastPara="1" wrap="square" lIns="91425" tIns="91425" rIns="91425" bIns="91425" anchor="t" anchorCtr="0">
             <a:spAutoFit/>
           </a:bodyPr>
           <a:lstStyle/>
           <a:p>
-            <a:pPr indent="0" lvl="0" marL="0" rtl="0" algn="l">
+            <a:pPr marL="0" lvl="0" indent="0" algn="l" rtl="0">
               <a:spcBef>
                 <a:spcPts val="0"/>
               </a:spcBef>
@@ -12204,11 +12399,11 @@
 </file>
 
 <file path=ppt/slides/slide9.xml><?xml version="1.0" encoding="utf-8"?>
-<p:sld xmlns:a="http://schemas.openxmlformats.org/drawingml/2006/main" xmlns:r="http://schemas.openxmlformats.org/officeDocument/2006/relationships" xmlns:mc="http://schemas.openxmlformats.org/markup-compatibility/2006" xmlns:mv="urn:schemas-microsoft-com:mac:vml" xmlns:p="http://schemas.openxmlformats.org/presentationml/2006/main" xmlns:c="http://schemas.openxmlformats.org/drawingml/2006/chart" xmlns:dgm="http://schemas.openxmlformats.org/drawingml/2006/diagram" xmlns:o="urn:schemas-microsoft-com:office:office" xmlns:v="urn:schemas-microsoft-com:vml" xmlns:pvml="urn:schemas-microsoft-com:office:powerpoint" xmlns:com="http://schemas.openxmlformats.org/drawingml/2006/compatibility" xmlns:p14="http://schemas.microsoft.com/office/powerpoint/2010/main" xmlns:p15="http://schemas.microsoft.com/office/powerpoint/2012/main" xmlns:ahyp="http://schemas.microsoft.com/office/drawing/2018/hyperlinkcolor">
+<p:sld xmlns:a="http://schemas.openxmlformats.org/drawingml/2006/main" xmlns:r="http://schemas.openxmlformats.org/officeDocument/2006/relationships" xmlns:p="http://schemas.openxmlformats.org/presentationml/2006/main">
   <p:cSld>
     <p:spTree>
       <p:nvGrpSpPr>
-        <p:cNvPr id="127" name="Shape 127"/>
+        <p:cNvPr id="1" name="Shape 127"/>
         <p:cNvGrpSpPr/>
         <p:nvPr/>
       </p:nvGrpSpPr>
@@ -12223,7 +12418,9 @@
       <p:sp>
         <p:nvSpPr>
           <p:cNvPr id="128" name="Google Shape;128;p21"/>
-          <p:cNvSpPr txBox="1"/>
+          <p:cNvSpPr txBox="1">
+            <a:spLocks noGrp="1"/>
+          </p:cNvSpPr>
           <p:nvPr>
             <p:ph type="title"/>
           </p:nvPr>
@@ -12238,12 +12435,12 @@
           </a:prstGeom>
         </p:spPr>
         <p:txBody>
-          <a:bodyPr anchorCtr="0" anchor="b" bIns="91425" lIns="91425" spcFirstLastPara="1" rIns="91425" wrap="square" tIns="91425">
+          <a:bodyPr spcFirstLastPara="1" wrap="square" lIns="91425" tIns="91425" rIns="91425" bIns="91425" anchor="b" anchorCtr="0">
             <a:normAutofit/>
           </a:bodyPr>
           <a:lstStyle/>
           <a:p>
-            <a:pPr indent="0" lvl="0" marL="0" rtl="0" algn="l">
+            <a:pPr marL="0" lvl="0" indent="0" algn="l" rtl="0">
               <a:spcBef>
                 <a:spcPts val="0"/>
               </a:spcBef>
@@ -12263,9 +12460,11 @@
       <p:sp>
         <p:nvSpPr>
           <p:cNvPr id="129" name="Google Shape;129;p21"/>
-          <p:cNvSpPr txBox="1"/>
+          <p:cNvSpPr txBox="1">
+            <a:spLocks noGrp="1"/>
+          </p:cNvSpPr>
           <p:nvPr>
-            <p:ph idx="1" type="body"/>
+            <p:ph type="body" idx="1"/>
           </p:nvPr>
         </p:nvSpPr>
         <p:spPr>
@@ -12278,12 +12477,12 @@
           </a:prstGeom>
         </p:spPr>
         <p:txBody>
-          <a:bodyPr anchorCtr="0" anchor="t" bIns="91425" lIns="91425" spcFirstLastPara="1" rIns="91425" wrap="square" tIns="91425">
+          <a:bodyPr spcFirstLastPara="1" wrap="square" lIns="91425" tIns="91425" rIns="91425" bIns="91425" anchor="t" anchorCtr="0">
             <a:normAutofit/>
           </a:bodyPr>
           <a:lstStyle/>
           <a:p>
-            <a:pPr indent="-342900" lvl="0" marL="457200" rtl="0" algn="l">
+            <a:pPr marL="457200" lvl="0" indent="-342900" algn="l" rtl="0">
               <a:lnSpc>
                 <a:spcPct val="105000"/>
               </a:lnSpc>
@@ -12315,7 +12514,7 @@
             <a:endParaRPr/>
           </a:p>
           <a:p>
-            <a:pPr indent="-342900" lvl="0" marL="457200" rtl="0" algn="l">
+            <a:pPr marL="457200" lvl="0" indent="-342900" algn="l" rtl="0">
               <a:lnSpc>
                 <a:spcPct val="105000"/>
               </a:lnSpc>
@@ -12408,12 +12607,12 @@
           </a:ln>
         </p:spPr>
         <p:txBody>
-          <a:bodyPr anchorCtr="0" anchor="t" bIns="91425" lIns="91425" spcFirstLastPara="1" rIns="91425" wrap="square" tIns="91425">
+          <a:bodyPr spcFirstLastPara="1" wrap="square" lIns="91425" tIns="91425" rIns="91425" bIns="91425" anchor="t" anchorCtr="0">
             <a:spAutoFit/>
           </a:bodyPr>
           <a:lstStyle/>
           <a:p>
-            <a:pPr indent="0" lvl="0" marL="0" rtl="0" algn="l">
+            <a:pPr marL="0" lvl="0" indent="0" algn="l" rtl="0">
               <a:spcBef>
                 <a:spcPts val="0"/>
               </a:spcBef>
@@ -12447,7 +12646,7 @@
 </file>
 
 <file path=ppt/theme/theme1.xml><?xml version="1.0" encoding="utf-8"?>
-<a:theme xmlns:a="http://schemas.openxmlformats.org/drawingml/2006/main" xmlns:r="http://schemas.openxmlformats.org/officeDocument/2006/relationships" name="Marina">
+<a:theme xmlns:a="http://schemas.openxmlformats.org/drawingml/2006/main" name="Marina">
   <a:themeElements>
     <a:clrScheme name="Marina">
       <a:dk1>
@@ -12722,11 +12921,13 @@
       </a:bgFillStyleLst>
     </a:fmtScheme>
   </a:themeElements>
+  <a:objectDefaults/>
+  <a:extraClrSchemeLst/>
 </a:theme>
 </file>
 
 <file path=ppt/theme/theme2.xml><?xml version="1.0" encoding="utf-8"?>
-<a:theme xmlns:a="http://schemas.openxmlformats.org/drawingml/2006/main" xmlns:r="http://schemas.openxmlformats.org/officeDocument/2006/relationships">
+<a:theme xmlns:a="http://schemas.openxmlformats.org/drawingml/2006/main">
   <a:themeElements>
     <a:clrScheme name="Default">
       <a:dk1>
@@ -13001,5 +13202,7 @@
       </a:bgFillStyleLst>
     </a:fmtScheme>
   </a:themeElements>
+  <a:objectDefaults/>
+  <a:extraClrSchemeLst/>
 </a:theme>
 </file>